--- a/presentations/SSI Introduction.pptx
+++ b/presentations/SSI Introduction.pptx
@@ -4,15 +4,20 @@
   <p:sldMasterIdLst>
     <p:sldMasterId id="2147483738" r:id="rId4"/>
     <p:sldMasterId id="2147483743" r:id="rId5"/>
+    <p:sldMasterId id="2147483755" r:id="rId6"/>
   </p:sldMasterIdLst>
   <p:notesMasterIdLst>
-    <p:notesMasterId r:id="rId10"/>
+    <p:notesMasterId r:id="rId15"/>
   </p:notesMasterIdLst>
   <p:sldIdLst>
-    <p:sldId id="616" r:id="rId6"/>
-    <p:sldId id="620" r:id="rId7"/>
-    <p:sldId id="609" r:id="rId8"/>
-    <p:sldId id="610" r:id="rId9"/>
+    <p:sldId id="616" r:id="rId7"/>
+    <p:sldId id="620" r:id="rId8"/>
+    <p:sldId id="609" r:id="rId9"/>
+    <p:sldId id="610" r:id="rId10"/>
+    <p:sldId id="621" r:id="rId11"/>
+    <p:sldId id="622" r:id="rId12"/>
+    <p:sldId id="623" r:id="rId13"/>
+    <p:sldId id="624" r:id="rId14"/>
   </p:sldIdLst>
   <p:sldSz cx="9144000" cy="6858000" type="screen4x3"/>
   <p:notesSz cx="6858000" cy="9144000"/>
@@ -213,7 +218,7 @@
             <a:fld id="{17BF77A4-95C4-49A7-B18D-D234C078783D}" type="datetimeFigureOut">
               <a:rPr lang="en-US" smtClean="0"/>
               <a:pPr/>
-              <a:t>2/10/17</a:t>
+              <a:t>12/4/17</a:t>
             </a:fld>
             <a:endParaRPr lang="en-US"/>
           </a:p>
@@ -849,6 +854,400 @@
 </p:notes>
 </file>
 
+<file path=ppt/notesSlides/notesSlide5.xml><?xml version="1.0" encoding="utf-8"?>
+<p:notes xmlns:a="http://schemas.openxmlformats.org/drawingml/2006/main" xmlns:r="http://schemas.openxmlformats.org/officeDocument/2006/relationships" xmlns:p="http://schemas.openxmlformats.org/presentationml/2006/main">
+  <p:cSld>
+    <p:spTree>
+      <p:nvGrpSpPr>
+        <p:cNvPr id="1" name=""/>
+        <p:cNvGrpSpPr/>
+        <p:nvPr/>
+      </p:nvGrpSpPr>
+      <p:grpSpPr>
+        <a:xfrm>
+          <a:off x="0" y="0"/>
+          <a:ext cx="0" cy="0"/>
+          <a:chOff x="0" y="0"/>
+          <a:chExt cx="0" cy="0"/>
+        </a:xfrm>
+      </p:grpSpPr>
+      <p:sp>
+        <p:nvSpPr>
+          <p:cNvPr id="2" name="Slide Image Placeholder 1"/>
+          <p:cNvSpPr>
+            <a:spLocks noGrp="1" noRot="1" noChangeAspect="1"/>
+          </p:cNvSpPr>
+          <p:nvPr>
+            <p:ph type="sldImg"/>
+          </p:nvPr>
+        </p:nvSpPr>
+        <p:spPr/>
+      </p:sp>
+      <p:sp>
+        <p:nvSpPr>
+          <p:cNvPr id="3" name="Notes Placeholder 2"/>
+          <p:cNvSpPr>
+            <a:spLocks noGrp="1"/>
+          </p:cNvSpPr>
+          <p:nvPr>
+            <p:ph type="body" idx="1"/>
+          </p:nvPr>
+        </p:nvSpPr>
+        <p:spPr/>
+        <p:txBody>
+          <a:bodyPr/>
+          <a:lstStyle/>
+          <a:p>
+            <a:r>
+              <a:rPr lang="en-US" dirty="0" smtClean="0"/>
+              <a:t>In</a:t>
+            </a:r>
+            <a:r>
+              <a:rPr lang="en-US" baseline="0" dirty="0" smtClean="0"/>
+              <a:t> related study 100% of respondents to survey from Europe said they used research software, 2.5 % No effect, 7.5% Possible but difficult, 90% impossible – this survey has more inherent bias because of the way it was conducted.</a:t>
+            </a:r>
+            <a:endParaRPr lang="en-US" dirty="0" smtClean="0"/>
+          </a:p>
+          <a:p>
+            <a:endParaRPr lang="en-US" dirty="0" smtClean="0"/>
+          </a:p>
+          <a:p>
+            <a:r>
+              <a:rPr lang="en-US" dirty="0" smtClean="0"/>
+              <a:t>Euro survey responses – Develop own software (90%), no</a:t>
+            </a:r>
+            <a:r>
+              <a:rPr lang="en-US" baseline="0" dirty="0" smtClean="0"/>
+              <a:t> formal training (57.5%)</a:t>
+            </a:r>
+            <a:endParaRPr lang="en-US" dirty="0" smtClean="0"/>
+          </a:p>
+          <a:p>
+            <a:r>
+              <a:rPr lang="en-US" dirty="0" smtClean="0"/>
+              <a:t>No training = 15%</a:t>
+            </a:r>
+          </a:p>
+          <a:p>
+            <a:r>
+              <a:rPr lang="en-US" dirty="0" smtClean="0"/>
+              <a:t>Formal + Self-Taught/Formal = 42.5%</a:t>
+            </a:r>
+          </a:p>
+          <a:p>
+            <a:r>
+              <a:rPr lang="en-US" dirty="0" smtClean="0"/>
+              <a:t>Self-taught only = 42.5%</a:t>
+            </a:r>
+          </a:p>
+          <a:p>
+            <a:endParaRPr lang="en-US" dirty="0" smtClean="0"/>
+          </a:p>
+          <a:p>
+            <a:endParaRPr lang="en-US" dirty="0" smtClean="0"/>
+          </a:p>
+          <a:p>
+            <a:endParaRPr lang="en-US" dirty="0"/>
+          </a:p>
+        </p:txBody>
+      </p:sp>
+      <p:sp>
+        <p:nvSpPr>
+          <p:cNvPr id="4" name="Slide Number Placeholder 3"/>
+          <p:cNvSpPr>
+            <a:spLocks noGrp="1"/>
+          </p:cNvSpPr>
+          <p:nvPr>
+            <p:ph type="sldNum" sz="quarter" idx="10"/>
+          </p:nvPr>
+        </p:nvSpPr>
+        <p:spPr/>
+        <p:txBody>
+          <a:bodyPr/>
+          <a:lstStyle/>
+          <a:p>
+            <a:fld id="{D9AF3933-7615-034E-8430-4762F36AECEF}" type="slidenum">
+              <a:rPr lang="en-US" smtClean="0">
+                <a:solidFill>
+                  <a:prstClr val="black"/>
+                </a:solidFill>
+              </a:rPr>
+              <a:pPr/>
+              <a:t>6</a:t>
+            </a:fld>
+            <a:endParaRPr lang="en-US">
+              <a:solidFill>
+                <a:prstClr val="black"/>
+              </a:solidFill>
+            </a:endParaRPr>
+          </a:p>
+        </p:txBody>
+      </p:sp>
+    </p:spTree>
+    <p:extLst>
+      <p:ext uri="{BB962C8B-B14F-4D97-AF65-F5344CB8AC3E}">
+        <p14:creationId xmlns:p14="http://schemas.microsoft.com/office/powerpoint/2010/main" val="1827089030"/>
+      </p:ext>
+    </p:extLst>
+  </p:cSld>
+  <p:clrMapOvr>
+    <a:masterClrMapping/>
+  </p:clrMapOvr>
+</p:notes>
+</file>
+
+<file path=ppt/notesSlides/notesSlide6.xml><?xml version="1.0" encoding="utf-8"?>
+<p:notes xmlns:a="http://schemas.openxmlformats.org/drawingml/2006/main" xmlns:r="http://schemas.openxmlformats.org/officeDocument/2006/relationships" xmlns:p="http://schemas.openxmlformats.org/presentationml/2006/main">
+  <p:cSld>
+    <p:spTree>
+      <p:nvGrpSpPr>
+        <p:cNvPr id="1" name=""/>
+        <p:cNvGrpSpPr/>
+        <p:nvPr/>
+      </p:nvGrpSpPr>
+      <p:grpSpPr>
+        <a:xfrm>
+          <a:off x="0" y="0"/>
+          <a:ext cx="0" cy="0"/>
+          <a:chOff x="0" y="0"/>
+          <a:chExt cx="0" cy="0"/>
+        </a:xfrm>
+      </p:grpSpPr>
+      <p:sp>
+        <p:nvSpPr>
+          <p:cNvPr id="2" name="Slide Image Placeholder 1"/>
+          <p:cNvSpPr>
+            <a:spLocks noGrp="1" noRot="1" noChangeAspect="1"/>
+          </p:cNvSpPr>
+          <p:nvPr>
+            <p:ph type="sldImg"/>
+          </p:nvPr>
+        </p:nvSpPr>
+        <p:spPr/>
+      </p:sp>
+      <p:sp>
+        <p:nvSpPr>
+          <p:cNvPr id="3" name="Notes Placeholder 2"/>
+          <p:cNvSpPr>
+            <a:spLocks noGrp="1"/>
+          </p:cNvSpPr>
+          <p:nvPr>
+            <p:ph type="body" idx="1"/>
+          </p:nvPr>
+        </p:nvSpPr>
+        <p:spPr/>
+        <p:txBody>
+          <a:bodyPr/>
+          <a:lstStyle/>
+          <a:p>
+            <a:r>
+              <a:rPr lang="en-US" baseline="0" dirty="0" smtClean="0"/>
+              <a:t>What is more, the UK invests a huge amount into research which relies on software – nearly a third of all research funding. This is a lower bound, as many grants will not have directly mentioned software. </a:t>
+            </a:r>
+            <a:endParaRPr lang="en-US" dirty="0" smtClean="0"/>
+          </a:p>
+          <a:p>
+            <a:endParaRPr lang="en-US" dirty="0" smtClean="0"/>
+          </a:p>
+          <a:p>
+            <a:endParaRPr lang="en-US" dirty="0" smtClean="0"/>
+          </a:p>
+          <a:p>
+            <a:endParaRPr lang="en-US" dirty="0"/>
+          </a:p>
+        </p:txBody>
+      </p:sp>
+      <p:sp>
+        <p:nvSpPr>
+          <p:cNvPr id="4" name="Slide Number Placeholder 3"/>
+          <p:cNvSpPr>
+            <a:spLocks noGrp="1"/>
+          </p:cNvSpPr>
+          <p:nvPr>
+            <p:ph type="sldNum" sz="quarter" idx="10"/>
+          </p:nvPr>
+        </p:nvSpPr>
+        <p:spPr/>
+        <p:txBody>
+          <a:bodyPr/>
+          <a:lstStyle/>
+          <a:p>
+            <a:fld id="{D9AF3933-7615-034E-8430-4762F36AECEF}" type="slidenum">
+              <a:rPr lang="en-US" smtClean="0">
+                <a:solidFill>
+                  <a:prstClr val="black"/>
+                </a:solidFill>
+              </a:rPr>
+              <a:pPr/>
+              <a:t>7</a:t>
+            </a:fld>
+            <a:endParaRPr lang="en-US">
+              <a:solidFill>
+                <a:prstClr val="black"/>
+              </a:solidFill>
+            </a:endParaRPr>
+          </a:p>
+        </p:txBody>
+      </p:sp>
+    </p:spTree>
+    <p:extLst>
+      <p:ext uri="{BB962C8B-B14F-4D97-AF65-F5344CB8AC3E}">
+        <p14:creationId xmlns:p14="http://schemas.microsoft.com/office/powerpoint/2010/main" val="1603833367"/>
+      </p:ext>
+    </p:extLst>
+  </p:cSld>
+  <p:clrMapOvr>
+    <a:masterClrMapping/>
+  </p:clrMapOvr>
+</p:notes>
+</file>
+
+<file path=ppt/notesSlides/notesSlide7.xml><?xml version="1.0" encoding="utf-8"?>
+<p:notes xmlns:a="http://schemas.openxmlformats.org/drawingml/2006/main" xmlns:r="http://schemas.openxmlformats.org/officeDocument/2006/relationships" xmlns:p="http://schemas.openxmlformats.org/presentationml/2006/main">
+  <p:cSld>
+    <p:spTree>
+      <p:nvGrpSpPr>
+        <p:cNvPr id="1" name=""/>
+        <p:cNvGrpSpPr/>
+        <p:nvPr/>
+      </p:nvGrpSpPr>
+      <p:grpSpPr>
+        <a:xfrm>
+          <a:off x="0" y="0"/>
+          <a:ext cx="0" cy="0"/>
+          <a:chOff x="0" y="0"/>
+          <a:chExt cx="0" cy="0"/>
+        </a:xfrm>
+      </p:grpSpPr>
+      <p:sp>
+        <p:nvSpPr>
+          <p:cNvPr id="2" name="Slide Image Placeholder 1"/>
+          <p:cNvSpPr>
+            <a:spLocks noGrp="1" noRot="1" noChangeAspect="1"/>
+          </p:cNvSpPr>
+          <p:nvPr>
+            <p:ph type="sldImg"/>
+          </p:nvPr>
+        </p:nvSpPr>
+        <p:spPr/>
+      </p:sp>
+      <p:sp>
+        <p:nvSpPr>
+          <p:cNvPr id="3" name="Notes Placeholder 2"/>
+          <p:cNvSpPr>
+            <a:spLocks noGrp="1"/>
+          </p:cNvSpPr>
+          <p:nvPr>
+            <p:ph type="body" idx="1"/>
+          </p:nvPr>
+        </p:nvSpPr>
+        <p:spPr/>
+        <p:txBody>
+          <a:bodyPr/>
+          <a:lstStyle/>
+          <a:p>
+            <a:r>
+              <a:rPr lang="en-US" dirty="0" smtClean="0"/>
+              <a:t>No training 46%</a:t>
+            </a:r>
+          </a:p>
+          <a:p>
+            <a:r>
+              <a:rPr lang="en-US" dirty="0" smtClean="0"/>
+              <a:t>Self-taught + formal = 54%</a:t>
+            </a:r>
+          </a:p>
+          <a:p>
+            <a:r>
+              <a:rPr lang="en-US" dirty="0" smtClean="0"/>
+              <a:t>Self-taught only = 25%</a:t>
+            </a:r>
+          </a:p>
+          <a:p>
+            <a:endParaRPr lang="en-US" dirty="0" smtClean="0"/>
+          </a:p>
+          <a:p>
+            <a:r>
+              <a:rPr lang="en-US" dirty="0" smtClean="0"/>
+              <a:t>Euro survey responses – Develop own software (90%), no</a:t>
+            </a:r>
+            <a:r>
+              <a:rPr lang="en-US" baseline="0" dirty="0" smtClean="0"/>
+              <a:t> formal training (57.5%)</a:t>
+            </a:r>
+            <a:endParaRPr lang="en-US" dirty="0" smtClean="0"/>
+          </a:p>
+          <a:p>
+            <a:r>
+              <a:rPr lang="en-US" dirty="0" smtClean="0"/>
+              <a:t>No training = 15%</a:t>
+            </a:r>
+          </a:p>
+          <a:p>
+            <a:r>
+              <a:rPr lang="en-US" dirty="0" smtClean="0"/>
+              <a:t>Formal + Self-Taught/Formal = 42.5%</a:t>
+            </a:r>
+          </a:p>
+          <a:p>
+            <a:r>
+              <a:rPr lang="en-US" dirty="0" smtClean="0"/>
+              <a:t>Self-taught only = 42.5%</a:t>
+            </a:r>
+          </a:p>
+          <a:p>
+            <a:endParaRPr lang="en-US" dirty="0" smtClean="0"/>
+          </a:p>
+          <a:p>
+            <a:endParaRPr lang="en-US" dirty="0"/>
+          </a:p>
+        </p:txBody>
+      </p:sp>
+      <p:sp>
+        <p:nvSpPr>
+          <p:cNvPr id="4" name="Slide Number Placeholder 3"/>
+          <p:cNvSpPr>
+            <a:spLocks noGrp="1"/>
+          </p:cNvSpPr>
+          <p:nvPr>
+            <p:ph type="sldNum" sz="quarter" idx="10"/>
+          </p:nvPr>
+        </p:nvSpPr>
+        <p:spPr/>
+        <p:txBody>
+          <a:bodyPr/>
+          <a:lstStyle/>
+          <a:p>
+            <a:fld id="{D9AF3933-7615-034E-8430-4762F36AECEF}" type="slidenum">
+              <a:rPr lang="en-US" smtClean="0">
+                <a:solidFill>
+                  <a:prstClr val="black"/>
+                </a:solidFill>
+              </a:rPr>
+              <a:pPr/>
+              <a:t>8</a:t>
+            </a:fld>
+            <a:endParaRPr lang="en-US">
+              <a:solidFill>
+                <a:prstClr val="black"/>
+              </a:solidFill>
+            </a:endParaRPr>
+          </a:p>
+        </p:txBody>
+      </p:sp>
+    </p:spTree>
+    <p:extLst>
+      <p:ext uri="{BB962C8B-B14F-4D97-AF65-F5344CB8AC3E}">
+        <p14:creationId xmlns:p14="http://schemas.microsoft.com/office/powerpoint/2010/main" val="1385958012"/>
+      </p:ext>
+    </p:extLst>
+  </p:cSld>
+  <p:clrMapOvr>
+    <a:masterClrMapping/>
+  </p:clrMapOvr>
+</p:notes>
+</file>
+
 <file path=ppt/slideLayouts/slideLayout1.xml><?xml version="1.0" encoding="utf-8"?>
 <p:sldLayout xmlns:a="http://schemas.openxmlformats.org/drawingml/2006/main" xmlns:r="http://schemas.openxmlformats.org/officeDocument/2006/relationships" xmlns:p="http://schemas.openxmlformats.org/presentationml/2006/main" userDrawn="1">
   <p:cSld name="Quotation">
@@ -1235,7 +1634,7 @@
                 <a:latin typeface="Calibri"/>
               </a:rPr>
               <a:pPr/>
-              <a:t>2/10/17</a:t>
+              <a:t>12/4/17</a:t>
             </a:fld>
             <a:endParaRPr lang="en-US">
               <a:solidFill>
@@ -1525,7 +1924,7 @@
                 <a:latin typeface="Calibri"/>
               </a:rPr>
               <a:pPr/>
-              <a:t>2/10/17</a:t>
+              <a:t>12/4/17</a:t>
             </a:fld>
             <a:endParaRPr lang="en-US">
               <a:solidFill>
@@ -1732,7 +2131,7 @@
                 <a:latin typeface="Calibri"/>
               </a:rPr>
               <a:pPr/>
-              <a:t>2/10/17</a:t>
+              <a:t>12/4/17</a:t>
             </a:fld>
             <a:endParaRPr lang="en-US">
               <a:solidFill>
@@ -1949,7 +2348,7 @@
                 <a:latin typeface="Calibri"/>
               </a:rPr>
               <a:pPr/>
-              <a:t>2/10/17</a:t>
+              <a:t>12/4/17</a:t>
             </a:fld>
             <a:endParaRPr lang="en-US">
               <a:solidFill>
@@ -2039,8 +2438,750 @@
 </p:sldLayout>
 </file>
 
-<file path=ppt/slideLayouts/slideLayout2.xml><?xml version="1.0" encoding="utf-8"?>
-<p:sldLayout xmlns:a="http://schemas.openxmlformats.org/drawingml/2006/main" xmlns:r="http://schemas.openxmlformats.org/officeDocument/2006/relationships" xmlns:p="http://schemas.openxmlformats.org/presentationml/2006/main" type="twoObj">
+<file path=ppt/slideLayouts/slideLayout14.xml><?xml version="1.0" encoding="utf-8"?>
+<p:sldLayout xmlns:a="http://schemas.openxmlformats.org/drawingml/2006/main" xmlns:r="http://schemas.openxmlformats.org/officeDocument/2006/relationships" xmlns:p="http://schemas.openxmlformats.org/presentationml/2006/main" type="title" preserve="1">
+  <p:cSld name="Title Slide">
+    <p:spTree>
+      <p:nvGrpSpPr>
+        <p:cNvPr id="1" name=""/>
+        <p:cNvGrpSpPr/>
+        <p:nvPr/>
+      </p:nvGrpSpPr>
+      <p:grpSpPr>
+        <a:xfrm>
+          <a:off x="0" y="0"/>
+          <a:ext cx="0" cy="0"/>
+          <a:chOff x="0" y="0"/>
+          <a:chExt cx="0" cy="0"/>
+        </a:xfrm>
+      </p:grpSpPr>
+      <p:sp>
+        <p:nvSpPr>
+          <p:cNvPr id="2" name="Title 1"/>
+          <p:cNvSpPr>
+            <a:spLocks noGrp="1"/>
+          </p:cNvSpPr>
+          <p:nvPr>
+            <p:ph type="ctrTitle"/>
+          </p:nvPr>
+        </p:nvSpPr>
+        <p:spPr>
+          <a:xfrm>
+            <a:off x="685800" y="2130425"/>
+            <a:ext cx="7772400" cy="1470025"/>
+          </a:xfrm>
+        </p:spPr>
+        <p:txBody>
+          <a:bodyPr/>
+          <a:lstStyle/>
+          <a:p>
+            <a:r>
+              <a:rPr lang="en-GB" smtClean="0"/>
+              <a:t>Click to edit Master title style</a:t>
+            </a:r>
+            <a:endParaRPr lang="en-US"/>
+          </a:p>
+        </p:txBody>
+      </p:sp>
+      <p:sp>
+        <p:nvSpPr>
+          <p:cNvPr id="3" name="Subtitle 2"/>
+          <p:cNvSpPr>
+            <a:spLocks noGrp="1"/>
+          </p:cNvSpPr>
+          <p:nvPr>
+            <p:ph type="subTitle" idx="1"/>
+          </p:nvPr>
+        </p:nvSpPr>
+        <p:spPr>
+          <a:xfrm>
+            <a:off x="1371600" y="3886200"/>
+            <a:ext cx="6400800" cy="1752600"/>
+          </a:xfrm>
+        </p:spPr>
+        <p:txBody>
+          <a:bodyPr/>
+          <a:lstStyle>
+            <a:lvl1pPr marL="0" indent="0" algn="ctr">
+              <a:buNone/>
+              <a:defRPr>
+                <a:solidFill>
+                  <a:schemeClr val="tx1">
+                    <a:tint val="75000"/>
+                  </a:schemeClr>
+                </a:solidFill>
+              </a:defRPr>
+            </a:lvl1pPr>
+            <a:lvl2pPr marL="457200" indent="0" algn="ctr">
+              <a:buNone/>
+              <a:defRPr>
+                <a:solidFill>
+                  <a:schemeClr val="tx1">
+                    <a:tint val="75000"/>
+                  </a:schemeClr>
+                </a:solidFill>
+              </a:defRPr>
+            </a:lvl2pPr>
+            <a:lvl3pPr marL="914400" indent="0" algn="ctr">
+              <a:buNone/>
+              <a:defRPr>
+                <a:solidFill>
+                  <a:schemeClr val="tx1">
+                    <a:tint val="75000"/>
+                  </a:schemeClr>
+                </a:solidFill>
+              </a:defRPr>
+            </a:lvl3pPr>
+            <a:lvl4pPr marL="1371600" indent="0" algn="ctr">
+              <a:buNone/>
+              <a:defRPr>
+                <a:solidFill>
+                  <a:schemeClr val="tx1">
+                    <a:tint val="75000"/>
+                  </a:schemeClr>
+                </a:solidFill>
+              </a:defRPr>
+            </a:lvl4pPr>
+            <a:lvl5pPr marL="1828800" indent="0" algn="ctr">
+              <a:buNone/>
+              <a:defRPr>
+                <a:solidFill>
+                  <a:schemeClr val="tx1">
+                    <a:tint val="75000"/>
+                  </a:schemeClr>
+                </a:solidFill>
+              </a:defRPr>
+            </a:lvl5pPr>
+            <a:lvl6pPr marL="2286000" indent="0" algn="ctr">
+              <a:buNone/>
+              <a:defRPr>
+                <a:solidFill>
+                  <a:schemeClr val="tx1">
+                    <a:tint val="75000"/>
+                  </a:schemeClr>
+                </a:solidFill>
+              </a:defRPr>
+            </a:lvl6pPr>
+            <a:lvl7pPr marL="2743200" indent="0" algn="ctr">
+              <a:buNone/>
+              <a:defRPr>
+                <a:solidFill>
+                  <a:schemeClr val="tx1">
+                    <a:tint val="75000"/>
+                  </a:schemeClr>
+                </a:solidFill>
+              </a:defRPr>
+            </a:lvl7pPr>
+            <a:lvl8pPr marL="3200400" indent="0" algn="ctr">
+              <a:buNone/>
+              <a:defRPr>
+                <a:solidFill>
+                  <a:schemeClr val="tx1">
+                    <a:tint val="75000"/>
+                  </a:schemeClr>
+                </a:solidFill>
+              </a:defRPr>
+            </a:lvl8pPr>
+            <a:lvl9pPr marL="3657600" indent="0" algn="ctr">
+              <a:buNone/>
+              <a:defRPr>
+                <a:solidFill>
+                  <a:schemeClr val="tx1">
+                    <a:tint val="75000"/>
+                  </a:schemeClr>
+                </a:solidFill>
+              </a:defRPr>
+            </a:lvl9pPr>
+          </a:lstStyle>
+          <a:p>
+            <a:r>
+              <a:rPr lang="en-GB" smtClean="0"/>
+              <a:t>Click to edit Master subtitle style</a:t>
+            </a:r>
+            <a:endParaRPr lang="en-US"/>
+          </a:p>
+        </p:txBody>
+      </p:sp>
+      <p:sp>
+        <p:nvSpPr>
+          <p:cNvPr id="4" name="Date Placeholder 3"/>
+          <p:cNvSpPr>
+            <a:spLocks noGrp="1"/>
+          </p:cNvSpPr>
+          <p:nvPr>
+            <p:ph type="dt" sz="half" idx="10"/>
+          </p:nvPr>
+        </p:nvSpPr>
+        <p:spPr/>
+        <p:txBody>
+          <a:bodyPr/>
+          <a:lstStyle/>
+          <a:p>
+            <a:fld id="{90372C55-F32C-714E-85D4-4C85D67E2D89}" type="datetimeFigureOut">
+              <a:rPr lang="en-US" smtClean="0">
+                <a:solidFill>
+                  <a:prstClr val="black">
+                    <a:tint val="75000"/>
+                  </a:prstClr>
+                </a:solidFill>
+              </a:rPr>
+              <a:pPr/>
+              <a:t>12/4/17</a:t>
+            </a:fld>
+            <a:endParaRPr lang="en-US">
+              <a:solidFill>
+                <a:prstClr val="black">
+                  <a:tint val="75000"/>
+                </a:prstClr>
+              </a:solidFill>
+            </a:endParaRPr>
+          </a:p>
+        </p:txBody>
+      </p:sp>
+      <p:sp>
+        <p:nvSpPr>
+          <p:cNvPr id="5" name="Footer Placeholder 4"/>
+          <p:cNvSpPr>
+            <a:spLocks noGrp="1"/>
+          </p:cNvSpPr>
+          <p:nvPr>
+            <p:ph type="ftr" sz="quarter" idx="11"/>
+          </p:nvPr>
+        </p:nvSpPr>
+        <p:spPr/>
+        <p:txBody>
+          <a:bodyPr/>
+          <a:lstStyle/>
+          <a:p>
+            <a:endParaRPr lang="en-US">
+              <a:solidFill>
+                <a:prstClr val="black">
+                  <a:tint val="75000"/>
+                </a:prstClr>
+              </a:solidFill>
+            </a:endParaRPr>
+          </a:p>
+        </p:txBody>
+      </p:sp>
+      <p:sp>
+        <p:nvSpPr>
+          <p:cNvPr id="6" name="Slide Number Placeholder 5"/>
+          <p:cNvSpPr>
+            <a:spLocks noGrp="1"/>
+          </p:cNvSpPr>
+          <p:nvPr>
+            <p:ph type="sldNum" sz="quarter" idx="12"/>
+          </p:nvPr>
+        </p:nvSpPr>
+        <p:spPr/>
+        <p:txBody>
+          <a:bodyPr/>
+          <a:lstStyle/>
+          <a:p>
+            <a:fld id="{0F3FC98C-2777-2A49-93CE-F68CEAF03181}" type="slidenum">
+              <a:rPr lang="en-US" smtClean="0">
+                <a:solidFill>
+                  <a:prstClr val="black">
+                    <a:tint val="75000"/>
+                  </a:prstClr>
+                </a:solidFill>
+              </a:rPr>
+              <a:pPr/>
+              <a:t>‹#›</a:t>
+            </a:fld>
+            <a:endParaRPr lang="en-US">
+              <a:solidFill>
+                <a:prstClr val="black">
+                  <a:tint val="75000"/>
+                </a:prstClr>
+              </a:solidFill>
+            </a:endParaRPr>
+          </a:p>
+        </p:txBody>
+      </p:sp>
+    </p:spTree>
+    <p:extLst/>
+  </p:cSld>
+  <p:clrMapOvr>
+    <a:masterClrMapping/>
+  </p:clrMapOvr>
+</p:sldLayout>
+</file>
+
+<file path=ppt/slideLayouts/slideLayout15.xml><?xml version="1.0" encoding="utf-8"?>
+<p:sldLayout xmlns:a="http://schemas.openxmlformats.org/drawingml/2006/main" xmlns:r="http://schemas.openxmlformats.org/officeDocument/2006/relationships" xmlns:p="http://schemas.openxmlformats.org/presentationml/2006/main" type="obj" preserve="1">
+  <p:cSld name="Title and Content">
+    <p:spTree>
+      <p:nvGrpSpPr>
+        <p:cNvPr id="1" name=""/>
+        <p:cNvGrpSpPr/>
+        <p:nvPr/>
+      </p:nvGrpSpPr>
+      <p:grpSpPr>
+        <a:xfrm>
+          <a:off x="0" y="0"/>
+          <a:ext cx="0" cy="0"/>
+          <a:chOff x="0" y="0"/>
+          <a:chExt cx="0" cy="0"/>
+        </a:xfrm>
+      </p:grpSpPr>
+      <p:sp>
+        <p:nvSpPr>
+          <p:cNvPr id="2" name="Title 1"/>
+          <p:cNvSpPr>
+            <a:spLocks noGrp="1"/>
+          </p:cNvSpPr>
+          <p:nvPr>
+            <p:ph type="title"/>
+          </p:nvPr>
+        </p:nvSpPr>
+        <p:spPr/>
+        <p:txBody>
+          <a:bodyPr/>
+          <a:lstStyle/>
+          <a:p>
+            <a:r>
+              <a:rPr lang="en-GB" smtClean="0"/>
+              <a:t>Click to edit Master title style</a:t>
+            </a:r>
+            <a:endParaRPr lang="en-US"/>
+          </a:p>
+        </p:txBody>
+      </p:sp>
+      <p:sp>
+        <p:nvSpPr>
+          <p:cNvPr id="3" name="Content Placeholder 2"/>
+          <p:cNvSpPr>
+            <a:spLocks noGrp="1"/>
+          </p:cNvSpPr>
+          <p:nvPr>
+            <p:ph idx="1"/>
+          </p:nvPr>
+        </p:nvSpPr>
+        <p:spPr/>
+        <p:txBody>
+          <a:bodyPr/>
+          <a:lstStyle/>
+          <a:p>
+            <a:pPr lvl="0"/>
+            <a:r>
+              <a:rPr lang="en-GB" smtClean="0"/>
+              <a:t>Click to edit Master text styles</a:t>
+            </a:r>
+          </a:p>
+          <a:p>
+            <a:pPr lvl="1"/>
+            <a:r>
+              <a:rPr lang="en-GB" smtClean="0"/>
+              <a:t>Second level</a:t>
+            </a:r>
+          </a:p>
+          <a:p>
+            <a:pPr lvl="2"/>
+            <a:r>
+              <a:rPr lang="en-GB" smtClean="0"/>
+              <a:t>Third level</a:t>
+            </a:r>
+          </a:p>
+          <a:p>
+            <a:pPr lvl="3"/>
+            <a:r>
+              <a:rPr lang="en-GB" smtClean="0"/>
+              <a:t>Fourth level</a:t>
+            </a:r>
+          </a:p>
+          <a:p>
+            <a:pPr lvl="4"/>
+            <a:r>
+              <a:rPr lang="en-GB" smtClean="0"/>
+              <a:t>Fifth level</a:t>
+            </a:r>
+            <a:endParaRPr lang="en-US"/>
+          </a:p>
+        </p:txBody>
+      </p:sp>
+      <p:sp>
+        <p:nvSpPr>
+          <p:cNvPr id="4" name="Date Placeholder 3"/>
+          <p:cNvSpPr>
+            <a:spLocks noGrp="1"/>
+          </p:cNvSpPr>
+          <p:nvPr>
+            <p:ph type="dt" sz="half" idx="10"/>
+          </p:nvPr>
+        </p:nvSpPr>
+        <p:spPr/>
+        <p:txBody>
+          <a:bodyPr/>
+          <a:lstStyle/>
+          <a:p>
+            <a:fld id="{90372C55-F32C-714E-85D4-4C85D67E2D89}" type="datetimeFigureOut">
+              <a:rPr lang="en-US" smtClean="0">
+                <a:solidFill>
+                  <a:prstClr val="black">
+                    <a:tint val="75000"/>
+                  </a:prstClr>
+                </a:solidFill>
+              </a:rPr>
+              <a:pPr/>
+              <a:t>12/4/17</a:t>
+            </a:fld>
+            <a:endParaRPr lang="en-US">
+              <a:solidFill>
+                <a:prstClr val="black">
+                  <a:tint val="75000"/>
+                </a:prstClr>
+              </a:solidFill>
+            </a:endParaRPr>
+          </a:p>
+        </p:txBody>
+      </p:sp>
+      <p:sp>
+        <p:nvSpPr>
+          <p:cNvPr id="5" name="Footer Placeholder 4"/>
+          <p:cNvSpPr>
+            <a:spLocks noGrp="1"/>
+          </p:cNvSpPr>
+          <p:nvPr>
+            <p:ph type="ftr" sz="quarter" idx="11"/>
+          </p:nvPr>
+        </p:nvSpPr>
+        <p:spPr/>
+        <p:txBody>
+          <a:bodyPr/>
+          <a:lstStyle/>
+          <a:p>
+            <a:endParaRPr lang="en-US">
+              <a:solidFill>
+                <a:prstClr val="black">
+                  <a:tint val="75000"/>
+                </a:prstClr>
+              </a:solidFill>
+            </a:endParaRPr>
+          </a:p>
+        </p:txBody>
+      </p:sp>
+      <p:sp>
+        <p:nvSpPr>
+          <p:cNvPr id="6" name="Slide Number Placeholder 5"/>
+          <p:cNvSpPr>
+            <a:spLocks noGrp="1"/>
+          </p:cNvSpPr>
+          <p:nvPr>
+            <p:ph type="sldNum" sz="quarter" idx="12"/>
+          </p:nvPr>
+        </p:nvSpPr>
+        <p:spPr/>
+        <p:txBody>
+          <a:bodyPr/>
+          <a:lstStyle/>
+          <a:p>
+            <a:fld id="{0F3FC98C-2777-2A49-93CE-F68CEAF03181}" type="slidenum">
+              <a:rPr lang="en-US" smtClean="0">
+                <a:solidFill>
+                  <a:prstClr val="black">
+                    <a:tint val="75000"/>
+                  </a:prstClr>
+                </a:solidFill>
+              </a:rPr>
+              <a:pPr/>
+              <a:t>‹#›</a:t>
+            </a:fld>
+            <a:endParaRPr lang="en-US">
+              <a:solidFill>
+                <a:prstClr val="black">
+                  <a:tint val="75000"/>
+                </a:prstClr>
+              </a:solidFill>
+            </a:endParaRPr>
+          </a:p>
+        </p:txBody>
+      </p:sp>
+    </p:spTree>
+    <p:extLst/>
+  </p:cSld>
+  <p:clrMapOvr>
+    <a:masterClrMapping/>
+  </p:clrMapOvr>
+</p:sldLayout>
+</file>
+
+<file path=ppt/slideLayouts/slideLayout16.xml><?xml version="1.0" encoding="utf-8"?>
+<p:sldLayout xmlns:a="http://schemas.openxmlformats.org/drawingml/2006/main" xmlns:r="http://schemas.openxmlformats.org/officeDocument/2006/relationships" xmlns:p="http://schemas.openxmlformats.org/presentationml/2006/main" type="secHead" preserve="1">
+  <p:cSld name="Section Header">
+    <p:spTree>
+      <p:nvGrpSpPr>
+        <p:cNvPr id="1" name=""/>
+        <p:cNvGrpSpPr/>
+        <p:nvPr/>
+      </p:nvGrpSpPr>
+      <p:grpSpPr>
+        <a:xfrm>
+          <a:off x="0" y="0"/>
+          <a:ext cx="0" cy="0"/>
+          <a:chOff x="0" y="0"/>
+          <a:chExt cx="0" cy="0"/>
+        </a:xfrm>
+      </p:grpSpPr>
+      <p:sp>
+        <p:nvSpPr>
+          <p:cNvPr id="2" name="Title 1"/>
+          <p:cNvSpPr>
+            <a:spLocks noGrp="1"/>
+          </p:cNvSpPr>
+          <p:nvPr>
+            <p:ph type="title"/>
+          </p:nvPr>
+        </p:nvSpPr>
+        <p:spPr>
+          <a:xfrm>
+            <a:off x="722313" y="4406900"/>
+            <a:ext cx="7772400" cy="1362075"/>
+          </a:xfrm>
+        </p:spPr>
+        <p:txBody>
+          <a:bodyPr anchor="t"/>
+          <a:lstStyle>
+            <a:lvl1pPr algn="l">
+              <a:defRPr sz="4000" b="1" cap="all"/>
+            </a:lvl1pPr>
+          </a:lstStyle>
+          <a:p>
+            <a:r>
+              <a:rPr lang="en-GB" smtClean="0"/>
+              <a:t>Click to edit Master title style</a:t>
+            </a:r>
+            <a:endParaRPr lang="en-US"/>
+          </a:p>
+        </p:txBody>
+      </p:sp>
+      <p:sp>
+        <p:nvSpPr>
+          <p:cNvPr id="3" name="Text Placeholder 2"/>
+          <p:cNvSpPr>
+            <a:spLocks noGrp="1"/>
+          </p:cNvSpPr>
+          <p:nvPr>
+            <p:ph type="body" idx="1"/>
+          </p:nvPr>
+        </p:nvSpPr>
+        <p:spPr>
+          <a:xfrm>
+            <a:off x="722313" y="2906713"/>
+            <a:ext cx="7772400" cy="1500187"/>
+          </a:xfrm>
+        </p:spPr>
+        <p:txBody>
+          <a:bodyPr anchor="b"/>
+          <a:lstStyle>
+            <a:lvl1pPr marL="0" indent="0">
+              <a:buNone/>
+              <a:defRPr sz="2000">
+                <a:solidFill>
+                  <a:schemeClr val="tx1">
+                    <a:tint val="75000"/>
+                  </a:schemeClr>
+                </a:solidFill>
+              </a:defRPr>
+            </a:lvl1pPr>
+            <a:lvl2pPr marL="457200" indent="0">
+              <a:buNone/>
+              <a:defRPr sz="1800">
+                <a:solidFill>
+                  <a:schemeClr val="tx1">
+                    <a:tint val="75000"/>
+                  </a:schemeClr>
+                </a:solidFill>
+              </a:defRPr>
+            </a:lvl2pPr>
+            <a:lvl3pPr marL="914400" indent="0">
+              <a:buNone/>
+              <a:defRPr sz="1600">
+                <a:solidFill>
+                  <a:schemeClr val="tx1">
+                    <a:tint val="75000"/>
+                  </a:schemeClr>
+                </a:solidFill>
+              </a:defRPr>
+            </a:lvl3pPr>
+            <a:lvl4pPr marL="1371600" indent="0">
+              <a:buNone/>
+              <a:defRPr sz="1400">
+                <a:solidFill>
+                  <a:schemeClr val="tx1">
+                    <a:tint val="75000"/>
+                  </a:schemeClr>
+                </a:solidFill>
+              </a:defRPr>
+            </a:lvl4pPr>
+            <a:lvl5pPr marL="1828800" indent="0">
+              <a:buNone/>
+              <a:defRPr sz="1400">
+                <a:solidFill>
+                  <a:schemeClr val="tx1">
+                    <a:tint val="75000"/>
+                  </a:schemeClr>
+                </a:solidFill>
+              </a:defRPr>
+            </a:lvl5pPr>
+            <a:lvl6pPr marL="2286000" indent="0">
+              <a:buNone/>
+              <a:defRPr sz="1400">
+                <a:solidFill>
+                  <a:schemeClr val="tx1">
+                    <a:tint val="75000"/>
+                  </a:schemeClr>
+                </a:solidFill>
+              </a:defRPr>
+            </a:lvl6pPr>
+            <a:lvl7pPr marL="2743200" indent="0">
+              <a:buNone/>
+              <a:defRPr sz="1400">
+                <a:solidFill>
+                  <a:schemeClr val="tx1">
+                    <a:tint val="75000"/>
+                  </a:schemeClr>
+                </a:solidFill>
+              </a:defRPr>
+            </a:lvl7pPr>
+            <a:lvl8pPr marL="3200400" indent="0">
+              <a:buNone/>
+              <a:defRPr sz="1400">
+                <a:solidFill>
+                  <a:schemeClr val="tx1">
+                    <a:tint val="75000"/>
+                  </a:schemeClr>
+                </a:solidFill>
+              </a:defRPr>
+            </a:lvl8pPr>
+            <a:lvl9pPr marL="3657600" indent="0">
+              <a:buNone/>
+              <a:defRPr sz="1400">
+                <a:solidFill>
+                  <a:schemeClr val="tx1">
+                    <a:tint val="75000"/>
+                  </a:schemeClr>
+                </a:solidFill>
+              </a:defRPr>
+            </a:lvl9pPr>
+          </a:lstStyle>
+          <a:p>
+            <a:pPr lvl="0"/>
+            <a:r>
+              <a:rPr lang="en-GB" smtClean="0"/>
+              <a:t>Click to edit Master text styles</a:t>
+            </a:r>
+          </a:p>
+        </p:txBody>
+      </p:sp>
+      <p:sp>
+        <p:nvSpPr>
+          <p:cNvPr id="4" name="Date Placeholder 3"/>
+          <p:cNvSpPr>
+            <a:spLocks noGrp="1"/>
+          </p:cNvSpPr>
+          <p:nvPr>
+            <p:ph type="dt" sz="half" idx="10"/>
+          </p:nvPr>
+        </p:nvSpPr>
+        <p:spPr/>
+        <p:txBody>
+          <a:bodyPr/>
+          <a:lstStyle/>
+          <a:p>
+            <a:fld id="{90372C55-F32C-714E-85D4-4C85D67E2D89}" type="datetimeFigureOut">
+              <a:rPr lang="en-US" smtClean="0">
+                <a:solidFill>
+                  <a:prstClr val="black">
+                    <a:tint val="75000"/>
+                  </a:prstClr>
+                </a:solidFill>
+              </a:rPr>
+              <a:pPr/>
+              <a:t>12/4/17</a:t>
+            </a:fld>
+            <a:endParaRPr lang="en-US">
+              <a:solidFill>
+                <a:prstClr val="black">
+                  <a:tint val="75000"/>
+                </a:prstClr>
+              </a:solidFill>
+            </a:endParaRPr>
+          </a:p>
+        </p:txBody>
+      </p:sp>
+      <p:sp>
+        <p:nvSpPr>
+          <p:cNvPr id="5" name="Footer Placeholder 4"/>
+          <p:cNvSpPr>
+            <a:spLocks noGrp="1"/>
+          </p:cNvSpPr>
+          <p:nvPr>
+            <p:ph type="ftr" sz="quarter" idx="11"/>
+          </p:nvPr>
+        </p:nvSpPr>
+        <p:spPr/>
+        <p:txBody>
+          <a:bodyPr/>
+          <a:lstStyle/>
+          <a:p>
+            <a:endParaRPr lang="en-US">
+              <a:solidFill>
+                <a:prstClr val="black">
+                  <a:tint val="75000"/>
+                </a:prstClr>
+              </a:solidFill>
+            </a:endParaRPr>
+          </a:p>
+        </p:txBody>
+      </p:sp>
+      <p:sp>
+        <p:nvSpPr>
+          <p:cNvPr id="6" name="Slide Number Placeholder 5"/>
+          <p:cNvSpPr>
+            <a:spLocks noGrp="1"/>
+          </p:cNvSpPr>
+          <p:nvPr>
+            <p:ph type="sldNum" sz="quarter" idx="12"/>
+          </p:nvPr>
+        </p:nvSpPr>
+        <p:spPr/>
+        <p:txBody>
+          <a:bodyPr/>
+          <a:lstStyle/>
+          <a:p>
+            <a:fld id="{0F3FC98C-2777-2A49-93CE-F68CEAF03181}" type="slidenum">
+              <a:rPr lang="en-US" smtClean="0">
+                <a:solidFill>
+                  <a:prstClr val="black">
+                    <a:tint val="75000"/>
+                  </a:prstClr>
+                </a:solidFill>
+              </a:rPr>
+              <a:pPr/>
+              <a:t>‹#›</a:t>
+            </a:fld>
+            <a:endParaRPr lang="en-US">
+              <a:solidFill>
+                <a:prstClr val="black">
+                  <a:tint val="75000"/>
+                </a:prstClr>
+              </a:solidFill>
+            </a:endParaRPr>
+          </a:p>
+        </p:txBody>
+      </p:sp>
+    </p:spTree>
+    <p:extLst/>
+  </p:cSld>
+  <p:clrMapOvr>
+    <a:masterClrMapping/>
+  </p:clrMapOvr>
+</p:sldLayout>
+</file>
+
+<file path=ppt/slideLayouts/slideLayout17.xml><?xml version="1.0" encoding="utf-8"?>
+<p:sldLayout xmlns:a="http://schemas.openxmlformats.org/drawingml/2006/main" xmlns:r="http://schemas.openxmlformats.org/officeDocument/2006/relationships" xmlns:p="http://schemas.openxmlformats.org/presentationml/2006/main" type="twoObj" preserve="1">
   <p:cSld name="Two Content">
     <p:spTree>
       <p:nvGrpSpPr>
@@ -2072,7 +3213,7 @@
           <a:lstStyle/>
           <a:p>
             <a:r>
-              <a:rPr lang="en-US" smtClean="0"/>
+              <a:rPr lang="en-GB" smtClean="0"/>
               <a:t>Click to edit Master title style</a:t>
             </a:r>
             <a:endParaRPr lang="en-US"/>
@@ -2091,8 +3232,8 @@
         </p:nvSpPr>
         <p:spPr>
           <a:xfrm>
-            <a:off x="539750" y="1484313"/>
-            <a:ext cx="3965575" cy="4310062"/>
+            <a:off x="457200" y="1600200"/>
+            <a:ext cx="4038600" cy="4525963"/>
           </a:xfrm>
         </p:spPr>
         <p:txBody>
@@ -2129,35 +3270,35 @@
           <a:p>
             <a:pPr lvl="0"/>
             <a:r>
-              <a:rPr lang="en-US" smtClean="0"/>
+              <a:rPr lang="en-GB" smtClean="0"/>
               <a:t>Click to edit Master text styles</a:t>
             </a:r>
           </a:p>
           <a:p>
             <a:pPr lvl="1"/>
             <a:r>
-              <a:rPr lang="en-US" smtClean="0"/>
+              <a:rPr lang="en-GB" smtClean="0"/>
               <a:t>Second level</a:t>
             </a:r>
           </a:p>
           <a:p>
             <a:pPr lvl="2"/>
             <a:r>
-              <a:rPr lang="en-US" smtClean="0"/>
+              <a:rPr lang="en-GB" smtClean="0"/>
               <a:t>Third level</a:t>
             </a:r>
           </a:p>
           <a:p>
             <a:pPr lvl="3"/>
             <a:r>
-              <a:rPr lang="en-US" smtClean="0"/>
+              <a:rPr lang="en-GB" smtClean="0"/>
               <a:t>Fourth level</a:t>
             </a:r>
           </a:p>
           <a:p>
             <a:pPr lvl="4"/>
             <a:r>
-              <a:rPr lang="en-US" smtClean="0"/>
+              <a:rPr lang="en-GB" smtClean="0"/>
               <a:t>Fifth level</a:t>
             </a:r>
             <a:endParaRPr lang="en-US"/>
@@ -2176,8 +3317,8 @@
         </p:nvSpPr>
         <p:spPr>
           <a:xfrm>
-            <a:off x="4657725" y="1484313"/>
-            <a:ext cx="3967163" cy="4310062"/>
+            <a:off x="4648200" y="1600200"/>
+            <a:ext cx="4038600" cy="4525963"/>
           </a:xfrm>
         </p:spPr>
         <p:txBody>
@@ -2214,221 +3355,44 @@
           <a:p>
             <a:pPr lvl="0"/>
             <a:r>
-              <a:rPr lang="en-US" smtClean="0"/>
+              <a:rPr lang="en-GB" smtClean="0"/>
               <a:t>Click to edit Master text styles</a:t>
             </a:r>
           </a:p>
           <a:p>
             <a:pPr lvl="1"/>
             <a:r>
-              <a:rPr lang="en-US" smtClean="0"/>
+              <a:rPr lang="en-GB" smtClean="0"/>
               <a:t>Second level</a:t>
             </a:r>
           </a:p>
           <a:p>
             <a:pPr lvl="2"/>
             <a:r>
-              <a:rPr lang="en-US" smtClean="0"/>
+              <a:rPr lang="en-GB" smtClean="0"/>
               <a:t>Third level</a:t>
             </a:r>
           </a:p>
           <a:p>
             <a:pPr lvl="3"/>
             <a:r>
-              <a:rPr lang="en-US" smtClean="0"/>
+              <a:rPr lang="en-GB" smtClean="0"/>
               <a:t>Fourth level</a:t>
             </a:r>
           </a:p>
           <a:p>
             <a:pPr lvl="4"/>
             <a:r>
-              <a:rPr lang="en-US" smtClean="0"/>
+              <a:rPr lang="en-GB" smtClean="0"/>
               <a:t>Fifth level</a:t>
             </a:r>
             <a:endParaRPr lang="en-US"/>
           </a:p>
         </p:txBody>
       </p:sp>
-    </p:spTree>
-    <p:extLst>
-      <p:ext uri="{BB962C8B-B14F-4D97-AF65-F5344CB8AC3E}">
-        <p14:creationId xmlns:p14="http://schemas.microsoft.com/office/powerpoint/2010/main" val="1257099156"/>
-      </p:ext>
-    </p:extLst>
-  </p:cSld>
-  <p:clrMapOvr>
-    <a:masterClrMapping/>
-  </p:clrMapOvr>
-</p:sldLayout>
-</file>
-
-<file path=ppt/slideLayouts/slideLayout3.xml><?xml version="1.0" encoding="utf-8"?>
-<p:sldLayout xmlns:a="http://schemas.openxmlformats.org/drawingml/2006/main" xmlns:r="http://schemas.openxmlformats.org/officeDocument/2006/relationships" xmlns:p="http://schemas.openxmlformats.org/presentationml/2006/main" type="title" preserve="1">
-  <p:cSld name="Title Slide">
-    <p:spTree>
-      <p:nvGrpSpPr>
-        <p:cNvPr id="1" name=""/>
-        <p:cNvGrpSpPr/>
-        <p:nvPr/>
-      </p:nvGrpSpPr>
-      <p:grpSpPr>
-        <a:xfrm>
-          <a:off x="0" y="0"/>
-          <a:ext cx="0" cy="0"/>
-          <a:chOff x="0" y="0"/>
-          <a:chExt cx="0" cy="0"/>
-        </a:xfrm>
-      </p:grpSpPr>
-      <p:sp>
-        <p:nvSpPr>
-          <p:cNvPr id="2" name="Title 1"/>
-          <p:cNvSpPr>
-            <a:spLocks noGrp="1"/>
-          </p:cNvSpPr>
-          <p:nvPr>
-            <p:ph type="ctrTitle"/>
-          </p:nvPr>
-        </p:nvSpPr>
-        <p:spPr>
-          <a:xfrm>
-            <a:off x="685800" y="2130425"/>
-            <a:ext cx="7772400" cy="1470025"/>
-          </a:xfrm>
-        </p:spPr>
-        <p:txBody>
-          <a:bodyPr/>
-          <a:lstStyle/>
-          <a:p>
-            <a:r>
-              <a:rPr lang="en-GB" smtClean="0"/>
-              <a:t>Click to edit Master title style</a:t>
-            </a:r>
-            <a:endParaRPr lang="en-US"/>
-          </a:p>
-        </p:txBody>
-      </p:sp>
-      <p:sp>
-        <p:nvSpPr>
-          <p:cNvPr id="3" name="Subtitle 2"/>
-          <p:cNvSpPr>
-            <a:spLocks noGrp="1"/>
-          </p:cNvSpPr>
-          <p:nvPr>
-            <p:ph type="subTitle" idx="1"/>
-          </p:nvPr>
-        </p:nvSpPr>
-        <p:spPr>
-          <a:xfrm>
-            <a:off x="1371600" y="3886200"/>
-            <a:ext cx="6400800" cy="1752600"/>
-          </a:xfrm>
-        </p:spPr>
-        <p:txBody>
-          <a:bodyPr/>
-          <a:lstStyle>
-            <a:lvl1pPr marL="0" indent="0" algn="ctr">
-              <a:buNone/>
-              <a:defRPr>
-                <a:solidFill>
-                  <a:schemeClr val="tx1">
-                    <a:tint val="75000"/>
-                  </a:schemeClr>
-                </a:solidFill>
-              </a:defRPr>
-            </a:lvl1pPr>
-            <a:lvl2pPr marL="457200" indent="0" algn="ctr">
-              <a:buNone/>
-              <a:defRPr>
-                <a:solidFill>
-                  <a:schemeClr val="tx1">
-                    <a:tint val="75000"/>
-                  </a:schemeClr>
-                </a:solidFill>
-              </a:defRPr>
-            </a:lvl2pPr>
-            <a:lvl3pPr marL="914400" indent="0" algn="ctr">
-              <a:buNone/>
-              <a:defRPr>
-                <a:solidFill>
-                  <a:schemeClr val="tx1">
-                    <a:tint val="75000"/>
-                  </a:schemeClr>
-                </a:solidFill>
-              </a:defRPr>
-            </a:lvl3pPr>
-            <a:lvl4pPr marL="1371600" indent="0" algn="ctr">
-              <a:buNone/>
-              <a:defRPr>
-                <a:solidFill>
-                  <a:schemeClr val="tx1">
-                    <a:tint val="75000"/>
-                  </a:schemeClr>
-                </a:solidFill>
-              </a:defRPr>
-            </a:lvl4pPr>
-            <a:lvl5pPr marL="1828800" indent="0" algn="ctr">
-              <a:buNone/>
-              <a:defRPr>
-                <a:solidFill>
-                  <a:schemeClr val="tx1">
-                    <a:tint val="75000"/>
-                  </a:schemeClr>
-                </a:solidFill>
-              </a:defRPr>
-            </a:lvl5pPr>
-            <a:lvl6pPr marL="2286000" indent="0" algn="ctr">
-              <a:buNone/>
-              <a:defRPr>
-                <a:solidFill>
-                  <a:schemeClr val="tx1">
-                    <a:tint val="75000"/>
-                  </a:schemeClr>
-                </a:solidFill>
-              </a:defRPr>
-            </a:lvl6pPr>
-            <a:lvl7pPr marL="2743200" indent="0" algn="ctr">
-              <a:buNone/>
-              <a:defRPr>
-                <a:solidFill>
-                  <a:schemeClr val="tx1">
-                    <a:tint val="75000"/>
-                  </a:schemeClr>
-                </a:solidFill>
-              </a:defRPr>
-            </a:lvl7pPr>
-            <a:lvl8pPr marL="3200400" indent="0" algn="ctr">
-              <a:buNone/>
-              <a:defRPr>
-                <a:solidFill>
-                  <a:schemeClr val="tx1">
-                    <a:tint val="75000"/>
-                  </a:schemeClr>
-                </a:solidFill>
-              </a:defRPr>
-            </a:lvl8pPr>
-            <a:lvl9pPr marL="3657600" indent="0" algn="ctr">
-              <a:buNone/>
-              <a:defRPr>
-                <a:solidFill>
-                  <a:schemeClr val="tx1">
-                    <a:tint val="75000"/>
-                  </a:schemeClr>
-                </a:solidFill>
-              </a:defRPr>
-            </a:lvl9pPr>
-          </a:lstStyle>
-          <a:p>
-            <a:r>
-              <a:rPr lang="en-GB" smtClean="0"/>
-              <a:t>Click to edit Master subtitle style</a:t>
-            </a:r>
-            <a:endParaRPr lang="en-US"/>
-          </a:p>
-        </p:txBody>
-      </p:sp>
-      <p:sp>
-        <p:nvSpPr>
-          <p:cNvPr id="4" name="Date Placeholder 3"/>
+      <p:sp>
+        <p:nvSpPr>
+          <p:cNvPr id="5" name="Date Placeholder 4"/>
           <p:cNvSpPr>
             <a:spLocks noGrp="1"/>
           </p:cNvSpPr>
@@ -2448,10 +3412,9 @@
                     <a:tint val="75000"/>
                   </a:prstClr>
                 </a:solidFill>
-                <a:latin typeface="Calibri"/>
               </a:rPr>
               <a:pPr/>
-              <a:t>2/10/17</a:t>
+              <a:t>12/4/17</a:t>
             </a:fld>
             <a:endParaRPr lang="en-US">
               <a:solidFill>
@@ -2459,14 +3422,13 @@
                   <a:tint val="75000"/>
                 </a:prstClr>
               </a:solidFill>
-              <a:latin typeface="Calibri"/>
             </a:endParaRPr>
           </a:p>
         </p:txBody>
       </p:sp>
       <p:sp>
         <p:nvSpPr>
-          <p:cNvPr id="5" name="Footer Placeholder 4"/>
+          <p:cNvPr id="6" name="Footer Placeholder 5"/>
           <p:cNvSpPr>
             <a:spLocks noGrp="1"/>
           </p:cNvSpPr>
@@ -2485,14 +3447,13 @@
                   <a:tint val="75000"/>
                 </a:prstClr>
               </a:solidFill>
-              <a:latin typeface="Calibri"/>
             </a:endParaRPr>
           </a:p>
         </p:txBody>
       </p:sp>
       <p:sp>
         <p:nvSpPr>
-          <p:cNvPr id="6" name="Slide Number Placeholder 5"/>
+          <p:cNvPr id="7" name="Slide Number Placeholder 6"/>
           <p:cNvSpPr>
             <a:spLocks noGrp="1"/>
           </p:cNvSpPr>
@@ -2512,7 +3473,6 @@
                     <a:tint val="75000"/>
                   </a:prstClr>
                 </a:solidFill>
-                <a:latin typeface="Calibri"/>
               </a:rPr>
               <a:pPr/>
               <a:t>‹#›</a:t>
@@ -2523,17 +3483,12 @@
                   <a:tint val="75000"/>
                 </a:prstClr>
               </a:solidFill>
-              <a:latin typeface="Calibri"/>
             </a:endParaRPr>
           </a:p>
         </p:txBody>
       </p:sp>
     </p:spTree>
-    <p:extLst>
-      <p:ext uri="{BB962C8B-B14F-4D97-AF65-F5344CB8AC3E}">
-        <p14:creationId xmlns:p14="http://schemas.microsoft.com/office/powerpoint/2010/main" val="2573678407"/>
-      </p:ext>
-    </p:extLst>
+    <p:extLst/>
   </p:cSld>
   <p:clrMapOvr>
     <a:masterClrMapping/>
@@ -2541,822 +3496,7 @@
 </p:sldLayout>
 </file>
 
-<file path=ppt/slideLayouts/slideLayout4.xml><?xml version="1.0" encoding="utf-8"?>
-<p:sldLayout xmlns:a="http://schemas.openxmlformats.org/drawingml/2006/main" xmlns:r="http://schemas.openxmlformats.org/officeDocument/2006/relationships" xmlns:p="http://schemas.openxmlformats.org/presentationml/2006/main" type="obj" preserve="1">
-  <p:cSld name="Title and Content">
-    <p:spTree>
-      <p:nvGrpSpPr>
-        <p:cNvPr id="1" name=""/>
-        <p:cNvGrpSpPr/>
-        <p:nvPr/>
-      </p:nvGrpSpPr>
-      <p:grpSpPr>
-        <a:xfrm>
-          <a:off x="0" y="0"/>
-          <a:ext cx="0" cy="0"/>
-          <a:chOff x="0" y="0"/>
-          <a:chExt cx="0" cy="0"/>
-        </a:xfrm>
-      </p:grpSpPr>
-      <p:sp>
-        <p:nvSpPr>
-          <p:cNvPr id="2" name="Title 1"/>
-          <p:cNvSpPr>
-            <a:spLocks noGrp="1"/>
-          </p:cNvSpPr>
-          <p:nvPr>
-            <p:ph type="title"/>
-          </p:nvPr>
-        </p:nvSpPr>
-        <p:spPr/>
-        <p:txBody>
-          <a:bodyPr/>
-          <a:lstStyle/>
-          <a:p>
-            <a:r>
-              <a:rPr lang="en-GB" smtClean="0"/>
-              <a:t>Click to edit Master title style</a:t>
-            </a:r>
-            <a:endParaRPr lang="en-US"/>
-          </a:p>
-        </p:txBody>
-      </p:sp>
-      <p:sp>
-        <p:nvSpPr>
-          <p:cNvPr id="3" name="Content Placeholder 2"/>
-          <p:cNvSpPr>
-            <a:spLocks noGrp="1"/>
-          </p:cNvSpPr>
-          <p:nvPr>
-            <p:ph idx="1"/>
-          </p:nvPr>
-        </p:nvSpPr>
-        <p:spPr/>
-        <p:txBody>
-          <a:bodyPr/>
-          <a:lstStyle/>
-          <a:p>
-            <a:pPr lvl="0"/>
-            <a:r>
-              <a:rPr lang="en-GB" smtClean="0"/>
-              <a:t>Click to edit Master text styles</a:t>
-            </a:r>
-          </a:p>
-          <a:p>
-            <a:pPr lvl="1"/>
-            <a:r>
-              <a:rPr lang="en-GB" smtClean="0"/>
-              <a:t>Second level</a:t>
-            </a:r>
-          </a:p>
-          <a:p>
-            <a:pPr lvl="2"/>
-            <a:r>
-              <a:rPr lang="en-GB" smtClean="0"/>
-              <a:t>Third level</a:t>
-            </a:r>
-          </a:p>
-          <a:p>
-            <a:pPr lvl="3"/>
-            <a:r>
-              <a:rPr lang="en-GB" smtClean="0"/>
-              <a:t>Fourth level</a:t>
-            </a:r>
-          </a:p>
-          <a:p>
-            <a:pPr lvl="4"/>
-            <a:r>
-              <a:rPr lang="en-GB" smtClean="0"/>
-              <a:t>Fifth level</a:t>
-            </a:r>
-            <a:endParaRPr lang="en-US"/>
-          </a:p>
-        </p:txBody>
-      </p:sp>
-      <p:sp>
-        <p:nvSpPr>
-          <p:cNvPr id="4" name="Date Placeholder 3"/>
-          <p:cNvSpPr>
-            <a:spLocks noGrp="1"/>
-          </p:cNvSpPr>
-          <p:nvPr>
-            <p:ph type="dt" sz="half" idx="10"/>
-          </p:nvPr>
-        </p:nvSpPr>
-        <p:spPr/>
-        <p:txBody>
-          <a:bodyPr/>
-          <a:lstStyle/>
-          <a:p>
-            <a:fld id="{90372C55-F32C-714E-85D4-4C85D67E2D89}" type="datetimeFigureOut">
-              <a:rPr lang="en-US" smtClean="0">
-                <a:solidFill>
-                  <a:prstClr val="black">
-                    <a:tint val="75000"/>
-                  </a:prstClr>
-                </a:solidFill>
-                <a:latin typeface="Calibri"/>
-              </a:rPr>
-              <a:pPr/>
-              <a:t>2/10/17</a:t>
-            </a:fld>
-            <a:endParaRPr lang="en-US">
-              <a:solidFill>
-                <a:prstClr val="black">
-                  <a:tint val="75000"/>
-                </a:prstClr>
-              </a:solidFill>
-              <a:latin typeface="Calibri"/>
-            </a:endParaRPr>
-          </a:p>
-        </p:txBody>
-      </p:sp>
-      <p:sp>
-        <p:nvSpPr>
-          <p:cNvPr id="5" name="Footer Placeholder 4"/>
-          <p:cNvSpPr>
-            <a:spLocks noGrp="1"/>
-          </p:cNvSpPr>
-          <p:nvPr>
-            <p:ph type="ftr" sz="quarter" idx="11"/>
-          </p:nvPr>
-        </p:nvSpPr>
-        <p:spPr/>
-        <p:txBody>
-          <a:bodyPr/>
-          <a:lstStyle/>
-          <a:p>
-            <a:endParaRPr lang="en-US">
-              <a:solidFill>
-                <a:prstClr val="black">
-                  <a:tint val="75000"/>
-                </a:prstClr>
-              </a:solidFill>
-              <a:latin typeface="Calibri"/>
-            </a:endParaRPr>
-          </a:p>
-        </p:txBody>
-      </p:sp>
-      <p:sp>
-        <p:nvSpPr>
-          <p:cNvPr id="6" name="Slide Number Placeholder 5"/>
-          <p:cNvSpPr>
-            <a:spLocks noGrp="1"/>
-          </p:cNvSpPr>
-          <p:nvPr>
-            <p:ph type="sldNum" sz="quarter" idx="12"/>
-          </p:nvPr>
-        </p:nvSpPr>
-        <p:spPr/>
-        <p:txBody>
-          <a:bodyPr/>
-          <a:lstStyle/>
-          <a:p>
-            <a:fld id="{0F3FC98C-2777-2A49-93CE-F68CEAF03181}" type="slidenum">
-              <a:rPr lang="en-US" smtClean="0">
-                <a:solidFill>
-                  <a:prstClr val="black">
-                    <a:tint val="75000"/>
-                  </a:prstClr>
-                </a:solidFill>
-                <a:latin typeface="Calibri"/>
-              </a:rPr>
-              <a:pPr/>
-              <a:t>‹#›</a:t>
-            </a:fld>
-            <a:endParaRPr lang="en-US">
-              <a:solidFill>
-                <a:prstClr val="black">
-                  <a:tint val="75000"/>
-                </a:prstClr>
-              </a:solidFill>
-              <a:latin typeface="Calibri"/>
-            </a:endParaRPr>
-          </a:p>
-        </p:txBody>
-      </p:sp>
-    </p:spTree>
-    <p:extLst>
-      <p:ext uri="{BB962C8B-B14F-4D97-AF65-F5344CB8AC3E}">
-        <p14:creationId xmlns:p14="http://schemas.microsoft.com/office/powerpoint/2010/main" val="3279023482"/>
-      </p:ext>
-    </p:extLst>
-  </p:cSld>
-  <p:clrMapOvr>
-    <a:masterClrMapping/>
-  </p:clrMapOvr>
-</p:sldLayout>
-</file>
-
-<file path=ppt/slideLayouts/slideLayout5.xml><?xml version="1.0" encoding="utf-8"?>
-<p:sldLayout xmlns:a="http://schemas.openxmlformats.org/drawingml/2006/main" xmlns:r="http://schemas.openxmlformats.org/officeDocument/2006/relationships" xmlns:p="http://schemas.openxmlformats.org/presentationml/2006/main" type="secHead" preserve="1">
-  <p:cSld name="Section Header">
-    <p:spTree>
-      <p:nvGrpSpPr>
-        <p:cNvPr id="1" name=""/>
-        <p:cNvGrpSpPr/>
-        <p:nvPr/>
-      </p:nvGrpSpPr>
-      <p:grpSpPr>
-        <a:xfrm>
-          <a:off x="0" y="0"/>
-          <a:ext cx="0" cy="0"/>
-          <a:chOff x="0" y="0"/>
-          <a:chExt cx="0" cy="0"/>
-        </a:xfrm>
-      </p:grpSpPr>
-      <p:sp>
-        <p:nvSpPr>
-          <p:cNvPr id="2" name="Title 1"/>
-          <p:cNvSpPr>
-            <a:spLocks noGrp="1"/>
-          </p:cNvSpPr>
-          <p:nvPr>
-            <p:ph type="title"/>
-          </p:nvPr>
-        </p:nvSpPr>
-        <p:spPr>
-          <a:xfrm>
-            <a:off x="722313" y="4406900"/>
-            <a:ext cx="7772400" cy="1362075"/>
-          </a:xfrm>
-        </p:spPr>
-        <p:txBody>
-          <a:bodyPr anchor="t"/>
-          <a:lstStyle>
-            <a:lvl1pPr algn="l">
-              <a:defRPr sz="4000" b="1" cap="all"/>
-            </a:lvl1pPr>
-          </a:lstStyle>
-          <a:p>
-            <a:r>
-              <a:rPr lang="en-GB" smtClean="0"/>
-              <a:t>Click to edit Master title style</a:t>
-            </a:r>
-            <a:endParaRPr lang="en-US"/>
-          </a:p>
-        </p:txBody>
-      </p:sp>
-      <p:sp>
-        <p:nvSpPr>
-          <p:cNvPr id="3" name="Text Placeholder 2"/>
-          <p:cNvSpPr>
-            <a:spLocks noGrp="1"/>
-          </p:cNvSpPr>
-          <p:nvPr>
-            <p:ph type="body" idx="1"/>
-          </p:nvPr>
-        </p:nvSpPr>
-        <p:spPr>
-          <a:xfrm>
-            <a:off x="722313" y="2906713"/>
-            <a:ext cx="7772400" cy="1500187"/>
-          </a:xfrm>
-        </p:spPr>
-        <p:txBody>
-          <a:bodyPr anchor="b"/>
-          <a:lstStyle>
-            <a:lvl1pPr marL="0" indent="0">
-              <a:buNone/>
-              <a:defRPr sz="2000">
-                <a:solidFill>
-                  <a:schemeClr val="tx1">
-                    <a:tint val="75000"/>
-                  </a:schemeClr>
-                </a:solidFill>
-              </a:defRPr>
-            </a:lvl1pPr>
-            <a:lvl2pPr marL="457200" indent="0">
-              <a:buNone/>
-              <a:defRPr sz="1800">
-                <a:solidFill>
-                  <a:schemeClr val="tx1">
-                    <a:tint val="75000"/>
-                  </a:schemeClr>
-                </a:solidFill>
-              </a:defRPr>
-            </a:lvl2pPr>
-            <a:lvl3pPr marL="914400" indent="0">
-              <a:buNone/>
-              <a:defRPr sz="1600">
-                <a:solidFill>
-                  <a:schemeClr val="tx1">
-                    <a:tint val="75000"/>
-                  </a:schemeClr>
-                </a:solidFill>
-              </a:defRPr>
-            </a:lvl3pPr>
-            <a:lvl4pPr marL="1371600" indent="0">
-              <a:buNone/>
-              <a:defRPr sz="1400">
-                <a:solidFill>
-                  <a:schemeClr val="tx1">
-                    <a:tint val="75000"/>
-                  </a:schemeClr>
-                </a:solidFill>
-              </a:defRPr>
-            </a:lvl4pPr>
-            <a:lvl5pPr marL="1828800" indent="0">
-              <a:buNone/>
-              <a:defRPr sz="1400">
-                <a:solidFill>
-                  <a:schemeClr val="tx1">
-                    <a:tint val="75000"/>
-                  </a:schemeClr>
-                </a:solidFill>
-              </a:defRPr>
-            </a:lvl5pPr>
-            <a:lvl6pPr marL="2286000" indent="0">
-              <a:buNone/>
-              <a:defRPr sz="1400">
-                <a:solidFill>
-                  <a:schemeClr val="tx1">
-                    <a:tint val="75000"/>
-                  </a:schemeClr>
-                </a:solidFill>
-              </a:defRPr>
-            </a:lvl6pPr>
-            <a:lvl7pPr marL="2743200" indent="0">
-              <a:buNone/>
-              <a:defRPr sz="1400">
-                <a:solidFill>
-                  <a:schemeClr val="tx1">
-                    <a:tint val="75000"/>
-                  </a:schemeClr>
-                </a:solidFill>
-              </a:defRPr>
-            </a:lvl7pPr>
-            <a:lvl8pPr marL="3200400" indent="0">
-              <a:buNone/>
-              <a:defRPr sz="1400">
-                <a:solidFill>
-                  <a:schemeClr val="tx1">
-                    <a:tint val="75000"/>
-                  </a:schemeClr>
-                </a:solidFill>
-              </a:defRPr>
-            </a:lvl8pPr>
-            <a:lvl9pPr marL="3657600" indent="0">
-              <a:buNone/>
-              <a:defRPr sz="1400">
-                <a:solidFill>
-                  <a:schemeClr val="tx1">
-                    <a:tint val="75000"/>
-                  </a:schemeClr>
-                </a:solidFill>
-              </a:defRPr>
-            </a:lvl9pPr>
-          </a:lstStyle>
-          <a:p>
-            <a:pPr lvl="0"/>
-            <a:r>
-              <a:rPr lang="en-GB" smtClean="0"/>
-              <a:t>Click to edit Master text styles</a:t>
-            </a:r>
-          </a:p>
-        </p:txBody>
-      </p:sp>
-      <p:sp>
-        <p:nvSpPr>
-          <p:cNvPr id="4" name="Date Placeholder 3"/>
-          <p:cNvSpPr>
-            <a:spLocks noGrp="1"/>
-          </p:cNvSpPr>
-          <p:nvPr>
-            <p:ph type="dt" sz="half" idx="10"/>
-          </p:nvPr>
-        </p:nvSpPr>
-        <p:spPr/>
-        <p:txBody>
-          <a:bodyPr/>
-          <a:lstStyle/>
-          <a:p>
-            <a:fld id="{90372C55-F32C-714E-85D4-4C85D67E2D89}" type="datetimeFigureOut">
-              <a:rPr lang="en-US" smtClean="0">
-                <a:solidFill>
-                  <a:prstClr val="black">
-                    <a:tint val="75000"/>
-                  </a:prstClr>
-                </a:solidFill>
-                <a:latin typeface="Calibri"/>
-              </a:rPr>
-              <a:pPr/>
-              <a:t>2/10/17</a:t>
-            </a:fld>
-            <a:endParaRPr lang="en-US">
-              <a:solidFill>
-                <a:prstClr val="black">
-                  <a:tint val="75000"/>
-                </a:prstClr>
-              </a:solidFill>
-              <a:latin typeface="Calibri"/>
-            </a:endParaRPr>
-          </a:p>
-        </p:txBody>
-      </p:sp>
-      <p:sp>
-        <p:nvSpPr>
-          <p:cNvPr id="5" name="Footer Placeholder 4"/>
-          <p:cNvSpPr>
-            <a:spLocks noGrp="1"/>
-          </p:cNvSpPr>
-          <p:nvPr>
-            <p:ph type="ftr" sz="quarter" idx="11"/>
-          </p:nvPr>
-        </p:nvSpPr>
-        <p:spPr/>
-        <p:txBody>
-          <a:bodyPr/>
-          <a:lstStyle/>
-          <a:p>
-            <a:endParaRPr lang="en-US">
-              <a:solidFill>
-                <a:prstClr val="black">
-                  <a:tint val="75000"/>
-                </a:prstClr>
-              </a:solidFill>
-              <a:latin typeface="Calibri"/>
-            </a:endParaRPr>
-          </a:p>
-        </p:txBody>
-      </p:sp>
-      <p:sp>
-        <p:nvSpPr>
-          <p:cNvPr id="6" name="Slide Number Placeholder 5"/>
-          <p:cNvSpPr>
-            <a:spLocks noGrp="1"/>
-          </p:cNvSpPr>
-          <p:nvPr>
-            <p:ph type="sldNum" sz="quarter" idx="12"/>
-          </p:nvPr>
-        </p:nvSpPr>
-        <p:spPr/>
-        <p:txBody>
-          <a:bodyPr/>
-          <a:lstStyle/>
-          <a:p>
-            <a:fld id="{0F3FC98C-2777-2A49-93CE-F68CEAF03181}" type="slidenum">
-              <a:rPr lang="en-US" smtClean="0">
-                <a:solidFill>
-                  <a:prstClr val="black">
-                    <a:tint val="75000"/>
-                  </a:prstClr>
-                </a:solidFill>
-                <a:latin typeface="Calibri"/>
-              </a:rPr>
-              <a:pPr/>
-              <a:t>‹#›</a:t>
-            </a:fld>
-            <a:endParaRPr lang="en-US">
-              <a:solidFill>
-                <a:prstClr val="black">
-                  <a:tint val="75000"/>
-                </a:prstClr>
-              </a:solidFill>
-              <a:latin typeface="Calibri"/>
-            </a:endParaRPr>
-          </a:p>
-        </p:txBody>
-      </p:sp>
-    </p:spTree>
-    <p:extLst>
-      <p:ext uri="{BB962C8B-B14F-4D97-AF65-F5344CB8AC3E}">
-        <p14:creationId xmlns:p14="http://schemas.microsoft.com/office/powerpoint/2010/main" val="1522857949"/>
-      </p:ext>
-    </p:extLst>
-  </p:cSld>
-  <p:clrMapOvr>
-    <a:masterClrMapping/>
-  </p:clrMapOvr>
-</p:sldLayout>
-</file>
-
-<file path=ppt/slideLayouts/slideLayout6.xml><?xml version="1.0" encoding="utf-8"?>
-<p:sldLayout xmlns:a="http://schemas.openxmlformats.org/drawingml/2006/main" xmlns:r="http://schemas.openxmlformats.org/officeDocument/2006/relationships" xmlns:p="http://schemas.openxmlformats.org/presentationml/2006/main" type="twoObj" preserve="1">
-  <p:cSld name="Two Content">
-    <p:spTree>
-      <p:nvGrpSpPr>
-        <p:cNvPr id="1" name=""/>
-        <p:cNvGrpSpPr/>
-        <p:nvPr/>
-      </p:nvGrpSpPr>
-      <p:grpSpPr>
-        <a:xfrm>
-          <a:off x="0" y="0"/>
-          <a:ext cx="0" cy="0"/>
-          <a:chOff x="0" y="0"/>
-          <a:chExt cx="0" cy="0"/>
-        </a:xfrm>
-      </p:grpSpPr>
-      <p:sp>
-        <p:nvSpPr>
-          <p:cNvPr id="2" name="Title 1"/>
-          <p:cNvSpPr>
-            <a:spLocks noGrp="1"/>
-          </p:cNvSpPr>
-          <p:nvPr>
-            <p:ph type="title"/>
-          </p:nvPr>
-        </p:nvSpPr>
-        <p:spPr/>
-        <p:txBody>
-          <a:bodyPr/>
-          <a:lstStyle/>
-          <a:p>
-            <a:r>
-              <a:rPr lang="en-GB" smtClean="0"/>
-              <a:t>Click to edit Master title style</a:t>
-            </a:r>
-            <a:endParaRPr lang="en-US"/>
-          </a:p>
-        </p:txBody>
-      </p:sp>
-      <p:sp>
-        <p:nvSpPr>
-          <p:cNvPr id="3" name="Content Placeholder 2"/>
-          <p:cNvSpPr>
-            <a:spLocks noGrp="1"/>
-          </p:cNvSpPr>
-          <p:nvPr>
-            <p:ph sz="half" idx="1"/>
-          </p:nvPr>
-        </p:nvSpPr>
-        <p:spPr>
-          <a:xfrm>
-            <a:off x="457200" y="1600200"/>
-            <a:ext cx="4038600" cy="4525963"/>
-          </a:xfrm>
-        </p:spPr>
-        <p:txBody>
-          <a:bodyPr/>
-          <a:lstStyle>
-            <a:lvl1pPr>
-              <a:defRPr sz="2800"/>
-            </a:lvl1pPr>
-            <a:lvl2pPr>
-              <a:defRPr sz="2400"/>
-            </a:lvl2pPr>
-            <a:lvl3pPr>
-              <a:defRPr sz="2000"/>
-            </a:lvl3pPr>
-            <a:lvl4pPr>
-              <a:defRPr sz="1800"/>
-            </a:lvl4pPr>
-            <a:lvl5pPr>
-              <a:defRPr sz="1800"/>
-            </a:lvl5pPr>
-            <a:lvl6pPr>
-              <a:defRPr sz="1800"/>
-            </a:lvl6pPr>
-            <a:lvl7pPr>
-              <a:defRPr sz="1800"/>
-            </a:lvl7pPr>
-            <a:lvl8pPr>
-              <a:defRPr sz="1800"/>
-            </a:lvl8pPr>
-            <a:lvl9pPr>
-              <a:defRPr sz="1800"/>
-            </a:lvl9pPr>
-          </a:lstStyle>
-          <a:p>
-            <a:pPr lvl="0"/>
-            <a:r>
-              <a:rPr lang="en-GB" smtClean="0"/>
-              <a:t>Click to edit Master text styles</a:t>
-            </a:r>
-          </a:p>
-          <a:p>
-            <a:pPr lvl="1"/>
-            <a:r>
-              <a:rPr lang="en-GB" smtClean="0"/>
-              <a:t>Second level</a:t>
-            </a:r>
-          </a:p>
-          <a:p>
-            <a:pPr lvl="2"/>
-            <a:r>
-              <a:rPr lang="en-GB" smtClean="0"/>
-              <a:t>Third level</a:t>
-            </a:r>
-          </a:p>
-          <a:p>
-            <a:pPr lvl="3"/>
-            <a:r>
-              <a:rPr lang="en-GB" smtClean="0"/>
-              <a:t>Fourth level</a:t>
-            </a:r>
-          </a:p>
-          <a:p>
-            <a:pPr lvl="4"/>
-            <a:r>
-              <a:rPr lang="en-GB" smtClean="0"/>
-              <a:t>Fifth level</a:t>
-            </a:r>
-            <a:endParaRPr lang="en-US"/>
-          </a:p>
-        </p:txBody>
-      </p:sp>
-      <p:sp>
-        <p:nvSpPr>
-          <p:cNvPr id="4" name="Content Placeholder 3"/>
-          <p:cNvSpPr>
-            <a:spLocks noGrp="1"/>
-          </p:cNvSpPr>
-          <p:nvPr>
-            <p:ph sz="half" idx="2"/>
-          </p:nvPr>
-        </p:nvSpPr>
-        <p:spPr>
-          <a:xfrm>
-            <a:off x="4648200" y="1600200"/>
-            <a:ext cx="4038600" cy="4525963"/>
-          </a:xfrm>
-        </p:spPr>
-        <p:txBody>
-          <a:bodyPr/>
-          <a:lstStyle>
-            <a:lvl1pPr>
-              <a:defRPr sz="2800"/>
-            </a:lvl1pPr>
-            <a:lvl2pPr>
-              <a:defRPr sz="2400"/>
-            </a:lvl2pPr>
-            <a:lvl3pPr>
-              <a:defRPr sz="2000"/>
-            </a:lvl3pPr>
-            <a:lvl4pPr>
-              <a:defRPr sz="1800"/>
-            </a:lvl4pPr>
-            <a:lvl5pPr>
-              <a:defRPr sz="1800"/>
-            </a:lvl5pPr>
-            <a:lvl6pPr>
-              <a:defRPr sz="1800"/>
-            </a:lvl6pPr>
-            <a:lvl7pPr>
-              <a:defRPr sz="1800"/>
-            </a:lvl7pPr>
-            <a:lvl8pPr>
-              <a:defRPr sz="1800"/>
-            </a:lvl8pPr>
-            <a:lvl9pPr>
-              <a:defRPr sz="1800"/>
-            </a:lvl9pPr>
-          </a:lstStyle>
-          <a:p>
-            <a:pPr lvl="0"/>
-            <a:r>
-              <a:rPr lang="en-GB" smtClean="0"/>
-              <a:t>Click to edit Master text styles</a:t>
-            </a:r>
-          </a:p>
-          <a:p>
-            <a:pPr lvl="1"/>
-            <a:r>
-              <a:rPr lang="en-GB" smtClean="0"/>
-              <a:t>Second level</a:t>
-            </a:r>
-          </a:p>
-          <a:p>
-            <a:pPr lvl="2"/>
-            <a:r>
-              <a:rPr lang="en-GB" smtClean="0"/>
-              <a:t>Third level</a:t>
-            </a:r>
-          </a:p>
-          <a:p>
-            <a:pPr lvl="3"/>
-            <a:r>
-              <a:rPr lang="en-GB" smtClean="0"/>
-              <a:t>Fourth level</a:t>
-            </a:r>
-          </a:p>
-          <a:p>
-            <a:pPr lvl="4"/>
-            <a:r>
-              <a:rPr lang="en-GB" smtClean="0"/>
-              <a:t>Fifth level</a:t>
-            </a:r>
-            <a:endParaRPr lang="en-US"/>
-          </a:p>
-        </p:txBody>
-      </p:sp>
-      <p:sp>
-        <p:nvSpPr>
-          <p:cNvPr id="5" name="Date Placeholder 4"/>
-          <p:cNvSpPr>
-            <a:spLocks noGrp="1"/>
-          </p:cNvSpPr>
-          <p:nvPr>
-            <p:ph type="dt" sz="half" idx="10"/>
-          </p:nvPr>
-        </p:nvSpPr>
-        <p:spPr/>
-        <p:txBody>
-          <a:bodyPr/>
-          <a:lstStyle/>
-          <a:p>
-            <a:fld id="{90372C55-F32C-714E-85D4-4C85D67E2D89}" type="datetimeFigureOut">
-              <a:rPr lang="en-US" smtClean="0">
-                <a:solidFill>
-                  <a:prstClr val="black">
-                    <a:tint val="75000"/>
-                  </a:prstClr>
-                </a:solidFill>
-                <a:latin typeface="Calibri"/>
-              </a:rPr>
-              <a:pPr/>
-              <a:t>2/10/17</a:t>
-            </a:fld>
-            <a:endParaRPr lang="en-US">
-              <a:solidFill>
-                <a:prstClr val="black">
-                  <a:tint val="75000"/>
-                </a:prstClr>
-              </a:solidFill>
-              <a:latin typeface="Calibri"/>
-            </a:endParaRPr>
-          </a:p>
-        </p:txBody>
-      </p:sp>
-      <p:sp>
-        <p:nvSpPr>
-          <p:cNvPr id="6" name="Footer Placeholder 5"/>
-          <p:cNvSpPr>
-            <a:spLocks noGrp="1"/>
-          </p:cNvSpPr>
-          <p:nvPr>
-            <p:ph type="ftr" sz="quarter" idx="11"/>
-          </p:nvPr>
-        </p:nvSpPr>
-        <p:spPr/>
-        <p:txBody>
-          <a:bodyPr/>
-          <a:lstStyle/>
-          <a:p>
-            <a:endParaRPr lang="en-US">
-              <a:solidFill>
-                <a:prstClr val="black">
-                  <a:tint val="75000"/>
-                </a:prstClr>
-              </a:solidFill>
-              <a:latin typeface="Calibri"/>
-            </a:endParaRPr>
-          </a:p>
-        </p:txBody>
-      </p:sp>
-      <p:sp>
-        <p:nvSpPr>
-          <p:cNvPr id="7" name="Slide Number Placeholder 6"/>
-          <p:cNvSpPr>
-            <a:spLocks noGrp="1"/>
-          </p:cNvSpPr>
-          <p:nvPr>
-            <p:ph type="sldNum" sz="quarter" idx="12"/>
-          </p:nvPr>
-        </p:nvSpPr>
-        <p:spPr/>
-        <p:txBody>
-          <a:bodyPr/>
-          <a:lstStyle/>
-          <a:p>
-            <a:fld id="{0F3FC98C-2777-2A49-93CE-F68CEAF03181}" type="slidenum">
-              <a:rPr lang="en-US" smtClean="0">
-                <a:solidFill>
-                  <a:prstClr val="black">
-                    <a:tint val="75000"/>
-                  </a:prstClr>
-                </a:solidFill>
-                <a:latin typeface="Calibri"/>
-              </a:rPr>
-              <a:pPr/>
-              <a:t>‹#›</a:t>
-            </a:fld>
-            <a:endParaRPr lang="en-US">
-              <a:solidFill>
-                <a:prstClr val="black">
-                  <a:tint val="75000"/>
-                </a:prstClr>
-              </a:solidFill>
-              <a:latin typeface="Calibri"/>
-            </a:endParaRPr>
-          </a:p>
-        </p:txBody>
-      </p:sp>
-    </p:spTree>
-    <p:extLst>
-      <p:ext uri="{BB962C8B-B14F-4D97-AF65-F5344CB8AC3E}">
-        <p14:creationId xmlns:p14="http://schemas.microsoft.com/office/powerpoint/2010/main" val="4227582867"/>
-      </p:ext>
-    </p:extLst>
-  </p:cSld>
-  <p:clrMapOvr>
-    <a:masterClrMapping/>
-  </p:clrMapOvr>
-</p:sldLayout>
-</file>
-
-<file path=ppt/slideLayouts/slideLayout7.xml><?xml version="1.0" encoding="utf-8"?>
+<file path=ppt/slideLayouts/slideLayout18.xml><?xml version="1.0" encoding="utf-8"?>
 <p:sldLayout xmlns:a="http://schemas.openxmlformats.org/drawingml/2006/main" xmlns:r="http://schemas.openxmlformats.org/officeDocument/2006/relationships" xmlns:p="http://schemas.openxmlformats.org/presentationml/2006/main" type="twoTxTwoObj" preserve="1">
   <p:cSld name="Comparison">
     <p:spTree>
@@ -3722,10 +3862,3038 @@
                     <a:tint val="75000"/>
                   </a:prstClr>
                 </a:solidFill>
+              </a:rPr>
+              <a:pPr/>
+              <a:t>12/4/17</a:t>
+            </a:fld>
+            <a:endParaRPr lang="en-US">
+              <a:solidFill>
+                <a:prstClr val="black">
+                  <a:tint val="75000"/>
+                </a:prstClr>
+              </a:solidFill>
+            </a:endParaRPr>
+          </a:p>
+        </p:txBody>
+      </p:sp>
+      <p:sp>
+        <p:nvSpPr>
+          <p:cNvPr id="8" name="Footer Placeholder 7"/>
+          <p:cNvSpPr>
+            <a:spLocks noGrp="1"/>
+          </p:cNvSpPr>
+          <p:nvPr>
+            <p:ph type="ftr" sz="quarter" idx="11"/>
+          </p:nvPr>
+        </p:nvSpPr>
+        <p:spPr/>
+        <p:txBody>
+          <a:bodyPr/>
+          <a:lstStyle/>
+          <a:p>
+            <a:endParaRPr lang="en-US">
+              <a:solidFill>
+                <a:prstClr val="black">
+                  <a:tint val="75000"/>
+                </a:prstClr>
+              </a:solidFill>
+            </a:endParaRPr>
+          </a:p>
+        </p:txBody>
+      </p:sp>
+      <p:sp>
+        <p:nvSpPr>
+          <p:cNvPr id="9" name="Slide Number Placeholder 8"/>
+          <p:cNvSpPr>
+            <a:spLocks noGrp="1"/>
+          </p:cNvSpPr>
+          <p:nvPr>
+            <p:ph type="sldNum" sz="quarter" idx="12"/>
+          </p:nvPr>
+        </p:nvSpPr>
+        <p:spPr/>
+        <p:txBody>
+          <a:bodyPr/>
+          <a:lstStyle/>
+          <a:p>
+            <a:fld id="{0F3FC98C-2777-2A49-93CE-F68CEAF03181}" type="slidenum">
+              <a:rPr lang="en-US" smtClean="0">
+                <a:solidFill>
+                  <a:prstClr val="black">
+                    <a:tint val="75000"/>
+                  </a:prstClr>
+                </a:solidFill>
+              </a:rPr>
+              <a:pPr/>
+              <a:t>‹#›</a:t>
+            </a:fld>
+            <a:endParaRPr lang="en-US">
+              <a:solidFill>
+                <a:prstClr val="black">
+                  <a:tint val="75000"/>
+                </a:prstClr>
+              </a:solidFill>
+            </a:endParaRPr>
+          </a:p>
+        </p:txBody>
+      </p:sp>
+    </p:spTree>
+    <p:extLst/>
+  </p:cSld>
+  <p:clrMapOvr>
+    <a:masterClrMapping/>
+  </p:clrMapOvr>
+</p:sldLayout>
+</file>
+
+<file path=ppt/slideLayouts/slideLayout19.xml><?xml version="1.0" encoding="utf-8"?>
+<p:sldLayout xmlns:a="http://schemas.openxmlformats.org/drawingml/2006/main" xmlns:r="http://schemas.openxmlformats.org/officeDocument/2006/relationships" xmlns:p="http://schemas.openxmlformats.org/presentationml/2006/main" type="titleOnly" preserve="1">
+  <p:cSld name="Title Only">
+    <p:spTree>
+      <p:nvGrpSpPr>
+        <p:cNvPr id="1" name=""/>
+        <p:cNvGrpSpPr/>
+        <p:nvPr/>
+      </p:nvGrpSpPr>
+      <p:grpSpPr>
+        <a:xfrm>
+          <a:off x="0" y="0"/>
+          <a:ext cx="0" cy="0"/>
+          <a:chOff x="0" y="0"/>
+          <a:chExt cx="0" cy="0"/>
+        </a:xfrm>
+      </p:grpSpPr>
+      <p:sp>
+        <p:nvSpPr>
+          <p:cNvPr id="2" name="Title 1"/>
+          <p:cNvSpPr>
+            <a:spLocks noGrp="1"/>
+          </p:cNvSpPr>
+          <p:nvPr>
+            <p:ph type="title"/>
+          </p:nvPr>
+        </p:nvSpPr>
+        <p:spPr/>
+        <p:txBody>
+          <a:bodyPr/>
+          <a:lstStyle/>
+          <a:p>
+            <a:r>
+              <a:rPr lang="en-GB" smtClean="0"/>
+              <a:t>Click to edit Master title style</a:t>
+            </a:r>
+            <a:endParaRPr lang="en-US"/>
+          </a:p>
+        </p:txBody>
+      </p:sp>
+      <p:sp>
+        <p:nvSpPr>
+          <p:cNvPr id="3" name="Date Placeholder 2"/>
+          <p:cNvSpPr>
+            <a:spLocks noGrp="1"/>
+          </p:cNvSpPr>
+          <p:nvPr>
+            <p:ph type="dt" sz="half" idx="10"/>
+          </p:nvPr>
+        </p:nvSpPr>
+        <p:spPr/>
+        <p:txBody>
+          <a:bodyPr/>
+          <a:lstStyle/>
+          <a:p>
+            <a:fld id="{90372C55-F32C-714E-85D4-4C85D67E2D89}" type="datetimeFigureOut">
+              <a:rPr lang="en-US" smtClean="0">
+                <a:solidFill>
+                  <a:prstClr val="black">
+                    <a:tint val="75000"/>
+                  </a:prstClr>
+                </a:solidFill>
+              </a:rPr>
+              <a:pPr/>
+              <a:t>12/4/17</a:t>
+            </a:fld>
+            <a:endParaRPr lang="en-US">
+              <a:solidFill>
+                <a:prstClr val="black">
+                  <a:tint val="75000"/>
+                </a:prstClr>
+              </a:solidFill>
+            </a:endParaRPr>
+          </a:p>
+        </p:txBody>
+      </p:sp>
+      <p:sp>
+        <p:nvSpPr>
+          <p:cNvPr id="4" name="Footer Placeholder 3"/>
+          <p:cNvSpPr>
+            <a:spLocks noGrp="1"/>
+          </p:cNvSpPr>
+          <p:nvPr>
+            <p:ph type="ftr" sz="quarter" idx="11"/>
+          </p:nvPr>
+        </p:nvSpPr>
+        <p:spPr/>
+        <p:txBody>
+          <a:bodyPr/>
+          <a:lstStyle/>
+          <a:p>
+            <a:endParaRPr lang="en-US">
+              <a:solidFill>
+                <a:prstClr val="black">
+                  <a:tint val="75000"/>
+                </a:prstClr>
+              </a:solidFill>
+            </a:endParaRPr>
+          </a:p>
+        </p:txBody>
+      </p:sp>
+      <p:sp>
+        <p:nvSpPr>
+          <p:cNvPr id="5" name="Slide Number Placeholder 4"/>
+          <p:cNvSpPr>
+            <a:spLocks noGrp="1"/>
+          </p:cNvSpPr>
+          <p:nvPr>
+            <p:ph type="sldNum" sz="quarter" idx="12"/>
+          </p:nvPr>
+        </p:nvSpPr>
+        <p:spPr/>
+        <p:txBody>
+          <a:bodyPr/>
+          <a:lstStyle/>
+          <a:p>
+            <a:fld id="{0F3FC98C-2777-2A49-93CE-F68CEAF03181}" type="slidenum">
+              <a:rPr lang="en-US" smtClean="0">
+                <a:solidFill>
+                  <a:prstClr val="black">
+                    <a:tint val="75000"/>
+                  </a:prstClr>
+                </a:solidFill>
+              </a:rPr>
+              <a:pPr/>
+              <a:t>‹#›</a:t>
+            </a:fld>
+            <a:endParaRPr lang="en-US">
+              <a:solidFill>
+                <a:prstClr val="black">
+                  <a:tint val="75000"/>
+                </a:prstClr>
+              </a:solidFill>
+            </a:endParaRPr>
+          </a:p>
+        </p:txBody>
+      </p:sp>
+    </p:spTree>
+    <p:extLst/>
+  </p:cSld>
+  <p:clrMapOvr>
+    <a:masterClrMapping/>
+  </p:clrMapOvr>
+</p:sldLayout>
+</file>
+
+<file path=ppt/slideLayouts/slideLayout2.xml><?xml version="1.0" encoding="utf-8"?>
+<p:sldLayout xmlns:a="http://schemas.openxmlformats.org/drawingml/2006/main" xmlns:r="http://schemas.openxmlformats.org/officeDocument/2006/relationships" xmlns:p="http://schemas.openxmlformats.org/presentationml/2006/main" type="twoObj">
+  <p:cSld name="Two Content">
+    <p:spTree>
+      <p:nvGrpSpPr>
+        <p:cNvPr id="1" name=""/>
+        <p:cNvGrpSpPr/>
+        <p:nvPr/>
+      </p:nvGrpSpPr>
+      <p:grpSpPr>
+        <a:xfrm>
+          <a:off x="0" y="0"/>
+          <a:ext cx="0" cy="0"/>
+          <a:chOff x="0" y="0"/>
+          <a:chExt cx="0" cy="0"/>
+        </a:xfrm>
+      </p:grpSpPr>
+      <p:sp>
+        <p:nvSpPr>
+          <p:cNvPr id="2" name="Title 1"/>
+          <p:cNvSpPr>
+            <a:spLocks noGrp="1"/>
+          </p:cNvSpPr>
+          <p:nvPr>
+            <p:ph type="title"/>
+          </p:nvPr>
+        </p:nvSpPr>
+        <p:spPr/>
+        <p:txBody>
+          <a:bodyPr/>
+          <a:lstStyle/>
+          <a:p>
+            <a:r>
+              <a:rPr lang="en-US" smtClean="0"/>
+              <a:t>Click to edit Master title style</a:t>
+            </a:r>
+            <a:endParaRPr lang="en-US"/>
+          </a:p>
+        </p:txBody>
+      </p:sp>
+      <p:sp>
+        <p:nvSpPr>
+          <p:cNvPr id="3" name="Content Placeholder 2"/>
+          <p:cNvSpPr>
+            <a:spLocks noGrp="1"/>
+          </p:cNvSpPr>
+          <p:nvPr>
+            <p:ph sz="half" idx="1"/>
+          </p:nvPr>
+        </p:nvSpPr>
+        <p:spPr>
+          <a:xfrm>
+            <a:off x="539750" y="1484313"/>
+            <a:ext cx="3965575" cy="4310062"/>
+          </a:xfrm>
+        </p:spPr>
+        <p:txBody>
+          <a:bodyPr/>
+          <a:lstStyle>
+            <a:lvl1pPr>
+              <a:defRPr sz="2800"/>
+            </a:lvl1pPr>
+            <a:lvl2pPr>
+              <a:defRPr sz="2400"/>
+            </a:lvl2pPr>
+            <a:lvl3pPr>
+              <a:defRPr sz="2000"/>
+            </a:lvl3pPr>
+            <a:lvl4pPr>
+              <a:defRPr sz="1800"/>
+            </a:lvl4pPr>
+            <a:lvl5pPr>
+              <a:defRPr sz="1800"/>
+            </a:lvl5pPr>
+            <a:lvl6pPr>
+              <a:defRPr sz="1800"/>
+            </a:lvl6pPr>
+            <a:lvl7pPr>
+              <a:defRPr sz="1800"/>
+            </a:lvl7pPr>
+            <a:lvl8pPr>
+              <a:defRPr sz="1800"/>
+            </a:lvl8pPr>
+            <a:lvl9pPr>
+              <a:defRPr sz="1800"/>
+            </a:lvl9pPr>
+          </a:lstStyle>
+          <a:p>
+            <a:pPr lvl="0"/>
+            <a:r>
+              <a:rPr lang="en-US" smtClean="0"/>
+              <a:t>Click to edit Master text styles</a:t>
+            </a:r>
+          </a:p>
+          <a:p>
+            <a:pPr lvl="1"/>
+            <a:r>
+              <a:rPr lang="en-US" smtClean="0"/>
+              <a:t>Second level</a:t>
+            </a:r>
+          </a:p>
+          <a:p>
+            <a:pPr lvl="2"/>
+            <a:r>
+              <a:rPr lang="en-US" smtClean="0"/>
+              <a:t>Third level</a:t>
+            </a:r>
+          </a:p>
+          <a:p>
+            <a:pPr lvl="3"/>
+            <a:r>
+              <a:rPr lang="en-US" smtClean="0"/>
+              <a:t>Fourth level</a:t>
+            </a:r>
+          </a:p>
+          <a:p>
+            <a:pPr lvl="4"/>
+            <a:r>
+              <a:rPr lang="en-US" smtClean="0"/>
+              <a:t>Fifth level</a:t>
+            </a:r>
+            <a:endParaRPr lang="en-US"/>
+          </a:p>
+        </p:txBody>
+      </p:sp>
+      <p:sp>
+        <p:nvSpPr>
+          <p:cNvPr id="4" name="Content Placeholder 3"/>
+          <p:cNvSpPr>
+            <a:spLocks noGrp="1"/>
+          </p:cNvSpPr>
+          <p:nvPr>
+            <p:ph sz="half" idx="2"/>
+          </p:nvPr>
+        </p:nvSpPr>
+        <p:spPr>
+          <a:xfrm>
+            <a:off x="4657725" y="1484313"/>
+            <a:ext cx="3967163" cy="4310062"/>
+          </a:xfrm>
+        </p:spPr>
+        <p:txBody>
+          <a:bodyPr/>
+          <a:lstStyle>
+            <a:lvl1pPr>
+              <a:defRPr sz="2800"/>
+            </a:lvl1pPr>
+            <a:lvl2pPr>
+              <a:defRPr sz="2400"/>
+            </a:lvl2pPr>
+            <a:lvl3pPr>
+              <a:defRPr sz="2000"/>
+            </a:lvl3pPr>
+            <a:lvl4pPr>
+              <a:defRPr sz="1800"/>
+            </a:lvl4pPr>
+            <a:lvl5pPr>
+              <a:defRPr sz="1800"/>
+            </a:lvl5pPr>
+            <a:lvl6pPr>
+              <a:defRPr sz="1800"/>
+            </a:lvl6pPr>
+            <a:lvl7pPr>
+              <a:defRPr sz="1800"/>
+            </a:lvl7pPr>
+            <a:lvl8pPr>
+              <a:defRPr sz="1800"/>
+            </a:lvl8pPr>
+            <a:lvl9pPr>
+              <a:defRPr sz="1800"/>
+            </a:lvl9pPr>
+          </a:lstStyle>
+          <a:p>
+            <a:pPr lvl="0"/>
+            <a:r>
+              <a:rPr lang="en-US" smtClean="0"/>
+              <a:t>Click to edit Master text styles</a:t>
+            </a:r>
+          </a:p>
+          <a:p>
+            <a:pPr lvl="1"/>
+            <a:r>
+              <a:rPr lang="en-US" smtClean="0"/>
+              <a:t>Second level</a:t>
+            </a:r>
+          </a:p>
+          <a:p>
+            <a:pPr lvl="2"/>
+            <a:r>
+              <a:rPr lang="en-US" smtClean="0"/>
+              <a:t>Third level</a:t>
+            </a:r>
+          </a:p>
+          <a:p>
+            <a:pPr lvl="3"/>
+            <a:r>
+              <a:rPr lang="en-US" smtClean="0"/>
+              <a:t>Fourth level</a:t>
+            </a:r>
+          </a:p>
+          <a:p>
+            <a:pPr lvl="4"/>
+            <a:r>
+              <a:rPr lang="en-US" smtClean="0"/>
+              <a:t>Fifth level</a:t>
+            </a:r>
+            <a:endParaRPr lang="en-US"/>
+          </a:p>
+        </p:txBody>
+      </p:sp>
+    </p:spTree>
+    <p:extLst>
+      <p:ext uri="{BB962C8B-B14F-4D97-AF65-F5344CB8AC3E}">
+        <p14:creationId xmlns:p14="http://schemas.microsoft.com/office/powerpoint/2010/main" val="1257099156"/>
+      </p:ext>
+    </p:extLst>
+  </p:cSld>
+  <p:clrMapOvr>
+    <a:masterClrMapping/>
+  </p:clrMapOvr>
+</p:sldLayout>
+</file>
+
+<file path=ppt/slideLayouts/slideLayout20.xml><?xml version="1.0" encoding="utf-8"?>
+<p:sldLayout xmlns:a="http://schemas.openxmlformats.org/drawingml/2006/main" xmlns:r="http://schemas.openxmlformats.org/officeDocument/2006/relationships" xmlns:p="http://schemas.openxmlformats.org/presentationml/2006/main" type="blank" preserve="1">
+  <p:cSld name="Blank">
+    <p:spTree>
+      <p:nvGrpSpPr>
+        <p:cNvPr id="1" name=""/>
+        <p:cNvGrpSpPr/>
+        <p:nvPr/>
+      </p:nvGrpSpPr>
+      <p:grpSpPr>
+        <a:xfrm>
+          <a:off x="0" y="0"/>
+          <a:ext cx="0" cy="0"/>
+          <a:chOff x="0" y="0"/>
+          <a:chExt cx="0" cy="0"/>
+        </a:xfrm>
+      </p:grpSpPr>
+      <p:sp>
+        <p:nvSpPr>
+          <p:cNvPr id="2" name="Date Placeholder 1"/>
+          <p:cNvSpPr>
+            <a:spLocks noGrp="1"/>
+          </p:cNvSpPr>
+          <p:nvPr>
+            <p:ph type="dt" sz="half" idx="10"/>
+          </p:nvPr>
+        </p:nvSpPr>
+        <p:spPr/>
+        <p:txBody>
+          <a:bodyPr/>
+          <a:lstStyle/>
+          <a:p>
+            <a:fld id="{90372C55-F32C-714E-85D4-4C85D67E2D89}" type="datetimeFigureOut">
+              <a:rPr lang="en-US" smtClean="0">
+                <a:solidFill>
+                  <a:prstClr val="black">
+                    <a:tint val="75000"/>
+                  </a:prstClr>
+                </a:solidFill>
+              </a:rPr>
+              <a:pPr/>
+              <a:t>12/4/17</a:t>
+            </a:fld>
+            <a:endParaRPr lang="en-US">
+              <a:solidFill>
+                <a:prstClr val="black">
+                  <a:tint val="75000"/>
+                </a:prstClr>
+              </a:solidFill>
+            </a:endParaRPr>
+          </a:p>
+        </p:txBody>
+      </p:sp>
+      <p:sp>
+        <p:nvSpPr>
+          <p:cNvPr id="3" name="Footer Placeholder 2"/>
+          <p:cNvSpPr>
+            <a:spLocks noGrp="1"/>
+          </p:cNvSpPr>
+          <p:nvPr>
+            <p:ph type="ftr" sz="quarter" idx="11"/>
+          </p:nvPr>
+        </p:nvSpPr>
+        <p:spPr/>
+        <p:txBody>
+          <a:bodyPr/>
+          <a:lstStyle/>
+          <a:p>
+            <a:endParaRPr lang="en-US">
+              <a:solidFill>
+                <a:prstClr val="black">
+                  <a:tint val="75000"/>
+                </a:prstClr>
+              </a:solidFill>
+            </a:endParaRPr>
+          </a:p>
+        </p:txBody>
+      </p:sp>
+      <p:sp>
+        <p:nvSpPr>
+          <p:cNvPr id="4" name="Slide Number Placeholder 3"/>
+          <p:cNvSpPr>
+            <a:spLocks noGrp="1"/>
+          </p:cNvSpPr>
+          <p:nvPr>
+            <p:ph type="sldNum" sz="quarter" idx="12"/>
+          </p:nvPr>
+        </p:nvSpPr>
+        <p:spPr/>
+        <p:txBody>
+          <a:bodyPr/>
+          <a:lstStyle/>
+          <a:p>
+            <a:fld id="{0F3FC98C-2777-2A49-93CE-F68CEAF03181}" type="slidenum">
+              <a:rPr lang="en-US" smtClean="0">
+                <a:solidFill>
+                  <a:prstClr val="black">
+                    <a:tint val="75000"/>
+                  </a:prstClr>
+                </a:solidFill>
+              </a:rPr>
+              <a:pPr/>
+              <a:t>‹#›</a:t>
+            </a:fld>
+            <a:endParaRPr lang="en-US">
+              <a:solidFill>
+                <a:prstClr val="black">
+                  <a:tint val="75000"/>
+                </a:prstClr>
+              </a:solidFill>
+            </a:endParaRPr>
+          </a:p>
+        </p:txBody>
+      </p:sp>
+    </p:spTree>
+    <p:extLst/>
+  </p:cSld>
+  <p:clrMapOvr>
+    <a:masterClrMapping/>
+  </p:clrMapOvr>
+</p:sldLayout>
+</file>
+
+<file path=ppt/slideLayouts/slideLayout21.xml><?xml version="1.0" encoding="utf-8"?>
+<p:sldLayout xmlns:a="http://schemas.openxmlformats.org/drawingml/2006/main" xmlns:r="http://schemas.openxmlformats.org/officeDocument/2006/relationships" xmlns:p="http://schemas.openxmlformats.org/presentationml/2006/main" type="objTx" preserve="1">
+  <p:cSld name="Content with Caption">
+    <p:spTree>
+      <p:nvGrpSpPr>
+        <p:cNvPr id="1" name=""/>
+        <p:cNvGrpSpPr/>
+        <p:nvPr/>
+      </p:nvGrpSpPr>
+      <p:grpSpPr>
+        <a:xfrm>
+          <a:off x="0" y="0"/>
+          <a:ext cx="0" cy="0"/>
+          <a:chOff x="0" y="0"/>
+          <a:chExt cx="0" cy="0"/>
+        </a:xfrm>
+      </p:grpSpPr>
+      <p:sp>
+        <p:nvSpPr>
+          <p:cNvPr id="2" name="Title 1"/>
+          <p:cNvSpPr>
+            <a:spLocks noGrp="1"/>
+          </p:cNvSpPr>
+          <p:nvPr>
+            <p:ph type="title"/>
+          </p:nvPr>
+        </p:nvSpPr>
+        <p:spPr>
+          <a:xfrm>
+            <a:off x="457200" y="273050"/>
+            <a:ext cx="3008313" cy="1162050"/>
+          </a:xfrm>
+        </p:spPr>
+        <p:txBody>
+          <a:bodyPr anchor="b"/>
+          <a:lstStyle>
+            <a:lvl1pPr algn="l">
+              <a:defRPr sz="2000" b="1"/>
+            </a:lvl1pPr>
+          </a:lstStyle>
+          <a:p>
+            <a:r>
+              <a:rPr lang="en-GB" smtClean="0"/>
+              <a:t>Click to edit Master title style</a:t>
+            </a:r>
+            <a:endParaRPr lang="en-US"/>
+          </a:p>
+        </p:txBody>
+      </p:sp>
+      <p:sp>
+        <p:nvSpPr>
+          <p:cNvPr id="3" name="Content Placeholder 2"/>
+          <p:cNvSpPr>
+            <a:spLocks noGrp="1"/>
+          </p:cNvSpPr>
+          <p:nvPr>
+            <p:ph idx="1"/>
+          </p:nvPr>
+        </p:nvSpPr>
+        <p:spPr>
+          <a:xfrm>
+            <a:off x="3575050" y="273050"/>
+            <a:ext cx="5111750" cy="5853113"/>
+          </a:xfrm>
+        </p:spPr>
+        <p:txBody>
+          <a:bodyPr/>
+          <a:lstStyle>
+            <a:lvl1pPr>
+              <a:defRPr sz="3200"/>
+            </a:lvl1pPr>
+            <a:lvl2pPr>
+              <a:defRPr sz="2800"/>
+            </a:lvl2pPr>
+            <a:lvl3pPr>
+              <a:defRPr sz="2400"/>
+            </a:lvl3pPr>
+            <a:lvl4pPr>
+              <a:defRPr sz="2000"/>
+            </a:lvl4pPr>
+            <a:lvl5pPr>
+              <a:defRPr sz="2000"/>
+            </a:lvl5pPr>
+            <a:lvl6pPr>
+              <a:defRPr sz="2000"/>
+            </a:lvl6pPr>
+            <a:lvl7pPr>
+              <a:defRPr sz="2000"/>
+            </a:lvl7pPr>
+            <a:lvl8pPr>
+              <a:defRPr sz="2000"/>
+            </a:lvl8pPr>
+            <a:lvl9pPr>
+              <a:defRPr sz="2000"/>
+            </a:lvl9pPr>
+          </a:lstStyle>
+          <a:p>
+            <a:pPr lvl="0"/>
+            <a:r>
+              <a:rPr lang="en-GB" smtClean="0"/>
+              <a:t>Click to edit Master text styles</a:t>
+            </a:r>
+          </a:p>
+          <a:p>
+            <a:pPr lvl="1"/>
+            <a:r>
+              <a:rPr lang="en-GB" smtClean="0"/>
+              <a:t>Second level</a:t>
+            </a:r>
+          </a:p>
+          <a:p>
+            <a:pPr lvl="2"/>
+            <a:r>
+              <a:rPr lang="en-GB" smtClean="0"/>
+              <a:t>Third level</a:t>
+            </a:r>
+          </a:p>
+          <a:p>
+            <a:pPr lvl="3"/>
+            <a:r>
+              <a:rPr lang="en-GB" smtClean="0"/>
+              <a:t>Fourth level</a:t>
+            </a:r>
+          </a:p>
+          <a:p>
+            <a:pPr lvl="4"/>
+            <a:r>
+              <a:rPr lang="en-GB" smtClean="0"/>
+              <a:t>Fifth level</a:t>
+            </a:r>
+            <a:endParaRPr lang="en-US"/>
+          </a:p>
+        </p:txBody>
+      </p:sp>
+      <p:sp>
+        <p:nvSpPr>
+          <p:cNvPr id="4" name="Text Placeholder 3"/>
+          <p:cNvSpPr>
+            <a:spLocks noGrp="1"/>
+          </p:cNvSpPr>
+          <p:nvPr>
+            <p:ph type="body" sz="half" idx="2"/>
+          </p:nvPr>
+        </p:nvSpPr>
+        <p:spPr>
+          <a:xfrm>
+            <a:off x="457200" y="1435100"/>
+            <a:ext cx="3008313" cy="4691063"/>
+          </a:xfrm>
+        </p:spPr>
+        <p:txBody>
+          <a:bodyPr/>
+          <a:lstStyle>
+            <a:lvl1pPr marL="0" indent="0">
+              <a:buNone/>
+              <a:defRPr sz="1400"/>
+            </a:lvl1pPr>
+            <a:lvl2pPr marL="457200" indent="0">
+              <a:buNone/>
+              <a:defRPr sz="1200"/>
+            </a:lvl2pPr>
+            <a:lvl3pPr marL="914400" indent="0">
+              <a:buNone/>
+              <a:defRPr sz="1000"/>
+            </a:lvl3pPr>
+            <a:lvl4pPr marL="1371600" indent="0">
+              <a:buNone/>
+              <a:defRPr sz="900"/>
+            </a:lvl4pPr>
+            <a:lvl5pPr marL="1828800" indent="0">
+              <a:buNone/>
+              <a:defRPr sz="900"/>
+            </a:lvl5pPr>
+            <a:lvl6pPr marL="2286000" indent="0">
+              <a:buNone/>
+              <a:defRPr sz="900"/>
+            </a:lvl6pPr>
+            <a:lvl7pPr marL="2743200" indent="0">
+              <a:buNone/>
+              <a:defRPr sz="900"/>
+            </a:lvl7pPr>
+            <a:lvl8pPr marL="3200400" indent="0">
+              <a:buNone/>
+              <a:defRPr sz="900"/>
+            </a:lvl8pPr>
+            <a:lvl9pPr marL="3657600" indent="0">
+              <a:buNone/>
+              <a:defRPr sz="900"/>
+            </a:lvl9pPr>
+          </a:lstStyle>
+          <a:p>
+            <a:pPr lvl="0"/>
+            <a:r>
+              <a:rPr lang="en-GB" smtClean="0"/>
+              <a:t>Click to edit Master text styles</a:t>
+            </a:r>
+          </a:p>
+        </p:txBody>
+      </p:sp>
+      <p:sp>
+        <p:nvSpPr>
+          <p:cNvPr id="5" name="Date Placeholder 4"/>
+          <p:cNvSpPr>
+            <a:spLocks noGrp="1"/>
+          </p:cNvSpPr>
+          <p:nvPr>
+            <p:ph type="dt" sz="half" idx="10"/>
+          </p:nvPr>
+        </p:nvSpPr>
+        <p:spPr/>
+        <p:txBody>
+          <a:bodyPr/>
+          <a:lstStyle/>
+          <a:p>
+            <a:fld id="{90372C55-F32C-714E-85D4-4C85D67E2D89}" type="datetimeFigureOut">
+              <a:rPr lang="en-US" smtClean="0">
+                <a:solidFill>
+                  <a:prstClr val="black">
+                    <a:tint val="75000"/>
+                  </a:prstClr>
+                </a:solidFill>
+              </a:rPr>
+              <a:pPr/>
+              <a:t>12/4/17</a:t>
+            </a:fld>
+            <a:endParaRPr lang="en-US">
+              <a:solidFill>
+                <a:prstClr val="black">
+                  <a:tint val="75000"/>
+                </a:prstClr>
+              </a:solidFill>
+            </a:endParaRPr>
+          </a:p>
+        </p:txBody>
+      </p:sp>
+      <p:sp>
+        <p:nvSpPr>
+          <p:cNvPr id="6" name="Footer Placeholder 5"/>
+          <p:cNvSpPr>
+            <a:spLocks noGrp="1"/>
+          </p:cNvSpPr>
+          <p:nvPr>
+            <p:ph type="ftr" sz="quarter" idx="11"/>
+          </p:nvPr>
+        </p:nvSpPr>
+        <p:spPr/>
+        <p:txBody>
+          <a:bodyPr/>
+          <a:lstStyle/>
+          <a:p>
+            <a:endParaRPr lang="en-US">
+              <a:solidFill>
+                <a:prstClr val="black">
+                  <a:tint val="75000"/>
+                </a:prstClr>
+              </a:solidFill>
+            </a:endParaRPr>
+          </a:p>
+        </p:txBody>
+      </p:sp>
+      <p:sp>
+        <p:nvSpPr>
+          <p:cNvPr id="7" name="Slide Number Placeholder 6"/>
+          <p:cNvSpPr>
+            <a:spLocks noGrp="1"/>
+          </p:cNvSpPr>
+          <p:nvPr>
+            <p:ph type="sldNum" sz="quarter" idx="12"/>
+          </p:nvPr>
+        </p:nvSpPr>
+        <p:spPr/>
+        <p:txBody>
+          <a:bodyPr/>
+          <a:lstStyle/>
+          <a:p>
+            <a:fld id="{0F3FC98C-2777-2A49-93CE-F68CEAF03181}" type="slidenum">
+              <a:rPr lang="en-US" smtClean="0">
+                <a:solidFill>
+                  <a:prstClr val="black">
+                    <a:tint val="75000"/>
+                  </a:prstClr>
+                </a:solidFill>
+              </a:rPr>
+              <a:pPr/>
+              <a:t>‹#›</a:t>
+            </a:fld>
+            <a:endParaRPr lang="en-US">
+              <a:solidFill>
+                <a:prstClr val="black">
+                  <a:tint val="75000"/>
+                </a:prstClr>
+              </a:solidFill>
+            </a:endParaRPr>
+          </a:p>
+        </p:txBody>
+      </p:sp>
+    </p:spTree>
+    <p:extLst/>
+  </p:cSld>
+  <p:clrMapOvr>
+    <a:masterClrMapping/>
+  </p:clrMapOvr>
+</p:sldLayout>
+</file>
+
+<file path=ppt/slideLayouts/slideLayout22.xml><?xml version="1.0" encoding="utf-8"?>
+<p:sldLayout xmlns:a="http://schemas.openxmlformats.org/drawingml/2006/main" xmlns:r="http://schemas.openxmlformats.org/officeDocument/2006/relationships" xmlns:p="http://schemas.openxmlformats.org/presentationml/2006/main" type="picTx" preserve="1">
+  <p:cSld name="Picture with Caption">
+    <p:spTree>
+      <p:nvGrpSpPr>
+        <p:cNvPr id="1" name=""/>
+        <p:cNvGrpSpPr/>
+        <p:nvPr/>
+      </p:nvGrpSpPr>
+      <p:grpSpPr>
+        <a:xfrm>
+          <a:off x="0" y="0"/>
+          <a:ext cx="0" cy="0"/>
+          <a:chOff x="0" y="0"/>
+          <a:chExt cx="0" cy="0"/>
+        </a:xfrm>
+      </p:grpSpPr>
+      <p:sp>
+        <p:nvSpPr>
+          <p:cNvPr id="2" name="Title 1"/>
+          <p:cNvSpPr>
+            <a:spLocks noGrp="1"/>
+          </p:cNvSpPr>
+          <p:nvPr>
+            <p:ph type="title"/>
+          </p:nvPr>
+        </p:nvSpPr>
+        <p:spPr>
+          <a:xfrm>
+            <a:off x="1792288" y="4800600"/>
+            <a:ext cx="5486400" cy="566738"/>
+          </a:xfrm>
+        </p:spPr>
+        <p:txBody>
+          <a:bodyPr anchor="b"/>
+          <a:lstStyle>
+            <a:lvl1pPr algn="l">
+              <a:defRPr sz="2000" b="1"/>
+            </a:lvl1pPr>
+          </a:lstStyle>
+          <a:p>
+            <a:r>
+              <a:rPr lang="en-GB" smtClean="0"/>
+              <a:t>Click to edit Master title style</a:t>
+            </a:r>
+            <a:endParaRPr lang="en-US"/>
+          </a:p>
+        </p:txBody>
+      </p:sp>
+      <p:sp>
+        <p:nvSpPr>
+          <p:cNvPr id="3" name="Picture Placeholder 2"/>
+          <p:cNvSpPr>
+            <a:spLocks noGrp="1"/>
+          </p:cNvSpPr>
+          <p:nvPr>
+            <p:ph type="pic" idx="1"/>
+          </p:nvPr>
+        </p:nvSpPr>
+        <p:spPr>
+          <a:xfrm>
+            <a:off x="1792288" y="612775"/>
+            <a:ext cx="5486400" cy="4114800"/>
+          </a:xfrm>
+        </p:spPr>
+        <p:txBody>
+          <a:bodyPr/>
+          <a:lstStyle>
+            <a:lvl1pPr marL="0" indent="0">
+              <a:buNone/>
+              <a:defRPr sz="3200"/>
+            </a:lvl1pPr>
+            <a:lvl2pPr marL="457200" indent="0">
+              <a:buNone/>
+              <a:defRPr sz="2800"/>
+            </a:lvl2pPr>
+            <a:lvl3pPr marL="914400" indent="0">
+              <a:buNone/>
+              <a:defRPr sz="2400"/>
+            </a:lvl3pPr>
+            <a:lvl4pPr marL="1371600" indent="0">
+              <a:buNone/>
+              <a:defRPr sz="2000"/>
+            </a:lvl4pPr>
+            <a:lvl5pPr marL="1828800" indent="0">
+              <a:buNone/>
+              <a:defRPr sz="2000"/>
+            </a:lvl5pPr>
+            <a:lvl6pPr marL="2286000" indent="0">
+              <a:buNone/>
+              <a:defRPr sz="2000"/>
+            </a:lvl6pPr>
+            <a:lvl7pPr marL="2743200" indent="0">
+              <a:buNone/>
+              <a:defRPr sz="2000"/>
+            </a:lvl7pPr>
+            <a:lvl8pPr marL="3200400" indent="0">
+              <a:buNone/>
+              <a:defRPr sz="2000"/>
+            </a:lvl8pPr>
+            <a:lvl9pPr marL="3657600" indent="0">
+              <a:buNone/>
+              <a:defRPr sz="2000"/>
+            </a:lvl9pPr>
+          </a:lstStyle>
+          <a:p>
+            <a:endParaRPr lang="en-US"/>
+          </a:p>
+        </p:txBody>
+      </p:sp>
+      <p:sp>
+        <p:nvSpPr>
+          <p:cNvPr id="4" name="Text Placeholder 3"/>
+          <p:cNvSpPr>
+            <a:spLocks noGrp="1"/>
+          </p:cNvSpPr>
+          <p:nvPr>
+            <p:ph type="body" sz="half" idx="2"/>
+          </p:nvPr>
+        </p:nvSpPr>
+        <p:spPr>
+          <a:xfrm>
+            <a:off x="1792288" y="5367338"/>
+            <a:ext cx="5486400" cy="804862"/>
+          </a:xfrm>
+        </p:spPr>
+        <p:txBody>
+          <a:bodyPr/>
+          <a:lstStyle>
+            <a:lvl1pPr marL="0" indent="0">
+              <a:buNone/>
+              <a:defRPr sz="1400"/>
+            </a:lvl1pPr>
+            <a:lvl2pPr marL="457200" indent="0">
+              <a:buNone/>
+              <a:defRPr sz="1200"/>
+            </a:lvl2pPr>
+            <a:lvl3pPr marL="914400" indent="0">
+              <a:buNone/>
+              <a:defRPr sz="1000"/>
+            </a:lvl3pPr>
+            <a:lvl4pPr marL="1371600" indent="0">
+              <a:buNone/>
+              <a:defRPr sz="900"/>
+            </a:lvl4pPr>
+            <a:lvl5pPr marL="1828800" indent="0">
+              <a:buNone/>
+              <a:defRPr sz="900"/>
+            </a:lvl5pPr>
+            <a:lvl6pPr marL="2286000" indent="0">
+              <a:buNone/>
+              <a:defRPr sz="900"/>
+            </a:lvl6pPr>
+            <a:lvl7pPr marL="2743200" indent="0">
+              <a:buNone/>
+              <a:defRPr sz="900"/>
+            </a:lvl7pPr>
+            <a:lvl8pPr marL="3200400" indent="0">
+              <a:buNone/>
+              <a:defRPr sz="900"/>
+            </a:lvl8pPr>
+            <a:lvl9pPr marL="3657600" indent="0">
+              <a:buNone/>
+              <a:defRPr sz="900"/>
+            </a:lvl9pPr>
+          </a:lstStyle>
+          <a:p>
+            <a:pPr lvl="0"/>
+            <a:r>
+              <a:rPr lang="en-GB" smtClean="0"/>
+              <a:t>Click to edit Master text styles</a:t>
+            </a:r>
+          </a:p>
+        </p:txBody>
+      </p:sp>
+      <p:sp>
+        <p:nvSpPr>
+          <p:cNvPr id="5" name="Date Placeholder 4"/>
+          <p:cNvSpPr>
+            <a:spLocks noGrp="1"/>
+          </p:cNvSpPr>
+          <p:nvPr>
+            <p:ph type="dt" sz="half" idx="10"/>
+          </p:nvPr>
+        </p:nvSpPr>
+        <p:spPr/>
+        <p:txBody>
+          <a:bodyPr/>
+          <a:lstStyle/>
+          <a:p>
+            <a:fld id="{90372C55-F32C-714E-85D4-4C85D67E2D89}" type="datetimeFigureOut">
+              <a:rPr lang="en-US" smtClean="0">
+                <a:solidFill>
+                  <a:prstClr val="black">
+                    <a:tint val="75000"/>
+                  </a:prstClr>
+                </a:solidFill>
+              </a:rPr>
+              <a:pPr/>
+              <a:t>12/4/17</a:t>
+            </a:fld>
+            <a:endParaRPr lang="en-US">
+              <a:solidFill>
+                <a:prstClr val="black">
+                  <a:tint val="75000"/>
+                </a:prstClr>
+              </a:solidFill>
+            </a:endParaRPr>
+          </a:p>
+        </p:txBody>
+      </p:sp>
+      <p:sp>
+        <p:nvSpPr>
+          <p:cNvPr id="6" name="Footer Placeholder 5"/>
+          <p:cNvSpPr>
+            <a:spLocks noGrp="1"/>
+          </p:cNvSpPr>
+          <p:nvPr>
+            <p:ph type="ftr" sz="quarter" idx="11"/>
+          </p:nvPr>
+        </p:nvSpPr>
+        <p:spPr/>
+        <p:txBody>
+          <a:bodyPr/>
+          <a:lstStyle/>
+          <a:p>
+            <a:endParaRPr lang="en-US">
+              <a:solidFill>
+                <a:prstClr val="black">
+                  <a:tint val="75000"/>
+                </a:prstClr>
+              </a:solidFill>
+            </a:endParaRPr>
+          </a:p>
+        </p:txBody>
+      </p:sp>
+      <p:sp>
+        <p:nvSpPr>
+          <p:cNvPr id="7" name="Slide Number Placeholder 6"/>
+          <p:cNvSpPr>
+            <a:spLocks noGrp="1"/>
+          </p:cNvSpPr>
+          <p:nvPr>
+            <p:ph type="sldNum" sz="quarter" idx="12"/>
+          </p:nvPr>
+        </p:nvSpPr>
+        <p:spPr/>
+        <p:txBody>
+          <a:bodyPr/>
+          <a:lstStyle/>
+          <a:p>
+            <a:fld id="{0F3FC98C-2777-2A49-93CE-F68CEAF03181}" type="slidenum">
+              <a:rPr lang="en-US" smtClean="0">
+                <a:solidFill>
+                  <a:prstClr val="black">
+                    <a:tint val="75000"/>
+                  </a:prstClr>
+                </a:solidFill>
+              </a:rPr>
+              <a:pPr/>
+              <a:t>‹#›</a:t>
+            </a:fld>
+            <a:endParaRPr lang="en-US">
+              <a:solidFill>
+                <a:prstClr val="black">
+                  <a:tint val="75000"/>
+                </a:prstClr>
+              </a:solidFill>
+            </a:endParaRPr>
+          </a:p>
+        </p:txBody>
+      </p:sp>
+    </p:spTree>
+    <p:extLst/>
+  </p:cSld>
+  <p:clrMapOvr>
+    <a:masterClrMapping/>
+  </p:clrMapOvr>
+</p:sldLayout>
+</file>
+
+<file path=ppt/slideLayouts/slideLayout23.xml><?xml version="1.0" encoding="utf-8"?>
+<p:sldLayout xmlns:a="http://schemas.openxmlformats.org/drawingml/2006/main" xmlns:r="http://schemas.openxmlformats.org/officeDocument/2006/relationships" xmlns:p="http://schemas.openxmlformats.org/presentationml/2006/main" type="vertTx" preserve="1">
+  <p:cSld name="Title and Vertical Text">
+    <p:spTree>
+      <p:nvGrpSpPr>
+        <p:cNvPr id="1" name=""/>
+        <p:cNvGrpSpPr/>
+        <p:nvPr/>
+      </p:nvGrpSpPr>
+      <p:grpSpPr>
+        <a:xfrm>
+          <a:off x="0" y="0"/>
+          <a:ext cx="0" cy="0"/>
+          <a:chOff x="0" y="0"/>
+          <a:chExt cx="0" cy="0"/>
+        </a:xfrm>
+      </p:grpSpPr>
+      <p:sp>
+        <p:nvSpPr>
+          <p:cNvPr id="2" name="Title 1"/>
+          <p:cNvSpPr>
+            <a:spLocks noGrp="1"/>
+          </p:cNvSpPr>
+          <p:nvPr>
+            <p:ph type="title"/>
+          </p:nvPr>
+        </p:nvSpPr>
+        <p:spPr/>
+        <p:txBody>
+          <a:bodyPr/>
+          <a:lstStyle/>
+          <a:p>
+            <a:r>
+              <a:rPr lang="en-GB" smtClean="0"/>
+              <a:t>Click to edit Master title style</a:t>
+            </a:r>
+            <a:endParaRPr lang="en-US"/>
+          </a:p>
+        </p:txBody>
+      </p:sp>
+      <p:sp>
+        <p:nvSpPr>
+          <p:cNvPr id="3" name="Vertical Text Placeholder 2"/>
+          <p:cNvSpPr>
+            <a:spLocks noGrp="1"/>
+          </p:cNvSpPr>
+          <p:nvPr>
+            <p:ph type="body" orient="vert" idx="1"/>
+          </p:nvPr>
+        </p:nvSpPr>
+        <p:spPr/>
+        <p:txBody>
+          <a:bodyPr vert="eaVert"/>
+          <a:lstStyle/>
+          <a:p>
+            <a:pPr lvl="0"/>
+            <a:r>
+              <a:rPr lang="en-GB" smtClean="0"/>
+              <a:t>Click to edit Master text styles</a:t>
+            </a:r>
+          </a:p>
+          <a:p>
+            <a:pPr lvl="1"/>
+            <a:r>
+              <a:rPr lang="en-GB" smtClean="0"/>
+              <a:t>Second level</a:t>
+            </a:r>
+          </a:p>
+          <a:p>
+            <a:pPr lvl="2"/>
+            <a:r>
+              <a:rPr lang="en-GB" smtClean="0"/>
+              <a:t>Third level</a:t>
+            </a:r>
+          </a:p>
+          <a:p>
+            <a:pPr lvl="3"/>
+            <a:r>
+              <a:rPr lang="en-GB" smtClean="0"/>
+              <a:t>Fourth level</a:t>
+            </a:r>
+          </a:p>
+          <a:p>
+            <a:pPr lvl="4"/>
+            <a:r>
+              <a:rPr lang="en-GB" smtClean="0"/>
+              <a:t>Fifth level</a:t>
+            </a:r>
+            <a:endParaRPr lang="en-US"/>
+          </a:p>
+        </p:txBody>
+      </p:sp>
+      <p:sp>
+        <p:nvSpPr>
+          <p:cNvPr id="4" name="Date Placeholder 3"/>
+          <p:cNvSpPr>
+            <a:spLocks noGrp="1"/>
+          </p:cNvSpPr>
+          <p:nvPr>
+            <p:ph type="dt" sz="half" idx="10"/>
+          </p:nvPr>
+        </p:nvSpPr>
+        <p:spPr/>
+        <p:txBody>
+          <a:bodyPr/>
+          <a:lstStyle/>
+          <a:p>
+            <a:fld id="{90372C55-F32C-714E-85D4-4C85D67E2D89}" type="datetimeFigureOut">
+              <a:rPr lang="en-US" smtClean="0">
+                <a:solidFill>
+                  <a:prstClr val="black">
+                    <a:tint val="75000"/>
+                  </a:prstClr>
+                </a:solidFill>
+              </a:rPr>
+              <a:pPr/>
+              <a:t>12/4/17</a:t>
+            </a:fld>
+            <a:endParaRPr lang="en-US">
+              <a:solidFill>
+                <a:prstClr val="black">
+                  <a:tint val="75000"/>
+                </a:prstClr>
+              </a:solidFill>
+            </a:endParaRPr>
+          </a:p>
+        </p:txBody>
+      </p:sp>
+      <p:sp>
+        <p:nvSpPr>
+          <p:cNvPr id="5" name="Footer Placeholder 4"/>
+          <p:cNvSpPr>
+            <a:spLocks noGrp="1"/>
+          </p:cNvSpPr>
+          <p:nvPr>
+            <p:ph type="ftr" sz="quarter" idx="11"/>
+          </p:nvPr>
+        </p:nvSpPr>
+        <p:spPr/>
+        <p:txBody>
+          <a:bodyPr/>
+          <a:lstStyle/>
+          <a:p>
+            <a:endParaRPr lang="en-US">
+              <a:solidFill>
+                <a:prstClr val="black">
+                  <a:tint val="75000"/>
+                </a:prstClr>
+              </a:solidFill>
+            </a:endParaRPr>
+          </a:p>
+        </p:txBody>
+      </p:sp>
+      <p:sp>
+        <p:nvSpPr>
+          <p:cNvPr id="6" name="Slide Number Placeholder 5"/>
+          <p:cNvSpPr>
+            <a:spLocks noGrp="1"/>
+          </p:cNvSpPr>
+          <p:nvPr>
+            <p:ph type="sldNum" sz="quarter" idx="12"/>
+          </p:nvPr>
+        </p:nvSpPr>
+        <p:spPr/>
+        <p:txBody>
+          <a:bodyPr/>
+          <a:lstStyle/>
+          <a:p>
+            <a:fld id="{0F3FC98C-2777-2A49-93CE-F68CEAF03181}" type="slidenum">
+              <a:rPr lang="en-US" smtClean="0">
+                <a:solidFill>
+                  <a:prstClr val="black">
+                    <a:tint val="75000"/>
+                  </a:prstClr>
+                </a:solidFill>
+              </a:rPr>
+              <a:pPr/>
+              <a:t>‹#›</a:t>
+            </a:fld>
+            <a:endParaRPr lang="en-US">
+              <a:solidFill>
+                <a:prstClr val="black">
+                  <a:tint val="75000"/>
+                </a:prstClr>
+              </a:solidFill>
+            </a:endParaRPr>
+          </a:p>
+        </p:txBody>
+      </p:sp>
+    </p:spTree>
+    <p:extLst/>
+  </p:cSld>
+  <p:clrMapOvr>
+    <a:masterClrMapping/>
+  </p:clrMapOvr>
+</p:sldLayout>
+</file>
+
+<file path=ppt/slideLayouts/slideLayout24.xml><?xml version="1.0" encoding="utf-8"?>
+<p:sldLayout xmlns:a="http://schemas.openxmlformats.org/drawingml/2006/main" xmlns:r="http://schemas.openxmlformats.org/officeDocument/2006/relationships" xmlns:p="http://schemas.openxmlformats.org/presentationml/2006/main" type="vertTitleAndTx" preserve="1">
+  <p:cSld name="Vertical Title and Text">
+    <p:spTree>
+      <p:nvGrpSpPr>
+        <p:cNvPr id="1" name=""/>
+        <p:cNvGrpSpPr/>
+        <p:nvPr/>
+      </p:nvGrpSpPr>
+      <p:grpSpPr>
+        <a:xfrm>
+          <a:off x="0" y="0"/>
+          <a:ext cx="0" cy="0"/>
+          <a:chOff x="0" y="0"/>
+          <a:chExt cx="0" cy="0"/>
+        </a:xfrm>
+      </p:grpSpPr>
+      <p:sp>
+        <p:nvSpPr>
+          <p:cNvPr id="2" name="Vertical Title 1"/>
+          <p:cNvSpPr>
+            <a:spLocks noGrp="1"/>
+          </p:cNvSpPr>
+          <p:nvPr>
+            <p:ph type="title" orient="vert"/>
+          </p:nvPr>
+        </p:nvSpPr>
+        <p:spPr>
+          <a:xfrm>
+            <a:off x="6629400" y="274638"/>
+            <a:ext cx="2057400" cy="5851525"/>
+          </a:xfrm>
+        </p:spPr>
+        <p:txBody>
+          <a:bodyPr vert="eaVert"/>
+          <a:lstStyle/>
+          <a:p>
+            <a:r>
+              <a:rPr lang="en-GB" smtClean="0"/>
+              <a:t>Click to edit Master title style</a:t>
+            </a:r>
+            <a:endParaRPr lang="en-US"/>
+          </a:p>
+        </p:txBody>
+      </p:sp>
+      <p:sp>
+        <p:nvSpPr>
+          <p:cNvPr id="3" name="Vertical Text Placeholder 2"/>
+          <p:cNvSpPr>
+            <a:spLocks noGrp="1"/>
+          </p:cNvSpPr>
+          <p:nvPr>
+            <p:ph type="body" orient="vert" idx="1"/>
+          </p:nvPr>
+        </p:nvSpPr>
+        <p:spPr>
+          <a:xfrm>
+            <a:off x="457200" y="274638"/>
+            <a:ext cx="6019800" cy="5851525"/>
+          </a:xfrm>
+        </p:spPr>
+        <p:txBody>
+          <a:bodyPr vert="eaVert"/>
+          <a:lstStyle/>
+          <a:p>
+            <a:pPr lvl="0"/>
+            <a:r>
+              <a:rPr lang="en-GB" smtClean="0"/>
+              <a:t>Click to edit Master text styles</a:t>
+            </a:r>
+          </a:p>
+          <a:p>
+            <a:pPr lvl="1"/>
+            <a:r>
+              <a:rPr lang="en-GB" smtClean="0"/>
+              <a:t>Second level</a:t>
+            </a:r>
+          </a:p>
+          <a:p>
+            <a:pPr lvl="2"/>
+            <a:r>
+              <a:rPr lang="en-GB" smtClean="0"/>
+              <a:t>Third level</a:t>
+            </a:r>
+          </a:p>
+          <a:p>
+            <a:pPr lvl="3"/>
+            <a:r>
+              <a:rPr lang="en-GB" smtClean="0"/>
+              <a:t>Fourth level</a:t>
+            </a:r>
+          </a:p>
+          <a:p>
+            <a:pPr lvl="4"/>
+            <a:r>
+              <a:rPr lang="en-GB" smtClean="0"/>
+              <a:t>Fifth level</a:t>
+            </a:r>
+            <a:endParaRPr lang="en-US"/>
+          </a:p>
+        </p:txBody>
+      </p:sp>
+      <p:sp>
+        <p:nvSpPr>
+          <p:cNvPr id="4" name="Date Placeholder 3"/>
+          <p:cNvSpPr>
+            <a:spLocks noGrp="1"/>
+          </p:cNvSpPr>
+          <p:nvPr>
+            <p:ph type="dt" sz="half" idx="10"/>
+          </p:nvPr>
+        </p:nvSpPr>
+        <p:spPr/>
+        <p:txBody>
+          <a:bodyPr/>
+          <a:lstStyle/>
+          <a:p>
+            <a:fld id="{90372C55-F32C-714E-85D4-4C85D67E2D89}" type="datetimeFigureOut">
+              <a:rPr lang="en-US" smtClean="0">
+                <a:solidFill>
+                  <a:prstClr val="black">
+                    <a:tint val="75000"/>
+                  </a:prstClr>
+                </a:solidFill>
+              </a:rPr>
+              <a:pPr/>
+              <a:t>12/4/17</a:t>
+            </a:fld>
+            <a:endParaRPr lang="en-US">
+              <a:solidFill>
+                <a:prstClr val="black">
+                  <a:tint val="75000"/>
+                </a:prstClr>
+              </a:solidFill>
+            </a:endParaRPr>
+          </a:p>
+        </p:txBody>
+      </p:sp>
+      <p:sp>
+        <p:nvSpPr>
+          <p:cNvPr id="5" name="Footer Placeholder 4"/>
+          <p:cNvSpPr>
+            <a:spLocks noGrp="1"/>
+          </p:cNvSpPr>
+          <p:nvPr>
+            <p:ph type="ftr" sz="quarter" idx="11"/>
+          </p:nvPr>
+        </p:nvSpPr>
+        <p:spPr/>
+        <p:txBody>
+          <a:bodyPr/>
+          <a:lstStyle/>
+          <a:p>
+            <a:endParaRPr lang="en-US">
+              <a:solidFill>
+                <a:prstClr val="black">
+                  <a:tint val="75000"/>
+                </a:prstClr>
+              </a:solidFill>
+            </a:endParaRPr>
+          </a:p>
+        </p:txBody>
+      </p:sp>
+      <p:sp>
+        <p:nvSpPr>
+          <p:cNvPr id="6" name="Slide Number Placeholder 5"/>
+          <p:cNvSpPr>
+            <a:spLocks noGrp="1"/>
+          </p:cNvSpPr>
+          <p:nvPr>
+            <p:ph type="sldNum" sz="quarter" idx="12"/>
+          </p:nvPr>
+        </p:nvSpPr>
+        <p:spPr/>
+        <p:txBody>
+          <a:bodyPr/>
+          <a:lstStyle/>
+          <a:p>
+            <a:fld id="{0F3FC98C-2777-2A49-93CE-F68CEAF03181}" type="slidenum">
+              <a:rPr lang="en-US" smtClean="0">
+                <a:solidFill>
+                  <a:prstClr val="black">
+                    <a:tint val="75000"/>
+                  </a:prstClr>
+                </a:solidFill>
+              </a:rPr>
+              <a:pPr/>
+              <a:t>‹#›</a:t>
+            </a:fld>
+            <a:endParaRPr lang="en-US">
+              <a:solidFill>
+                <a:prstClr val="black">
+                  <a:tint val="75000"/>
+                </a:prstClr>
+              </a:solidFill>
+            </a:endParaRPr>
+          </a:p>
+        </p:txBody>
+      </p:sp>
+    </p:spTree>
+    <p:extLst/>
+  </p:cSld>
+  <p:clrMapOvr>
+    <a:masterClrMapping/>
+  </p:clrMapOvr>
+</p:sldLayout>
+</file>
+
+<file path=ppt/slideLayouts/slideLayout3.xml><?xml version="1.0" encoding="utf-8"?>
+<p:sldLayout xmlns:a="http://schemas.openxmlformats.org/drawingml/2006/main" xmlns:r="http://schemas.openxmlformats.org/officeDocument/2006/relationships" xmlns:p="http://schemas.openxmlformats.org/presentationml/2006/main" type="title" preserve="1">
+  <p:cSld name="Title Slide">
+    <p:spTree>
+      <p:nvGrpSpPr>
+        <p:cNvPr id="1" name=""/>
+        <p:cNvGrpSpPr/>
+        <p:nvPr/>
+      </p:nvGrpSpPr>
+      <p:grpSpPr>
+        <a:xfrm>
+          <a:off x="0" y="0"/>
+          <a:ext cx="0" cy="0"/>
+          <a:chOff x="0" y="0"/>
+          <a:chExt cx="0" cy="0"/>
+        </a:xfrm>
+      </p:grpSpPr>
+      <p:sp>
+        <p:nvSpPr>
+          <p:cNvPr id="2" name="Title 1"/>
+          <p:cNvSpPr>
+            <a:spLocks noGrp="1"/>
+          </p:cNvSpPr>
+          <p:nvPr>
+            <p:ph type="ctrTitle"/>
+          </p:nvPr>
+        </p:nvSpPr>
+        <p:spPr>
+          <a:xfrm>
+            <a:off x="685800" y="2130425"/>
+            <a:ext cx="7772400" cy="1470025"/>
+          </a:xfrm>
+        </p:spPr>
+        <p:txBody>
+          <a:bodyPr/>
+          <a:lstStyle/>
+          <a:p>
+            <a:r>
+              <a:rPr lang="en-GB" smtClean="0"/>
+              <a:t>Click to edit Master title style</a:t>
+            </a:r>
+            <a:endParaRPr lang="en-US"/>
+          </a:p>
+        </p:txBody>
+      </p:sp>
+      <p:sp>
+        <p:nvSpPr>
+          <p:cNvPr id="3" name="Subtitle 2"/>
+          <p:cNvSpPr>
+            <a:spLocks noGrp="1"/>
+          </p:cNvSpPr>
+          <p:nvPr>
+            <p:ph type="subTitle" idx="1"/>
+          </p:nvPr>
+        </p:nvSpPr>
+        <p:spPr>
+          <a:xfrm>
+            <a:off x="1371600" y="3886200"/>
+            <a:ext cx="6400800" cy="1752600"/>
+          </a:xfrm>
+        </p:spPr>
+        <p:txBody>
+          <a:bodyPr/>
+          <a:lstStyle>
+            <a:lvl1pPr marL="0" indent="0" algn="ctr">
+              <a:buNone/>
+              <a:defRPr>
+                <a:solidFill>
+                  <a:schemeClr val="tx1">
+                    <a:tint val="75000"/>
+                  </a:schemeClr>
+                </a:solidFill>
+              </a:defRPr>
+            </a:lvl1pPr>
+            <a:lvl2pPr marL="457200" indent="0" algn="ctr">
+              <a:buNone/>
+              <a:defRPr>
+                <a:solidFill>
+                  <a:schemeClr val="tx1">
+                    <a:tint val="75000"/>
+                  </a:schemeClr>
+                </a:solidFill>
+              </a:defRPr>
+            </a:lvl2pPr>
+            <a:lvl3pPr marL="914400" indent="0" algn="ctr">
+              <a:buNone/>
+              <a:defRPr>
+                <a:solidFill>
+                  <a:schemeClr val="tx1">
+                    <a:tint val="75000"/>
+                  </a:schemeClr>
+                </a:solidFill>
+              </a:defRPr>
+            </a:lvl3pPr>
+            <a:lvl4pPr marL="1371600" indent="0" algn="ctr">
+              <a:buNone/>
+              <a:defRPr>
+                <a:solidFill>
+                  <a:schemeClr val="tx1">
+                    <a:tint val="75000"/>
+                  </a:schemeClr>
+                </a:solidFill>
+              </a:defRPr>
+            </a:lvl4pPr>
+            <a:lvl5pPr marL="1828800" indent="0" algn="ctr">
+              <a:buNone/>
+              <a:defRPr>
+                <a:solidFill>
+                  <a:schemeClr val="tx1">
+                    <a:tint val="75000"/>
+                  </a:schemeClr>
+                </a:solidFill>
+              </a:defRPr>
+            </a:lvl5pPr>
+            <a:lvl6pPr marL="2286000" indent="0" algn="ctr">
+              <a:buNone/>
+              <a:defRPr>
+                <a:solidFill>
+                  <a:schemeClr val="tx1">
+                    <a:tint val="75000"/>
+                  </a:schemeClr>
+                </a:solidFill>
+              </a:defRPr>
+            </a:lvl6pPr>
+            <a:lvl7pPr marL="2743200" indent="0" algn="ctr">
+              <a:buNone/>
+              <a:defRPr>
+                <a:solidFill>
+                  <a:schemeClr val="tx1">
+                    <a:tint val="75000"/>
+                  </a:schemeClr>
+                </a:solidFill>
+              </a:defRPr>
+            </a:lvl7pPr>
+            <a:lvl8pPr marL="3200400" indent="0" algn="ctr">
+              <a:buNone/>
+              <a:defRPr>
+                <a:solidFill>
+                  <a:schemeClr val="tx1">
+                    <a:tint val="75000"/>
+                  </a:schemeClr>
+                </a:solidFill>
+              </a:defRPr>
+            </a:lvl8pPr>
+            <a:lvl9pPr marL="3657600" indent="0" algn="ctr">
+              <a:buNone/>
+              <a:defRPr>
+                <a:solidFill>
+                  <a:schemeClr val="tx1">
+                    <a:tint val="75000"/>
+                  </a:schemeClr>
+                </a:solidFill>
+              </a:defRPr>
+            </a:lvl9pPr>
+          </a:lstStyle>
+          <a:p>
+            <a:r>
+              <a:rPr lang="en-GB" smtClean="0"/>
+              <a:t>Click to edit Master subtitle style</a:t>
+            </a:r>
+            <a:endParaRPr lang="en-US"/>
+          </a:p>
+        </p:txBody>
+      </p:sp>
+      <p:sp>
+        <p:nvSpPr>
+          <p:cNvPr id="4" name="Date Placeholder 3"/>
+          <p:cNvSpPr>
+            <a:spLocks noGrp="1"/>
+          </p:cNvSpPr>
+          <p:nvPr>
+            <p:ph type="dt" sz="half" idx="10"/>
+          </p:nvPr>
+        </p:nvSpPr>
+        <p:spPr/>
+        <p:txBody>
+          <a:bodyPr/>
+          <a:lstStyle/>
+          <a:p>
+            <a:fld id="{90372C55-F32C-714E-85D4-4C85D67E2D89}" type="datetimeFigureOut">
+              <a:rPr lang="en-US" smtClean="0">
+                <a:solidFill>
+                  <a:prstClr val="black">
+                    <a:tint val="75000"/>
+                  </a:prstClr>
+                </a:solidFill>
                 <a:latin typeface="Calibri"/>
               </a:rPr>
               <a:pPr/>
-              <a:t>2/10/17</a:t>
+              <a:t>12/4/17</a:t>
+            </a:fld>
+            <a:endParaRPr lang="en-US">
+              <a:solidFill>
+                <a:prstClr val="black">
+                  <a:tint val="75000"/>
+                </a:prstClr>
+              </a:solidFill>
+              <a:latin typeface="Calibri"/>
+            </a:endParaRPr>
+          </a:p>
+        </p:txBody>
+      </p:sp>
+      <p:sp>
+        <p:nvSpPr>
+          <p:cNvPr id="5" name="Footer Placeholder 4"/>
+          <p:cNvSpPr>
+            <a:spLocks noGrp="1"/>
+          </p:cNvSpPr>
+          <p:nvPr>
+            <p:ph type="ftr" sz="quarter" idx="11"/>
+          </p:nvPr>
+        </p:nvSpPr>
+        <p:spPr/>
+        <p:txBody>
+          <a:bodyPr/>
+          <a:lstStyle/>
+          <a:p>
+            <a:endParaRPr lang="en-US">
+              <a:solidFill>
+                <a:prstClr val="black">
+                  <a:tint val="75000"/>
+                </a:prstClr>
+              </a:solidFill>
+              <a:latin typeface="Calibri"/>
+            </a:endParaRPr>
+          </a:p>
+        </p:txBody>
+      </p:sp>
+      <p:sp>
+        <p:nvSpPr>
+          <p:cNvPr id="6" name="Slide Number Placeholder 5"/>
+          <p:cNvSpPr>
+            <a:spLocks noGrp="1"/>
+          </p:cNvSpPr>
+          <p:nvPr>
+            <p:ph type="sldNum" sz="quarter" idx="12"/>
+          </p:nvPr>
+        </p:nvSpPr>
+        <p:spPr/>
+        <p:txBody>
+          <a:bodyPr/>
+          <a:lstStyle/>
+          <a:p>
+            <a:fld id="{0F3FC98C-2777-2A49-93CE-F68CEAF03181}" type="slidenum">
+              <a:rPr lang="en-US" smtClean="0">
+                <a:solidFill>
+                  <a:prstClr val="black">
+                    <a:tint val="75000"/>
+                  </a:prstClr>
+                </a:solidFill>
+                <a:latin typeface="Calibri"/>
+              </a:rPr>
+              <a:pPr/>
+              <a:t>‹#›</a:t>
+            </a:fld>
+            <a:endParaRPr lang="en-US">
+              <a:solidFill>
+                <a:prstClr val="black">
+                  <a:tint val="75000"/>
+                </a:prstClr>
+              </a:solidFill>
+              <a:latin typeface="Calibri"/>
+            </a:endParaRPr>
+          </a:p>
+        </p:txBody>
+      </p:sp>
+    </p:spTree>
+    <p:extLst>
+      <p:ext uri="{BB962C8B-B14F-4D97-AF65-F5344CB8AC3E}">
+        <p14:creationId xmlns:p14="http://schemas.microsoft.com/office/powerpoint/2010/main" val="2573678407"/>
+      </p:ext>
+    </p:extLst>
+  </p:cSld>
+  <p:clrMapOvr>
+    <a:masterClrMapping/>
+  </p:clrMapOvr>
+</p:sldLayout>
+</file>
+
+<file path=ppt/slideLayouts/slideLayout4.xml><?xml version="1.0" encoding="utf-8"?>
+<p:sldLayout xmlns:a="http://schemas.openxmlformats.org/drawingml/2006/main" xmlns:r="http://schemas.openxmlformats.org/officeDocument/2006/relationships" xmlns:p="http://schemas.openxmlformats.org/presentationml/2006/main" type="obj" preserve="1">
+  <p:cSld name="Title and Content">
+    <p:spTree>
+      <p:nvGrpSpPr>
+        <p:cNvPr id="1" name=""/>
+        <p:cNvGrpSpPr/>
+        <p:nvPr/>
+      </p:nvGrpSpPr>
+      <p:grpSpPr>
+        <a:xfrm>
+          <a:off x="0" y="0"/>
+          <a:ext cx="0" cy="0"/>
+          <a:chOff x="0" y="0"/>
+          <a:chExt cx="0" cy="0"/>
+        </a:xfrm>
+      </p:grpSpPr>
+      <p:sp>
+        <p:nvSpPr>
+          <p:cNvPr id="2" name="Title 1"/>
+          <p:cNvSpPr>
+            <a:spLocks noGrp="1"/>
+          </p:cNvSpPr>
+          <p:nvPr>
+            <p:ph type="title"/>
+          </p:nvPr>
+        </p:nvSpPr>
+        <p:spPr/>
+        <p:txBody>
+          <a:bodyPr/>
+          <a:lstStyle/>
+          <a:p>
+            <a:r>
+              <a:rPr lang="en-GB" smtClean="0"/>
+              <a:t>Click to edit Master title style</a:t>
+            </a:r>
+            <a:endParaRPr lang="en-US"/>
+          </a:p>
+        </p:txBody>
+      </p:sp>
+      <p:sp>
+        <p:nvSpPr>
+          <p:cNvPr id="3" name="Content Placeholder 2"/>
+          <p:cNvSpPr>
+            <a:spLocks noGrp="1"/>
+          </p:cNvSpPr>
+          <p:nvPr>
+            <p:ph idx="1"/>
+          </p:nvPr>
+        </p:nvSpPr>
+        <p:spPr/>
+        <p:txBody>
+          <a:bodyPr/>
+          <a:lstStyle/>
+          <a:p>
+            <a:pPr lvl="0"/>
+            <a:r>
+              <a:rPr lang="en-GB" smtClean="0"/>
+              <a:t>Click to edit Master text styles</a:t>
+            </a:r>
+          </a:p>
+          <a:p>
+            <a:pPr lvl="1"/>
+            <a:r>
+              <a:rPr lang="en-GB" smtClean="0"/>
+              <a:t>Second level</a:t>
+            </a:r>
+          </a:p>
+          <a:p>
+            <a:pPr lvl="2"/>
+            <a:r>
+              <a:rPr lang="en-GB" smtClean="0"/>
+              <a:t>Third level</a:t>
+            </a:r>
+          </a:p>
+          <a:p>
+            <a:pPr lvl="3"/>
+            <a:r>
+              <a:rPr lang="en-GB" smtClean="0"/>
+              <a:t>Fourth level</a:t>
+            </a:r>
+          </a:p>
+          <a:p>
+            <a:pPr lvl="4"/>
+            <a:r>
+              <a:rPr lang="en-GB" smtClean="0"/>
+              <a:t>Fifth level</a:t>
+            </a:r>
+            <a:endParaRPr lang="en-US"/>
+          </a:p>
+        </p:txBody>
+      </p:sp>
+      <p:sp>
+        <p:nvSpPr>
+          <p:cNvPr id="4" name="Date Placeholder 3"/>
+          <p:cNvSpPr>
+            <a:spLocks noGrp="1"/>
+          </p:cNvSpPr>
+          <p:nvPr>
+            <p:ph type="dt" sz="half" idx="10"/>
+          </p:nvPr>
+        </p:nvSpPr>
+        <p:spPr/>
+        <p:txBody>
+          <a:bodyPr/>
+          <a:lstStyle/>
+          <a:p>
+            <a:fld id="{90372C55-F32C-714E-85D4-4C85D67E2D89}" type="datetimeFigureOut">
+              <a:rPr lang="en-US" smtClean="0">
+                <a:solidFill>
+                  <a:prstClr val="black">
+                    <a:tint val="75000"/>
+                  </a:prstClr>
+                </a:solidFill>
+                <a:latin typeface="Calibri"/>
+              </a:rPr>
+              <a:pPr/>
+              <a:t>12/4/17</a:t>
+            </a:fld>
+            <a:endParaRPr lang="en-US">
+              <a:solidFill>
+                <a:prstClr val="black">
+                  <a:tint val="75000"/>
+                </a:prstClr>
+              </a:solidFill>
+              <a:latin typeface="Calibri"/>
+            </a:endParaRPr>
+          </a:p>
+        </p:txBody>
+      </p:sp>
+      <p:sp>
+        <p:nvSpPr>
+          <p:cNvPr id="5" name="Footer Placeholder 4"/>
+          <p:cNvSpPr>
+            <a:spLocks noGrp="1"/>
+          </p:cNvSpPr>
+          <p:nvPr>
+            <p:ph type="ftr" sz="quarter" idx="11"/>
+          </p:nvPr>
+        </p:nvSpPr>
+        <p:spPr/>
+        <p:txBody>
+          <a:bodyPr/>
+          <a:lstStyle/>
+          <a:p>
+            <a:endParaRPr lang="en-US">
+              <a:solidFill>
+                <a:prstClr val="black">
+                  <a:tint val="75000"/>
+                </a:prstClr>
+              </a:solidFill>
+              <a:latin typeface="Calibri"/>
+            </a:endParaRPr>
+          </a:p>
+        </p:txBody>
+      </p:sp>
+      <p:sp>
+        <p:nvSpPr>
+          <p:cNvPr id="6" name="Slide Number Placeholder 5"/>
+          <p:cNvSpPr>
+            <a:spLocks noGrp="1"/>
+          </p:cNvSpPr>
+          <p:nvPr>
+            <p:ph type="sldNum" sz="quarter" idx="12"/>
+          </p:nvPr>
+        </p:nvSpPr>
+        <p:spPr/>
+        <p:txBody>
+          <a:bodyPr/>
+          <a:lstStyle/>
+          <a:p>
+            <a:fld id="{0F3FC98C-2777-2A49-93CE-F68CEAF03181}" type="slidenum">
+              <a:rPr lang="en-US" smtClean="0">
+                <a:solidFill>
+                  <a:prstClr val="black">
+                    <a:tint val="75000"/>
+                  </a:prstClr>
+                </a:solidFill>
+                <a:latin typeface="Calibri"/>
+              </a:rPr>
+              <a:pPr/>
+              <a:t>‹#›</a:t>
+            </a:fld>
+            <a:endParaRPr lang="en-US">
+              <a:solidFill>
+                <a:prstClr val="black">
+                  <a:tint val="75000"/>
+                </a:prstClr>
+              </a:solidFill>
+              <a:latin typeface="Calibri"/>
+            </a:endParaRPr>
+          </a:p>
+        </p:txBody>
+      </p:sp>
+    </p:spTree>
+    <p:extLst>
+      <p:ext uri="{BB962C8B-B14F-4D97-AF65-F5344CB8AC3E}">
+        <p14:creationId xmlns:p14="http://schemas.microsoft.com/office/powerpoint/2010/main" val="3279023482"/>
+      </p:ext>
+    </p:extLst>
+  </p:cSld>
+  <p:clrMapOvr>
+    <a:masterClrMapping/>
+  </p:clrMapOvr>
+</p:sldLayout>
+</file>
+
+<file path=ppt/slideLayouts/slideLayout5.xml><?xml version="1.0" encoding="utf-8"?>
+<p:sldLayout xmlns:a="http://schemas.openxmlformats.org/drawingml/2006/main" xmlns:r="http://schemas.openxmlformats.org/officeDocument/2006/relationships" xmlns:p="http://schemas.openxmlformats.org/presentationml/2006/main" type="secHead" preserve="1">
+  <p:cSld name="Section Header">
+    <p:spTree>
+      <p:nvGrpSpPr>
+        <p:cNvPr id="1" name=""/>
+        <p:cNvGrpSpPr/>
+        <p:nvPr/>
+      </p:nvGrpSpPr>
+      <p:grpSpPr>
+        <a:xfrm>
+          <a:off x="0" y="0"/>
+          <a:ext cx="0" cy="0"/>
+          <a:chOff x="0" y="0"/>
+          <a:chExt cx="0" cy="0"/>
+        </a:xfrm>
+      </p:grpSpPr>
+      <p:sp>
+        <p:nvSpPr>
+          <p:cNvPr id="2" name="Title 1"/>
+          <p:cNvSpPr>
+            <a:spLocks noGrp="1"/>
+          </p:cNvSpPr>
+          <p:nvPr>
+            <p:ph type="title"/>
+          </p:nvPr>
+        </p:nvSpPr>
+        <p:spPr>
+          <a:xfrm>
+            <a:off x="722313" y="4406900"/>
+            <a:ext cx="7772400" cy="1362075"/>
+          </a:xfrm>
+        </p:spPr>
+        <p:txBody>
+          <a:bodyPr anchor="t"/>
+          <a:lstStyle>
+            <a:lvl1pPr algn="l">
+              <a:defRPr sz="4000" b="1" cap="all"/>
+            </a:lvl1pPr>
+          </a:lstStyle>
+          <a:p>
+            <a:r>
+              <a:rPr lang="en-GB" smtClean="0"/>
+              <a:t>Click to edit Master title style</a:t>
+            </a:r>
+            <a:endParaRPr lang="en-US"/>
+          </a:p>
+        </p:txBody>
+      </p:sp>
+      <p:sp>
+        <p:nvSpPr>
+          <p:cNvPr id="3" name="Text Placeholder 2"/>
+          <p:cNvSpPr>
+            <a:spLocks noGrp="1"/>
+          </p:cNvSpPr>
+          <p:nvPr>
+            <p:ph type="body" idx="1"/>
+          </p:nvPr>
+        </p:nvSpPr>
+        <p:spPr>
+          <a:xfrm>
+            <a:off x="722313" y="2906713"/>
+            <a:ext cx="7772400" cy="1500187"/>
+          </a:xfrm>
+        </p:spPr>
+        <p:txBody>
+          <a:bodyPr anchor="b"/>
+          <a:lstStyle>
+            <a:lvl1pPr marL="0" indent="0">
+              <a:buNone/>
+              <a:defRPr sz="2000">
+                <a:solidFill>
+                  <a:schemeClr val="tx1">
+                    <a:tint val="75000"/>
+                  </a:schemeClr>
+                </a:solidFill>
+              </a:defRPr>
+            </a:lvl1pPr>
+            <a:lvl2pPr marL="457200" indent="0">
+              <a:buNone/>
+              <a:defRPr sz="1800">
+                <a:solidFill>
+                  <a:schemeClr val="tx1">
+                    <a:tint val="75000"/>
+                  </a:schemeClr>
+                </a:solidFill>
+              </a:defRPr>
+            </a:lvl2pPr>
+            <a:lvl3pPr marL="914400" indent="0">
+              <a:buNone/>
+              <a:defRPr sz="1600">
+                <a:solidFill>
+                  <a:schemeClr val="tx1">
+                    <a:tint val="75000"/>
+                  </a:schemeClr>
+                </a:solidFill>
+              </a:defRPr>
+            </a:lvl3pPr>
+            <a:lvl4pPr marL="1371600" indent="0">
+              <a:buNone/>
+              <a:defRPr sz="1400">
+                <a:solidFill>
+                  <a:schemeClr val="tx1">
+                    <a:tint val="75000"/>
+                  </a:schemeClr>
+                </a:solidFill>
+              </a:defRPr>
+            </a:lvl4pPr>
+            <a:lvl5pPr marL="1828800" indent="0">
+              <a:buNone/>
+              <a:defRPr sz="1400">
+                <a:solidFill>
+                  <a:schemeClr val="tx1">
+                    <a:tint val="75000"/>
+                  </a:schemeClr>
+                </a:solidFill>
+              </a:defRPr>
+            </a:lvl5pPr>
+            <a:lvl6pPr marL="2286000" indent="0">
+              <a:buNone/>
+              <a:defRPr sz="1400">
+                <a:solidFill>
+                  <a:schemeClr val="tx1">
+                    <a:tint val="75000"/>
+                  </a:schemeClr>
+                </a:solidFill>
+              </a:defRPr>
+            </a:lvl6pPr>
+            <a:lvl7pPr marL="2743200" indent="0">
+              <a:buNone/>
+              <a:defRPr sz="1400">
+                <a:solidFill>
+                  <a:schemeClr val="tx1">
+                    <a:tint val="75000"/>
+                  </a:schemeClr>
+                </a:solidFill>
+              </a:defRPr>
+            </a:lvl7pPr>
+            <a:lvl8pPr marL="3200400" indent="0">
+              <a:buNone/>
+              <a:defRPr sz="1400">
+                <a:solidFill>
+                  <a:schemeClr val="tx1">
+                    <a:tint val="75000"/>
+                  </a:schemeClr>
+                </a:solidFill>
+              </a:defRPr>
+            </a:lvl8pPr>
+            <a:lvl9pPr marL="3657600" indent="0">
+              <a:buNone/>
+              <a:defRPr sz="1400">
+                <a:solidFill>
+                  <a:schemeClr val="tx1">
+                    <a:tint val="75000"/>
+                  </a:schemeClr>
+                </a:solidFill>
+              </a:defRPr>
+            </a:lvl9pPr>
+          </a:lstStyle>
+          <a:p>
+            <a:pPr lvl="0"/>
+            <a:r>
+              <a:rPr lang="en-GB" smtClean="0"/>
+              <a:t>Click to edit Master text styles</a:t>
+            </a:r>
+          </a:p>
+        </p:txBody>
+      </p:sp>
+      <p:sp>
+        <p:nvSpPr>
+          <p:cNvPr id="4" name="Date Placeholder 3"/>
+          <p:cNvSpPr>
+            <a:spLocks noGrp="1"/>
+          </p:cNvSpPr>
+          <p:nvPr>
+            <p:ph type="dt" sz="half" idx="10"/>
+          </p:nvPr>
+        </p:nvSpPr>
+        <p:spPr/>
+        <p:txBody>
+          <a:bodyPr/>
+          <a:lstStyle/>
+          <a:p>
+            <a:fld id="{90372C55-F32C-714E-85D4-4C85D67E2D89}" type="datetimeFigureOut">
+              <a:rPr lang="en-US" smtClean="0">
+                <a:solidFill>
+                  <a:prstClr val="black">
+                    <a:tint val="75000"/>
+                  </a:prstClr>
+                </a:solidFill>
+                <a:latin typeface="Calibri"/>
+              </a:rPr>
+              <a:pPr/>
+              <a:t>12/4/17</a:t>
+            </a:fld>
+            <a:endParaRPr lang="en-US">
+              <a:solidFill>
+                <a:prstClr val="black">
+                  <a:tint val="75000"/>
+                </a:prstClr>
+              </a:solidFill>
+              <a:latin typeface="Calibri"/>
+            </a:endParaRPr>
+          </a:p>
+        </p:txBody>
+      </p:sp>
+      <p:sp>
+        <p:nvSpPr>
+          <p:cNvPr id="5" name="Footer Placeholder 4"/>
+          <p:cNvSpPr>
+            <a:spLocks noGrp="1"/>
+          </p:cNvSpPr>
+          <p:nvPr>
+            <p:ph type="ftr" sz="quarter" idx="11"/>
+          </p:nvPr>
+        </p:nvSpPr>
+        <p:spPr/>
+        <p:txBody>
+          <a:bodyPr/>
+          <a:lstStyle/>
+          <a:p>
+            <a:endParaRPr lang="en-US">
+              <a:solidFill>
+                <a:prstClr val="black">
+                  <a:tint val="75000"/>
+                </a:prstClr>
+              </a:solidFill>
+              <a:latin typeface="Calibri"/>
+            </a:endParaRPr>
+          </a:p>
+        </p:txBody>
+      </p:sp>
+      <p:sp>
+        <p:nvSpPr>
+          <p:cNvPr id="6" name="Slide Number Placeholder 5"/>
+          <p:cNvSpPr>
+            <a:spLocks noGrp="1"/>
+          </p:cNvSpPr>
+          <p:nvPr>
+            <p:ph type="sldNum" sz="quarter" idx="12"/>
+          </p:nvPr>
+        </p:nvSpPr>
+        <p:spPr/>
+        <p:txBody>
+          <a:bodyPr/>
+          <a:lstStyle/>
+          <a:p>
+            <a:fld id="{0F3FC98C-2777-2A49-93CE-F68CEAF03181}" type="slidenum">
+              <a:rPr lang="en-US" smtClean="0">
+                <a:solidFill>
+                  <a:prstClr val="black">
+                    <a:tint val="75000"/>
+                  </a:prstClr>
+                </a:solidFill>
+                <a:latin typeface="Calibri"/>
+              </a:rPr>
+              <a:pPr/>
+              <a:t>‹#›</a:t>
+            </a:fld>
+            <a:endParaRPr lang="en-US">
+              <a:solidFill>
+                <a:prstClr val="black">
+                  <a:tint val="75000"/>
+                </a:prstClr>
+              </a:solidFill>
+              <a:latin typeface="Calibri"/>
+            </a:endParaRPr>
+          </a:p>
+        </p:txBody>
+      </p:sp>
+    </p:spTree>
+    <p:extLst>
+      <p:ext uri="{BB962C8B-B14F-4D97-AF65-F5344CB8AC3E}">
+        <p14:creationId xmlns:p14="http://schemas.microsoft.com/office/powerpoint/2010/main" val="1522857949"/>
+      </p:ext>
+    </p:extLst>
+  </p:cSld>
+  <p:clrMapOvr>
+    <a:masterClrMapping/>
+  </p:clrMapOvr>
+</p:sldLayout>
+</file>
+
+<file path=ppt/slideLayouts/slideLayout6.xml><?xml version="1.0" encoding="utf-8"?>
+<p:sldLayout xmlns:a="http://schemas.openxmlformats.org/drawingml/2006/main" xmlns:r="http://schemas.openxmlformats.org/officeDocument/2006/relationships" xmlns:p="http://schemas.openxmlformats.org/presentationml/2006/main" type="twoObj" preserve="1">
+  <p:cSld name="Two Content">
+    <p:spTree>
+      <p:nvGrpSpPr>
+        <p:cNvPr id="1" name=""/>
+        <p:cNvGrpSpPr/>
+        <p:nvPr/>
+      </p:nvGrpSpPr>
+      <p:grpSpPr>
+        <a:xfrm>
+          <a:off x="0" y="0"/>
+          <a:ext cx="0" cy="0"/>
+          <a:chOff x="0" y="0"/>
+          <a:chExt cx="0" cy="0"/>
+        </a:xfrm>
+      </p:grpSpPr>
+      <p:sp>
+        <p:nvSpPr>
+          <p:cNvPr id="2" name="Title 1"/>
+          <p:cNvSpPr>
+            <a:spLocks noGrp="1"/>
+          </p:cNvSpPr>
+          <p:nvPr>
+            <p:ph type="title"/>
+          </p:nvPr>
+        </p:nvSpPr>
+        <p:spPr/>
+        <p:txBody>
+          <a:bodyPr/>
+          <a:lstStyle/>
+          <a:p>
+            <a:r>
+              <a:rPr lang="en-GB" smtClean="0"/>
+              <a:t>Click to edit Master title style</a:t>
+            </a:r>
+            <a:endParaRPr lang="en-US"/>
+          </a:p>
+        </p:txBody>
+      </p:sp>
+      <p:sp>
+        <p:nvSpPr>
+          <p:cNvPr id="3" name="Content Placeholder 2"/>
+          <p:cNvSpPr>
+            <a:spLocks noGrp="1"/>
+          </p:cNvSpPr>
+          <p:nvPr>
+            <p:ph sz="half" idx="1"/>
+          </p:nvPr>
+        </p:nvSpPr>
+        <p:spPr>
+          <a:xfrm>
+            <a:off x="457200" y="1600200"/>
+            <a:ext cx="4038600" cy="4525963"/>
+          </a:xfrm>
+        </p:spPr>
+        <p:txBody>
+          <a:bodyPr/>
+          <a:lstStyle>
+            <a:lvl1pPr>
+              <a:defRPr sz="2800"/>
+            </a:lvl1pPr>
+            <a:lvl2pPr>
+              <a:defRPr sz="2400"/>
+            </a:lvl2pPr>
+            <a:lvl3pPr>
+              <a:defRPr sz="2000"/>
+            </a:lvl3pPr>
+            <a:lvl4pPr>
+              <a:defRPr sz="1800"/>
+            </a:lvl4pPr>
+            <a:lvl5pPr>
+              <a:defRPr sz="1800"/>
+            </a:lvl5pPr>
+            <a:lvl6pPr>
+              <a:defRPr sz="1800"/>
+            </a:lvl6pPr>
+            <a:lvl7pPr>
+              <a:defRPr sz="1800"/>
+            </a:lvl7pPr>
+            <a:lvl8pPr>
+              <a:defRPr sz="1800"/>
+            </a:lvl8pPr>
+            <a:lvl9pPr>
+              <a:defRPr sz="1800"/>
+            </a:lvl9pPr>
+          </a:lstStyle>
+          <a:p>
+            <a:pPr lvl="0"/>
+            <a:r>
+              <a:rPr lang="en-GB" smtClean="0"/>
+              <a:t>Click to edit Master text styles</a:t>
+            </a:r>
+          </a:p>
+          <a:p>
+            <a:pPr lvl="1"/>
+            <a:r>
+              <a:rPr lang="en-GB" smtClean="0"/>
+              <a:t>Second level</a:t>
+            </a:r>
+          </a:p>
+          <a:p>
+            <a:pPr lvl="2"/>
+            <a:r>
+              <a:rPr lang="en-GB" smtClean="0"/>
+              <a:t>Third level</a:t>
+            </a:r>
+          </a:p>
+          <a:p>
+            <a:pPr lvl="3"/>
+            <a:r>
+              <a:rPr lang="en-GB" smtClean="0"/>
+              <a:t>Fourth level</a:t>
+            </a:r>
+          </a:p>
+          <a:p>
+            <a:pPr lvl="4"/>
+            <a:r>
+              <a:rPr lang="en-GB" smtClean="0"/>
+              <a:t>Fifth level</a:t>
+            </a:r>
+            <a:endParaRPr lang="en-US"/>
+          </a:p>
+        </p:txBody>
+      </p:sp>
+      <p:sp>
+        <p:nvSpPr>
+          <p:cNvPr id="4" name="Content Placeholder 3"/>
+          <p:cNvSpPr>
+            <a:spLocks noGrp="1"/>
+          </p:cNvSpPr>
+          <p:nvPr>
+            <p:ph sz="half" idx="2"/>
+          </p:nvPr>
+        </p:nvSpPr>
+        <p:spPr>
+          <a:xfrm>
+            <a:off x="4648200" y="1600200"/>
+            <a:ext cx="4038600" cy="4525963"/>
+          </a:xfrm>
+        </p:spPr>
+        <p:txBody>
+          <a:bodyPr/>
+          <a:lstStyle>
+            <a:lvl1pPr>
+              <a:defRPr sz="2800"/>
+            </a:lvl1pPr>
+            <a:lvl2pPr>
+              <a:defRPr sz="2400"/>
+            </a:lvl2pPr>
+            <a:lvl3pPr>
+              <a:defRPr sz="2000"/>
+            </a:lvl3pPr>
+            <a:lvl4pPr>
+              <a:defRPr sz="1800"/>
+            </a:lvl4pPr>
+            <a:lvl5pPr>
+              <a:defRPr sz="1800"/>
+            </a:lvl5pPr>
+            <a:lvl6pPr>
+              <a:defRPr sz="1800"/>
+            </a:lvl6pPr>
+            <a:lvl7pPr>
+              <a:defRPr sz="1800"/>
+            </a:lvl7pPr>
+            <a:lvl8pPr>
+              <a:defRPr sz="1800"/>
+            </a:lvl8pPr>
+            <a:lvl9pPr>
+              <a:defRPr sz="1800"/>
+            </a:lvl9pPr>
+          </a:lstStyle>
+          <a:p>
+            <a:pPr lvl="0"/>
+            <a:r>
+              <a:rPr lang="en-GB" smtClean="0"/>
+              <a:t>Click to edit Master text styles</a:t>
+            </a:r>
+          </a:p>
+          <a:p>
+            <a:pPr lvl="1"/>
+            <a:r>
+              <a:rPr lang="en-GB" smtClean="0"/>
+              <a:t>Second level</a:t>
+            </a:r>
+          </a:p>
+          <a:p>
+            <a:pPr lvl="2"/>
+            <a:r>
+              <a:rPr lang="en-GB" smtClean="0"/>
+              <a:t>Third level</a:t>
+            </a:r>
+          </a:p>
+          <a:p>
+            <a:pPr lvl="3"/>
+            <a:r>
+              <a:rPr lang="en-GB" smtClean="0"/>
+              <a:t>Fourth level</a:t>
+            </a:r>
+          </a:p>
+          <a:p>
+            <a:pPr lvl="4"/>
+            <a:r>
+              <a:rPr lang="en-GB" smtClean="0"/>
+              <a:t>Fifth level</a:t>
+            </a:r>
+            <a:endParaRPr lang="en-US"/>
+          </a:p>
+        </p:txBody>
+      </p:sp>
+      <p:sp>
+        <p:nvSpPr>
+          <p:cNvPr id="5" name="Date Placeholder 4"/>
+          <p:cNvSpPr>
+            <a:spLocks noGrp="1"/>
+          </p:cNvSpPr>
+          <p:nvPr>
+            <p:ph type="dt" sz="half" idx="10"/>
+          </p:nvPr>
+        </p:nvSpPr>
+        <p:spPr/>
+        <p:txBody>
+          <a:bodyPr/>
+          <a:lstStyle/>
+          <a:p>
+            <a:fld id="{90372C55-F32C-714E-85D4-4C85D67E2D89}" type="datetimeFigureOut">
+              <a:rPr lang="en-US" smtClean="0">
+                <a:solidFill>
+                  <a:prstClr val="black">
+                    <a:tint val="75000"/>
+                  </a:prstClr>
+                </a:solidFill>
+                <a:latin typeface="Calibri"/>
+              </a:rPr>
+              <a:pPr/>
+              <a:t>12/4/17</a:t>
+            </a:fld>
+            <a:endParaRPr lang="en-US">
+              <a:solidFill>
+                <a:prstClr val="black">
+                  <a:tint val="75000"/>
+                </a:prstClr>
+              </a:solidFill>
+              <a:latin typeface="Calibri"/>
+            </a:endParaRPr>
+          </a:p>
+        </p:txBody>
+      </p:sp>
+      <p:sp>
+        <p:nvSpPr>
+          <p:cNvPr id="6" name="Footer Placeholder 5"/>
+          <p:cNvSpPr>
+            <a:spLocks noGrp="1"/>
+          </p:cNvSpPr>
+          <p:nvPr>
+            <p:ph type="ftr" sz="quarter" idx="11"/>
+          </p:nvPr>
+        </p:nvSpPr>
+        <p:spPr/>
+        <p:txBody>
+          <a:bodyPr/>
+          <a:lstStyle/>
+          <a:p>
+            <a:endParaRPr lang="en-US">
+              <a:solidFill>
+                <a:prstClr val="black">
+                  <a:tint val="75000"/>
+                </a:prstClr>
+              </a:solidFill>
+              <a:latin typeface="Calibri"/>
+            </a:endParaRPr>
+          </a:p>
+        </p:txBody>
+      </p:sp>
+      <p:sp>
+        <p:nvSpPr>
+          <p:cNvPr id="7" name="Slide Number Placeholder 6"/>
+          <p:cNvSpPr>
+            <a:spLocks noGrp="1"/>
+          </p:cNvSpPr>
+          <p:nvPr>
+            <p:ph type="sldNum" sz="quarter" idx="12"/>
+          </p:nvPr>
+        </p:nvSpPr>
+        <p:spPr/>
+        <p:txBody>
+          <a:bodyPr/>
+          <a:lstStyle/>
+          <a:p>
+            <a:fld id="{0F3FC98C-2777-2A49-93CE-F68CEAF03181}" type="slidenum">
+              <a:rPr lang="en-US" smtClean="0">
+                <a:solidFill>
+                  <a:prstClr val="black">
+                    <a:tint val="75000"/>
+                  </a:prstClr>
+                </a:solidFill>
+                <a:latin typeface="Calibri"/>
+              </a:rPr>
+              <a:pPr/>
+              <a:t>‹#›</a:t>
+            </a:fld>
+            <a:endParaRPr lang="en-US">
+              <a:solidFill>
+                <a:prstClr val="black">
+                  <a:tint val="75000"/>
+                </a:prstClr>
+              </a:solidFill>
+              <a:latin typeface="Calibri"/>
+            </a:endParaRPr>
+          </a:p>
+        </p:txBody>
+      </p:sp>
+    </p:spTree>
+    <p:extLst>
+      <p:ext uri="{BB962C8B-B14F-4D97-AF65-F5344CB8AC3E}">
+        <p14:creationId xmlns:p14="http://schemas.microsoft.com/office/powerpoint/2010/main" val="4227582867"/>
+      </p:ext>
+    </p:extLst>
+  </p:cSld>
+  <p:clrMapOvr>
+    <a:masterClrMapping/>
+  </p:clrMapOvr>
+</p:sldLayout>
+</file>
+
+<file path=ppt/slideLayouts/slideLayout7.xml><?xml version="1.0" encoding="utf-8"?>
+<p:sldLayout xmlns:a="http://schemas.openxmlformats.org/drawingml/2006/main" xmlns:r="http://schemas.openxmlformats.org/officeDocument/2006/relationships" xmlns:p="http://schemas.openxmlformats.org/presentationml/2006/main" type="twoTxTwoObj" preserve="1">
+  <p:cSld name="Comparison">
+    <p:spTree>
+      <p:nvGrpSpPr>
+        <p:cNvPr id="1" name=""/>
+        <p:cNvGrpSpPr/>
+        <p:nvPr/>
+      </p:nvGrpSpPr>
+      <p:grpSpPr>
+        <a:xfrm>
+          <a:off x="0" y="0"/>
+          <a:ext cx="0" cy="0"/>
+          <a:chOff x="0" y="0"/>
+          <a:chExt cx="0" cy="0"/>
+        </a:xfrm>
+      </p:grpSpPr>
+      <p:sp>
+        <p:nvSpPr>
+          <p:cNvPr id="2" name="Title 1"/>
+          <p:cNvSpPr>
+            <a:spLocks noGrp="1"/>
+          </p:cNvSpPr>
+          <p:nvPr>
+            <p:ph type="title"/>
+          </p:nvPr>
+        </p:nvSpPr>
+        <p:spPr/>
+        <p:txBody>
+          <a:bodyPr/>
+          <a:lstStyle>
+            <a:lvl1pPr>
+              <a:defRPr/>
+            </a:lvl1pPr>
+          </a:lstStyle>
+          <a:p>
+            <a:r>
+              <a:rPr lang="en-GB" smtClean="0"/>
+              <a:t>Click to edit Master title style</a:t>
+            </a:r>
+            <a:endParaRPr lang="en-US"/>
+          </a:p>
+        </p:txBody>
+      </p:sp>
+      <p:sp>
+        <p:nvSpPr>
+          <p:cNvPr id="3" name="Text Placeholder 2"/>
+          <p:cNvSpPr>
+            <a:spLocks noGrp="1"/>
+          </p:cNvSpPr>
+          <p:nvPr>
+            <p:ph type="body" idx="1"/>
+          </p:nvPr>
+        </p:nvSpPr>
+        <p:spPr>
+          <a:xfrm>
+            <a:off x="457200" y="1535113"/>
+            <a:ext cx="4040188" cy="639762"/>
+          </a:xfrm>
+        </p:spPr>
+        <p:txBody>
+          <a:bodyPr anchor="b"/>
+          <a:lstStyle>
+            <a:lvl1pPr marL="0" indent="0">
+              <a:buNone/>
+              <a:defRPr sz="2400" b="1"/>
+            </a:lvl1pPr>
+            <a:lvl2pPr marL="457200" indent="0">
+              <a:buNone/>
+              <a:defRPr sz="2000" b="1"/>
+            </a:lvl2pPr>
+            <a:lvl3pPr marL="914400" indent="0">
+              <a:buNone/>
+              <a:defRPr sz="1800" b="1"/>
+            </a:lvl3pPr>
+            <a:lvl4pPr marL="1371600" indent="0">
+              <a:buNone/>
+              <a:defRPr sz="1600" b="1"/>
+            </a:lvl4pPr>
+            <a:lvl5pPr marL="1828800" indent="0">
+              <a:buNone/>
+              <a:defRPr sz="1600" b="1"/>
+            </a:lvl5pPr>
+            <a:lvl6pPr marL="2286000" indent="0">
+              <a:buNone/>
+              <a:defRPr sz="1600" b="1"/>
+            </a:lvl6pPr>
+            <a:lvl7pPr marL="2743200" indent="0">
+              <a:buNone/>
+              <a:defRPr sz="1600" b="1"/>
+            </a:lvl7pPr>
+            <a:lvl8pPr marL="3200400" indent="0">
+              <a:buNone/>
+              <a:defRPr sz="1600" b="1"/>
+            </a:lvl8pPr>
+            <a:lvl9pPr marL="3657600" indent="0">
+              <a:buNone/>
+              <a:defRPr sz="1600" b="1"/>
+            </a:lvl9pPr>
+          </a:lstStyle>
+          <a:p>
+            <a:pPr lvl="0"/>
+            <a:r>
+              <a:rPr lang="en-GB" smtClean="0"/>
+              <a:t>Click to edit Master text styles</a:t>
+            </a:r>
+          </a:p>
+        </p:txBody>
+      </p:sp>
+      <p:sp>
+        <p:nvSpPr>
+          <p:cNvPr id="4" name="Content Placeholder 3"/>
+          <p:cNvSpPr>
+            <a:spLocks noGrp="1"/>
+          </p:cNvSpPr>
+          <p:nvPr>
+            <p:ph sz="half" idx="2"/>
+          </p:nvPr>
+        </p:nvSpPr>
+        <p:spPr>
+          <a:xfrm>
+            <a:off x="457200" y="2174875"/>
+            <a:ext cx="4040188" cy="3951288"/>
+          </a:xfrm>
+        </p:spPr>
+        <p:txBody>
+          <a:bodyPr/>
+          <a:lstStyle>
+            <a:lvl1pPr>
+              <a:defRPr sz="2400"/>
+            </a:lvl1pPr>
+            <a:lvl2pPr>
+              <a:defRPr sz="2000"/>
+            </a:lvl2pPr>
+            <a:lvl3pPr>
+              <a:defRPr sz="1800"/>
+            </a:lvl3pPr>
+            <a:lvl4pPr>
+              <a:defRPr sz="1600"/>
+            </a:lvl4pPr>
+            <a:lvl5pPr>
+              <a:defRPr sz="1600"/>
+            </a:lvl5pPr>
+            <a:lvl6pPr>
+              <a:defRPr sz="1600"/>
+            </a:lvl6pPr>
+            <a:lvl7pPr>
+              <a:defRPr sz="1600"/>
+            </a:lvl7pPr>
+            <a:lvl8pPr>
+              <a:defRPr sz="1600"/>
+            </a:lvl8pPr>
+            <a:lvl9pPr>
+              <a:defRPr sz="1600"/>
+            </a:lvl9pPr>
+          </a:lstStyle>
+          <a:p>
+            <a:pPr lvl="0"/>
+            <a:r>
+              <a:rPr lang="en-GB" smtClean="0"/>
+              <a:t>Click to edit Master text styles</a:t>
+            </a:r>
+          </a:p>
+          <a:p>
+            <a:pPr lvl="1"/>
+            <a:r>
+              <a:rPr lang="en-GB" smtClean="0"/>
+              <a:t>Second level</a:t>
+            </a:r>
+          </a:p>
+          <a:p>
+            <a:pPr lvl="2"/>
+            <a:r>
+              <a:rPr lang="en-GB" smtClean="0"/>
+              <a:t>Third level</a:t>
+            </a:r>
+          </a:p>
+          <a:p>
+            <a:pPr lvl="3"/>
+            <a:r>
+              <a:rPr lang="en-GB" smtClean="0"/>
+              <a:t>Fourth level</a:t>
+            </a:r>
+          </a:p>
+          <a:p>
+            <a:pPr lvl="4"/>
+            <a:r>
+              <a:rPr lang="en-GB" smtClean="0"/>
+              <a:t>Fifth level</a:t>
+            </a:r>
+            <a:endParaRPr lang="en-US"/>
+          </a:p>
+        </p:txBody>
+      </p:sp>
+      <p:sp>
+        <p:nvSpPr>
+          <p:cNvPr id="5" name="Text Placeholder 4"/>
+          <p:cNvSpPr>
+            <a:spLocks noGrp="1"/>
+          </p:cNvSpPr>
+          <p:nvPr>
+            <p:ph type="body" sz="quarter" idx="3"/>
+          </p:nvPr>
+        </p:nvSpPr>
+        <p:spPr>
+          <a:xfrm>
+            <a:off x="4645025" y="1535113"/>
+            <a:ext cx="4041775" cy="639762"/>
+          </a:xfrm>
+        </p:spPr>
+        <p:txBody>
+          <a:bodyPr anchor="b"/>
+          <a:lstStyle>
+            <a:lvl1pPr marL="0" indent="0">
+              <a:buNone/>
+              <a:defRPr sz="2400" b="1"/>
+            </a:lvl1pPr>
+            <a:lvl2pPr marL="457200" indent="0">
+              <a:buNone/>
+              <a:defRPr sz="2000" b="1"/>
+            </a:lvl2pPr>
+            <a:lvl3pPr marL="914400" indent="0">
+              <a:buNone/>
+              <a:defRPr sz="1800" b="1"/>
+            </a:lvl3pPr>
+            <a:lvl4pPr marL="1371600" indent="0">
+              <a:buNone/>
+              <a:defRPr sz="1600" b="1"/>
+            </a:lvl4pPr>
+            <a:lvl5pPr marL="1828800" indent="0">
+              <a:buNone/>
+              <a:defRPr sz="1600" b="1"/>
+            </a:lvl5pPr>
+            <a:lvl6pPr marL="2286000" indent="0">
+              <a:buNone/>
+              <a:defRPr sz="1600" b="1"/>
+            </a:lvl6pPr>
+            <a:lvl7pPr marL="2743200" indent="0">
+              <a:buNone/>
+              <a:defRPr sz="1600" b="1"/>
+            </a:lvl7pPr>
+            <a:lvl8pPr marL="3200400" indent="0">
+              <a:buNone/>
+              <a:defRPr sz="1600" b="1"/>
+            </a:lvl8pPr>
+            <a:lvl9pPr marL="3657600" indent="0">
+              <a:buNone/>
+              <a:defRPr sz="1600" b="1"/>
+            </a:lvl9pPr>
+          </a:lstStyle>
+          <a:p>
+            <a:pPr lvl="0"/>
+            <a:r>
+              <a:rPr lang="en-GB" smtClean="0"/>
+              <a:t>Click to edit Master text styles</a:t>
+            </a:r>
+          </a:p>
+        </p:txBody>
+      </p:sp>
+      <p:sp>
+        <p:nvSpPr>
+          <p:cNvPr id="6" name="Content Placeholder 5"/>
+          <p:cNvSpPr>
+            <a:spLocks noGrp="1"/>
+          </p:cNvSpPr>
+          <p:nvPr>
+            <p:ph sz="quarter" idx="4"/>
+          </p:nvPr>
+        </p:nvSpPr>
+        <p:spPr>
+          <a:xfrm>
+            <a:off x="4645025" y="2174875"/>
+            <a:ext cx="4041775" cy="3951288"/>
+          </a:xfrm>
+        </p:spPr>
+        <p:txBody>
+          <a:bodyPr/>
+          <a:lstStyle>
+            <a:lvl1pPr>
+              <a:defRPr sz="2400"/>
+            </a:lvl1pPr>
+            <a:lvl2pPr>
+              <a:defRPr sz="2000"/>
+            </a:lvl2pPr>
+            <a:lvl3pPr>
+              <a:defRPr sz="1800"/>
+            </a:lvl3pPr>
+            <a:lvl4pPr>
+              <a:defRPr sz="1600"/>
+            </a:lvl4pPr>
+            <a:lvl5pPr>
+              <a:defRPr sz="1600"/>
+            </a:lvl5pPr>
+            <a:lvl6pPr>
+              <a:defRPr sz="1600"/>
+            </a:lvl6pPr>
+            <a:lvl7pPr>
+              <a:defRPr sz="1600"/>
+            </a:lvl7pPr>
+            <a:lvl8pPr>
+              <a:defRPr sz="1600"/>
+            </a:lvl8pPr>
+            <a:lvl9pPr>
+              <a:defRPr sz="1600"/>
+            </a:lvl9pPr>
+          </a:lstStyle>
+          <a:p>
+            <a:pPr lvl="0"/>
+            <a:r>
+              <a:rPr lang="en-GB" smtClean="0"/>
+              <a:t>Click to edit Master text styles</a:t>
+            </a:r>
+          </a:p>
+          <a:p>
+            <a:pPr lvl="1"/>
+            <a:r>
+              <a:rPr lang="en-GB" smtClean="0"/>
+              <a:t>Second level</a:t>
+            </a:r>
+          </a:p>
+          <a:p>
+            <a:pPr lvl="2"/>
+            <a:r>
+              <a:rPr lang="en-GB" smtClean="0"/>
+              <a:t>Third level</a:t>
+            </a:r>
+          </a:p>
+          <a:p>
+            <a:pPr lvl="3"/>
+            <a:r>
+              <a:rPr lang="en-GB" smtClean="0"/>
+              <a:t>Fourth level</a:t>
+            </a:r>
+          </a:p>
+          <a:p>
+            <a:pPr lvl="4"/>
+            <a:r>
+              <a:rPr lang="en-GB" smtClean="0"/>
+              <a:t>Fifth level</a:t>
+            </a:r>
+            <a:endParaRPr lang="en-US"/>
+          </a:p>
+        </p:txBody>
+      </p:sp>
+      <p:sp>
+        <p:nvSpPr>
+          <p:cNvPr id="7" name="Date Placeholder 6"/>
+          <p:cNvSpPr>
+            <a:spLocks noGrp="1"/>
+          </p:cNvSpPr>
+          <p:nvPr>
+            <p:ph type="dt" sz="half" idx="10"/>
+          </p:nvPr>
+        </p:nvSpPr>
+        <p:spPr/>
+        <p:txBody>
+          <a:bodyPr/>
+          <a:lstStyle/>
+          <a:p>
+            <a:fld id="{90372C55-F32C-714E-85D4-4C85D67E2D89}" type="datetimeFigureOut">
+              <a:rPr lang="en-US" smtClean="0">
+                <a:solidFill>
+                  <a:prstClr val="black">
+                    <a:tint val="75000"/>
+                  </a:prstClr>
+                </a:solidFill>
+                <a:latin typeface="Calibri"/>
+              </a:rPr>
+              <a:pPr/>
+              <a:t>12/4/17</a:t>
             </a:fld>
             <a:endParaRPr lang="en-US">
               <a:solidFill>
@@ -3880,7 +7048,7 @@
                 <a:latin typeface="Calibri"/>
               </a:rPr>
               <a:pPr/>
-              <a:t>2/10/17</a:t>
+              <a:t>12/4/17</a:t>
             </a:fld>
             <a:endParaRPr lang="en-US">
               <a:solidFill>
@@ -4012,7 +7180,7 @@
                 <a:latin typeface="Calibri"/>
               </a:rPr>
               <a:pPr/>
-              <a:t>2/10/17</a:t>
+              <a:t>12/4/17</a:t>
             </a:fld>
             <a:endParaRPr lang="en-US">
               <a:solidFill>
@@ -4862,7 +8030,7 @@
                 <a:latin typeface="Calibri"/>
               </a:rPr>
               <a:pPr defTabSz="457200"/>
-              <a:t>2/10/17</a:t>
+              <a:t>12/4/17</a:t>
             </a:fld>
             <a:endParaRPr lang="en-US">
               <a:solidFill>
@@ -5251,6 +8419,554 @@
 </p:sldMaster>
 </file>
 
+<file path=ppt/slideMasters/slideMaster3.xml><?xml version="1.0" encoding="utf-8"?>
+<p:sldMaster xmlns:a="http://schemas.openxmlformats.org/drawingml/2006/main" xmlns:r="http://schemas.openxmlformats.org/officeDocument/2006/relationships" xmlns:p="http://schemas.openxmlformats.org/presentationml/2006/main">
+  <p:cSld>
+    <p:bg>
+      <p:bgPr>
+        <a:solidFill>
+          <a:schemeClr val="tx1"/>
+        </a:solidFill>
+        <a:effectLst/>
+      </p:bgPr>
+    </p:bg>
+    <p:spTree>
+      <p:nvGrpSpPr>
+        <p:cNvPr id="1" name=""/>
+        <p:cNvGrpSpPr/>
+        <p:nvPr/>
+      </p:nvGrpSpPr>
+      <p:grpSpPr>
+        <a:xfrm>
+          <a:off x="0" y="0"/>
+          <a:ext cx="0" cy="0"/>
+          <a:chOff x="0" y="0"/>
+          <a:chExt cx="0" cy="0"/>
+        </a:xfrm>
+      </p:grpSpPr>
+      <p:sp>
+        <p:nvSpPr>
+          <p:cNvPr id="2" name="Title Placeholder 1"/>
+          <p:cNvSpPr>
+            <a:spLocks noGrp="1"/>
+          </p:cNvSpPr>
+          <p:nvPr>
+            <p:ph type="title"/>
+          </p:nvPr>
+        </p:nvSpPr>
+        <p:spPr>
+          <a:xfrm>
+            <a:off x="457200" y="274638"/>
+            <a:ext cx="8229600" cy="1143000"/>
+          </a:xfrm>
+          <a:prstGeom prst="rect">
+            <a:avLst/>
+          </a:prstGeom>
+        </p:spPr>
+        <p:txBody>
+          <a:bodyPr vert="horz" lIns="91440" tIns="45720" rIns="91440" bIns="45720" rtlCol="0" anchor="ctr">
+            <a:normAutofit/>
+          </a:bodyPr>
+          <a:lstStyle/>
+          <a:p>
+            <a:r>
+              <a:rPr lang="en-GB" smtClean="0"/>
+              <a:t>Click to edit Master title style</a:t>
+            </a:r>
+            <a:endParaRPr lang="en-US"/>
+          </a:p>
+        </p:txBody>
+      </p:sp>
+      <p:sp>
+        <p:nvSpPr>
+          <p:cNvPr id="3" name="Text Placeholder 2"/>
+          <p:cNvSpPr>
+            <a:spLocks noGrp="1"/>
+          </p:cNvSpPr>
+          <p:nvPr>
+            <p:ph type="body" idx="1"/>
+          </p:nvPr>
+        </p:nvSpPr>
+        <p:spPr>
+          <a:xfrm>
+            <a:off x="457200" y="1600200"/>
+            <a:ext cx="8229600" cy="4525963"/>
+          </a:xfrm>
+          <a:prstGeom prst="rect">
+            <a:avLst/>
+          </a:prstGeom>
+        </p:spPr>
+        <p:txBody>
+          <a:bodyPr vert="horz" lIns="91440" tIns="45720" rIns="91440" bIns="45720" rtlCol="0">
+            <a:normAutofit/>
+          </a:bodyPr>
+          <a:lstStyle/>
+          <a:p>
+            <a:pPr lvl="0"/>
+            <a:r>
+              <a:rPr lang="en-GB" smtClean="0"/>
+              <a:t>Click to edit Master text styles</a:t>
+            </a:r>
+          </a:p>
+          <a:p>
+            <a:pPr lvl="1"/>
+            <a:r>
+              <a:rPr lang="en-GB" smtClean="0"/>
+              <a:t>Second level</a:t>
+            </a:r>
+          </a:p>
+          <a:p>
+            <a:pPr lvl="2"/>
+            <a:r>
+              <a:rPr lang="en-GB" smtClean="0"/>
+              <a:t>Third level</a:t>
+            </a:r>
+          </a:p>
+          <a:p>
+            <a:pPr lvl="3"/>
+            <a:r>
+              <a:rPr lang="en-GB" smtClean="0"/>
+              <a:t>Fourth level</a:t>
+            </a:r>
+          </a:p>
+          <a:p>
+            <a:pPr lvl="4"/>
+            <a:r>
+              <a:rPr lang="en-GB" smtClean="0"/>
+              <a:t>Fifth level</a:t>
+            </a:r>
+            <a:endParaRPr lang="en-US"/>
+          </a:p>
+        </p:txBody>
+      </p:sp>
+      <p:sp>
+        <p:nvSpPr>
+          <p:cNvPr id="4" name="Date Placeholder 3"/>
+          <p:cNvSpPr>
+            <a:spLocks noGrp="1"/>
+          </p:cNvSpPr>
+          <p:nvPr>
+            <p:ph type="dt" sz="half" idx="2"/>
+          </p:nvPr>
+        </p:nvSpPr>
+        <p:spPr>
+          <a:xfrm>
+            <a:off x="457200" y="6356350"/>
+            <a:ext cx="2133600" cy="365125"/>
+          </a:xfrm>
+          <a:prstGeom prst="rect">
+            <a:avLst/>
+          </a:prstGeom>
+        </p:spPr>
+        <p:txBody>
+          <a:bodyPr vert="horz" lIns="91440" tIns="45720" rIns="91440" bIns="45720" rtlCol="0" anchor="ctr"/>
+          <a:lstStyle>
+            <a:lvl1pPr algn="l">
+              <a:defRPr sz="1200">
+                <a:solidFill>
+                  <a:schemeClr val="tx1">
+                    <a:tint val="75000"/>
+                  </a:schemeClr>
+                </a:solidFill>
+              </a:defRPr>
+            </a:lvl1pPr>
+          </a:lstStyle>
+          <a:p>
+            <a:pPr defTabSz="457200"/>
+            <a:fld id="{90372C55-F32C-714E-85D4-4C85D67E2D89}" type="datetimeFigureOut">
+              <a:rPr lang="en-US" smtClean="0">
+                <a:solidFill>
+                  <a:prstClr val="black">
+                    <a:tint val="75000"/>
+                  </a:prstClr>
+                </a:solidFill>
+              </a:rPr>
+              <a:pPr defTabSz="457200"/>
+              <a:t>12/4/17</a:t>
+            </a:fld>
+            <a:endParaRPr lang="en-US">
+              <a:solidFill>
+                <a:prstClr val="black">
+                  <a:tint val="75000"/>
+                </a:prstClr>
+              </a:solidFill>
+            </a:endParaRPr>
+          </a:p>
+        </p:txBody>
+      </p:sp>
+      <p:sp>
+        <p:nvSpPr>
+          <p:cNvPr id="5" name="Footer Placeholder 4"/>
+          <p:cNvSpPr>
+            <a:spLocks noGrp="1"/>
+          </p:cNvSpPr>
+          <p:nvPr>
+            <p:ph type="ftr" sz="quarter" idx="3"/>
+          </p:nvPr>
+        </p:nvSpPr>
+        <p:spPr>
+          <a:xfrm>
+            <a:off x="3124200" y="6356350"/>
+            <a:ext cx="2895600" cy="365125"/>
+          </a:xfrm>
+          <a:prstGeom prst="rect">
+            <a:avLst/>
+          </a:prstGeom>
+        </p:spPr>
+        <p:txBody>
+          <a:bodyPr vert="horz" lIns="91440" tIns="45720" rIns="91440" bIns="45720" rtlCol="0" anchor="ctr"/>
+          <a:lstStyle>
+            <a:lvl1pPr algn="ctr">
+              <a:defRPr sz="1200">
+                <a:solidFill>
+                  <a:schemeClr val="tx1">
+                    <a:tint val="75000"/>
+                  </a:schemeClr>
+                </a:solidFill>
+              </a:defRPr>
+            </a:lvl1pPr>
+          </a:lstStyle>
+          <a:p>
+            <a:pPr defTabSz="457200"/>
+            <a:endParaRPr lang="en-US">
+              <a:solidFill>
+                <a:prstClr val="black">
+                  <a:tint val="75000"/>
+                </a:prstClr>
+              </a:solidFill>
+            </a:endParaRPr>
+          </a:p>
+        </p:txBody>
+      </p:sp>
+      <p:sp>
+        <p:nvSpPr>
+          <p:cNvPr id="6" name="Slide Number Placeholder 5"/>
+          <p:cNvSpPr>
+            <a:spLocks noGrp="1"/>
+          </p:cNvSpPr>
+          <p:nvPr>
+            <p:ph type="sldNum" sz="quarter" idx="4"/>
+          </p:nvPr>
+        </p:nvSpPr>
+        <p:spPr>
+          <a:xfrm>
+            <a:off x="6553200" y="6356350"/>
+            <a:ext cx="2133600" cy="365125"/>
+          </a:xfrm>
+          <a:prstGeom prst="rect">
+            <a:avLst/>
+          </a:prstGeom>
+        </p:spPr>
+        <p:txBody>
+          <a:bodyPr vert="horz" lIns="91440" tIns="45720" rIns="91440" bIns="45720" rtlCol="0" anchor="ctr"/>
+          <a:lstStyle>
+            <a:lvl1pPr algn="r">
+              <a:defRPr sz="1200">
+                <a:solidFill>
+                  <a:schemeClr val="tx1">
+                    <a:tint val="75000"/>
+                  </a:schemeClr>
+                </a:solidFill>
+              </a:defRPr>
+            </a:lvl1pPr>
+          </a:lstStyle>
+          <a:p>
+            <a:pPr defTabSz="457200"/>
+            <a:fld id="{0F3FC98C-2777-2A49-93CE-F68CEAF03181}" type="slidenum">
+              <a:rPr lang="en-US" smtClean="0">
+                <a:solidFill>
+                  <a:prstClr val="black">
+                    <a:tint val="75000"/>
+                  </a:prstClr>
+                </a:solidFill>
+              </a:rPr>
+              <a:pPr defTabSz="457200"/>
+              <a:t>‹#›</a:t>
+            </a:fld>
+            <a:endParaRPr lang="en-US">
+              <a:solidFill>
+                <a:prstClr val="black">
+                  <a:tint val="75000"/>
+                </a:prstClr>
+              </a:solidFill>
+            </a:endParaRPr>
+          </a:p>
+        </p:txBody>
+      </p:sp>
+    </p:spTree>
+    <p:extLst>
+      <p:ext uri="{BB962C8B-B14F-4D97-AF65-F5344CB8AC3E}">
+        <p14:creationId xmlns:p14="http://schemas.microsoft.com/office/powerpoint/2010/main" val="1519137380"/>
+      </p:ext>
+    </p:extLst>
+  </p:cSld>
+  <p:clrMap bg1="lt1" tx1="dk1" bg2="lt2" tx2="dk2" accent1="accent1" accent2="accent2" accent3="accent3" accent4="accent4" accent5="accent5" accent6="accent6" hlink="hlink" folHlink="folHlink"/>
+  <p:sldLayoutIdLst>
+    <p:sldLayoutId id="2147483756" r:id="rId1"/>
+    <p:sldLayoutId id="2147483757" r:id="rId2"/>
+    <p:sldLayoutId id="2147483758" r:id="rId3"/>
+    <p:sldLayoutId id="2147483759" r:id="rId4"/>
+    <p:sldLayoutId id="2147483760" r:id="rId5"/>
+    <p:sldLayoutId id="2147483761" r:id="rId6"/>
+    <p:sldLayoutId id="2147483762" r:id="rId7"/>
+    <p:sldLayoutId id="2147483763" r:id="rId8"/>
+    <p:sldLayoutId id="2147483764" r:id="rId9"/>
+    <p:sldLayoutId id="2147483765" r:id="rId10"/>
+    <p:sldLayoutId id="2147483766" r:id="rId11"/>
+  </p:sldLayoutIdLst>
+  <p:txStyles>
+    <p:titleStyle>
+      <a:lvl1pPr algn="ctr" defTabSz="457200" rtl="0" eaLnBrk="1" latinLnBrk="0" hangingPunct="1">
+        <a:spcBef>
+          <a:spcPct val="0"/>
+        </a:spcBef>
+        <a:buNone/>
+        <a:defRPr sz="4400" kern="1200">
+          <a:solidFill>
+            <a:schemeClr val="tx1"/>
+          </a:solidFill>
+          <a:latin typeface="+mj-lt"/>
+          <a:ea typeface="+mj-ea"/>
+          <a:cs typeface="+mj-cs"/>
+        </a:defRPr>
+      </a:lvl1pPr>
+    </p:titleStyle>
+    <p:bodyStyle>
+      <a:lvl1pPr marL="342900" indent="-342900" algn="l" defTabSz="457200" rtl="0" eaLnBrk="1" latinLnBrk="0" hangingPunct="1">
+        <a:spcBef>
+          <a:spcPct val="20000"/>
+        </a:spcBef>
+        <a:buFont typeface="Arial"/>
+        <a:buChar char="•"/>
+        <a:defRPr sz="3200" kern="1200">
+          <a:solidFill>
+            <a:schemeClr val="tx1"/>
+          </a:solidFill>
+          <a:latin typeface="+mn-lt"/>
+          <a:ea typeface="+mn-ea"/>
+          <a:cs typeface="+mn-cs"/>
+        </a:defRPr>
+      </a:lvl1pPr>
+      <a:lvl2pPr marL="742950" indent="-285750" algn="l" defTabSz="457200" rtl="0" eaLnBrk="1" latinLnBrk="0" hangingPunct="1">
+        <a:spcBef>
+          <a:spcPct val="20000"/>
+        </a:spcBef>
+        <a:buFont typeface="Arial"/>
+        <a:buChar char="–"/>
+        <a:defRPr sz="2800" kern="1200">
+          <a:solidFill>
+            <a:schemeClr val="tx1"/>
+          </a:solidFill>
+          <a:latin typeface="+mn-lt"/>
+          <a:ea typeface="+mn-ea"/>
+          <a:cs typeface="+mn-cs"/>
+        </a:defRPr>
+      </a:lvl2pPr>
+      <a:lvl3pPr marL="1143000" indent="-228600" algn="l" defTabSz="457200" rtl="0" eaLnBrk="1" latinLnBrk="0" hangingPunct="1">
+        <a:spcBef>
+          <a:spcPct val="20000"/>
+        </a:spcBef>
+        <a:buFont typeface="Arial"/>
+        <a:buChar char="•"/>
+        <a:defRPr sz="2400" kern="1200">
+          <a:solidFill>
+            <a:schemeClr val="tx1"/>
+          </a:solidFill>
+          <a:latin typeface="+mn-lt"/>
+          <a:ea typeface="+mn-ea"/>
+          <a:cs typeface="+mn-cs"/>
+        </a:defRPr>
+      </a:lvl3pPr>
+      <a:lvl4pPr marL="1600200" indent="-228600" algn="l" defTabSz="457200" rtl="0" eaLnBrk="1" latinLnBrk="0" hangingPunct="1">
+        <a:spcBef>
+          <a:spcPct val="20000"/>
+        </a:spcBef>
+        <a:buFont typeface="Arial"/>
+        <a:buChar char="–"/>
+        <a:defRPr sz="2000" kern="1200">
+          <a:solidFill>
+            <a:schemeClr val="tx1"/>
+          </a:solidFill>
+          <a:latin typeface="+mn-lt"/>
+          <a:ea typeface="+mn-ea"/>
+          <a:cs typeface="+mn-cs"/>
+        </a:defRPr>
+      </a:lvl4pPr>
+      <a:lvl5pPr marL="2057400" indent="-228600" algn="l" defTabSz="457200" rtl="0" eaLnBrk="1" latinLnBrk="0" hangingPunct="1">
+        <a:spcBef>
+          <a:spcPct val="20000"/>
+        </a:spcBef>
+        <a:buFont typeface="Arial"/>
+        <a:buChar char="»"/>
+        <a:defRPr sz="2000" kern="1200">
+          <a:solidFill>
+            <a:schemeClr val="tx1"/>
+          </a:solidFill>
+          <a:latin typeface="+mn-lt"/>
+          <a:ea typeface="+mn-ea"/>
+          <a:cs typeface="+mn-cs"/>
+        </a:defRPr>
+      </a:lvl5pPr>
+      <a:lvl6pPr marL="2514600" indent="-228600" algn="l" defTabSz="457200" rtl="0" eaLnBrk="1" latinLnBrk="0" hangingPunct="1">
+        <a:spcBef>
+          <a:spcPct val="20000"/>
+        </a:spcBef>
+        <a:buFont typeface="Arial"/>
+        <a:buChar char="•"/>
+        <a:defRPr sz="2000" kern="1200">
+          <a:solidFill>
+            <a:schemeClr val="tx1"/>
+          </a:solidFill>
+          <a:latin typeface="+mn-lt"/>
+          <a:ea typeface="+mn-ea"/>
+          <a:cs typeface="+mn-cs"/>
+        </a:defRPr>
+      </a:lvl6pPr>
+      <a:lvl7pPr marL="2971800" indent="-228600" algn="l" defTabSz="457200" rtl="0" eaLnBrk="1" latinLnBrk="0" hangingPunct="1">
+        <a:spcBef>
+          <a:spcPct val="20000"/>
+        </a:spcBef>
+        <a:buFont typeface="Arial"/>
+        <a:buChar char="•"/>
+        <a:defRPr sz="2000" kern="1200">
+          <a:solidFill>
+            <a:schemeClr val="tx1"/>
+          </a:solidFill>
+          <a:latin typeface="+mn-lt"/>
+          <a:ea typeface="+mn-ea"/>
+          <a:cs typeface="+mn-cs"/>
+        </a:defRPr>
+      </a:lvl7pPr>
+      <a:lvl8pPr marL="3429000" indent="-228600" algn="l" defTabSz="457200" rtl="0" eaLnBrk="1" latinLnBrk="0" hangingPunct="1">
+        <a:spcBef>
+          <a:spcPct val="20000"/>
+        </a:spcBef>
+        <a:buFont typeface="Arial"/>
+        <a:buChar char="•"/>
+        <a:defRPr sz="2000" kern="1200">
+          <a:solidFill>
+            <a:schemeClr val="tx1"/>
+          </a:solidFill>
+          <a:latin typeface="+mn-lt"/>
+          <a:ea typeface="+mn-ea"/>
+          <a:cs typeface="+mn-cs"/>
+        </a:defRPr>
+      </a:lvl8pPr>
+      <a:lvl9pPr marL="3886200" indent="-228600" algn="l" defTabSz="457200" rtl="0" eaLnBrk="1" latinLnBrk="0" hangingPunct="1">
+        <a:spcBef>
+          <a:spcPct val="20000"/>
+        </a:spcBef>
+        <a:buFont typeface="Arial"/>
+        <a:buChar char="•"/>
+        <a:defRPr sz="2000" kern="1200">
+          <a:solidFill>
+            <a:schemeClr val="tx1"/>
+          </a:solidFill>
+          <a:latin typeface="+mn-lt"/>
+          <a:ea typeface="+mn-ea"/>
+          <a:cs typeface="+mn-cs"/>
+        </a:defRPr>
+      </a:lvl9pPr>
+    </p:bodyStyle>
+    <p:otherStyle>
+      <a:defPPr>
+        <a:defRPr lang="en-US"/>
+      </a:defPPr>
+      <a:lvl1pPr marL="0" algn="l" defTabSz="457200" rtl="0" eaLnBrk="1" latinLnBrk="0" hangingPunct="1">
+        <a:defRPr sz="1800" kern="1200">
+          <a:solidFill>
+            <a:schemeClr val="tx1"/>
+          </a:solidFill>
+          <a:latin typeface="+mn-lt"/>
+          <a:ea typeface="+mn-ea"/>
+          <a:cs typeface="+mn-cs"/>
+        </a:defRPr>
+      </a:lvl1pPr>
+      <a:lvl2pPr marL="457200" algn="l" defTabSz="457200" rtl="0" eaLnBrk="1" latinLnBrk="0" hangingPunct="1">
+        <a:defRPr sz="1800" kern="1200">
+          <a:solidFill>
+            <a:schemeClr val="tx1"/>
+          </a:solidFill>
+          <a:latin typeface="+mn-lt"/>
+          <a:ea typeface="+mn-ea"/>
+          <a:cs typeface="+mn-cs"/>
+        </a:defRPr>
+      </a:lvl2pPr>
+      <a:lvl3pPr marL="914400" algn="l" defTabSz="457200" rtl="0" eaLnBrk="1" latinLnBrk="0" hangingPunct="1">
+        <a:defRPr sz="1800" kern="1200">
+          <a:solidFill>
+            <a:schemeClr val="tx1"/>
+          </a:solidFill>
+          <a:latin typeface="+mn-lt"/>
+          <a:ea typeface="+mn-ea"/>
+          <a:cs typeface="+mn-cs"/>
+        </a:defRPr>
+      </a:lvl3pPr>
+      <a:lvl4pPr marL="1371600" algn="l" defTabSz="457200" rtl="0" eaLnBrk="1" latinLnBrk="0" hangingPunct="1">
+        <a:defRPr sz="1800" kern="1200">
+          <a:solidFill>
+            <a:schemeClr val="tx1"/>
+          </a:solidFill>
+          <a:latin typeface="+mn-lt"/>
+          <a:ea typeface="+mn-ea"/>
+          <a:cs typeface="+mn-cs"/>
+        </a:defRPr>
+      </a:lvl4pPr>
+      <a:lvl5pPr marL="1828800" algn="l" defTabSz="457200" rtl="0" eaLnBrk="1" latinLnBrk="0" hangingPunct="1">
+        <a:defRPr sz="1800" kern="1200">
+          <a:solidFill>
+            <a:schemeClr val="tx1"/>
+          </a:solidFill>
+          <a:latin typeface="+mn-lt"/>
+          <a:ea typeface="+mn-ea"/>
+          <a:cs typeface="+mn-cs"/>
+        </a:defRPr>
+      </a:lvl5pPr>
+      <a:lvl6pPr marL="2286000" algn="l" defTabSz="457200" rtl="0" eaLnBrk="1" latinLnBrk="0" hangingPunct="1">
+        <a:defRPr sz="1800" kern="1200">
+          <a:solidFill>
+            <a:schemeClr val="tx1"/>
+          </a:solidFill>
+          <a:latin typeface="+mn-lt"/>
+          <a:ea typeface="+mn-ea"/>
+          <a:cs typeface="+mn-cs"/>
+        </a:defRPr>
+      </a:lvl6pPr>
+      <a:lvl7pPr marL="2743200" algn="l" defTabSz="457200" rtl="0" eaLnBrk="1" latinLnBrk="0" hangingPunct="1">
+        <a:defRPr sz="1800" kern="1200">
+          <a:solidFill>
+            <a:schemeClr val="tx1"/>
+          </a:solidFill>
+          <a:latin typeface="+mn-lt"/>
+          <a:ea typeface="+mn-ea"/>
+          <a:cs typeface="+mn-cs"/>
+        </a:defRPr>
+      </a:lvl7pPr>
+      <a:lvl8pPr marL="3200400" algn="l" defTabSz="457200" rtl="0" eaLnBrk="1" latinLnBrk="0" hangingPunct="1">
+        <a:defRPr sz="1800" kern="1200">
+          <a:solidFill>
+            <a:schemeClr val="tx1"/>
+          </a:solidFill>
+          <a:latin typeface="+mn-lt"/>
+          <a:ea typeface="+mn-ea"/>
+          <a:cs typeface="+mn-cs"/>
+        </a:defRPr>
+      </a:lvl8pPr>
+      <a:lvl9pPr marL="3657600" algn="l" defTabSz="457200" rtl="0" eaLnBrk="1" latinLnBrk="0" hangingPunct="1">
+        <a:defRPr sz="1800" kern="1200">
+          <a:solidFill>
+            <a:schemeClr val="tx1"/>
+          </a:solidFill>
+          <a:latin typeface="+mn-lt"/>
+          <a:ea typeface="+mn-ea"/>
+          <a:cs typeface="+mn-cs"/>
+        </a:defRPr>
+      </a:lvl9pPr>
+    </p:otherStyle>
+  </p:txStyles>
+</p:sldMaster>
+</file>
+
 <file path=ppt/slides/slide1.xml><?xml version="1.0" encoding="utf-8"?>
 <p:sld xmlns:a="http://schemas.openxmlformats.org/drawingml/2006/main" xmlns:r="http://schemas.openxmlformats.org/officeDocument/2006/relationships" xmlns:p="http://schemas.openxmlformats.org/presentationml/2006/main">
   <p:cSld>
@@ -5405,19 +9121,7 @@
             </a:br>
             <a:r>
               <a:rPr lang="en-US" sz="2400" dirty="0" smtClean="0"/>
-              <a:t>Date, Meeting</a:t>
-            </a:r>
-            <a:r>
-              <a:rPr lang="en-US" sz="2400" dirty="0" smtClean="0"/>
-              <a:t>, </a:t>
-            </a:r>
-            <a:r>
-              <a:rPr lang="en-US" sz="2400" dirty="0" smtClean="0"/>
-              <a:t>Location</a:t>
-            </a:r>
-            <a:r>
-              <a:rPr lang="en-US" sz="2400" dirty="0" smtClean="0"/>
-              <a:t/>
+              <a:t>Date, Meeting, Location</a:t>
             </a:r>
             <a:br>
               <a:rPr lang="en-US" sz="2400" dirty="0" smtClean="0"/>
@@ -5443,15 +9147,7 @@
             </a:br>
             <a:r>
               <a:rPr lang="en-US" sz="2400" dirty="0" smtClean="0"/>
-              <a:t>ORCID: </a:t>
-            </a:r>
-            <a:r>
-              <a:rPr lang="en-US" sz="2400" dirty="0" smtClean="0"/>
-              <a:t>0000-0000-0000-0000 </a:t>
-            </a:r>
-            <a:r>
-              <a:rPr lang="en-US" sz="2400" dirty="0" smtClean="0"/>
-              <a:t>| </a:t>
+              <a:t>ORCID: 0000-0000-0000-0000 | </a:t>
             </a:r>
             <a:r>
               <a:rPr lang="en-US" sz="2400" dirty="0" err="1" smtClean="0"/>
@@ -6272,17 +9968,7 @@
                 <a:latin typeface="Helvetica Light"/>
                 <a:cs typeface="Helvetica Light"/>
               </a:rPr>
-              <a:t>world-class research</a:t>
-            </a:r>
-            <a:r>
-              <a:rPr lang="en-US" sz="3200" i="1" dirty="0" smtClean="0">
-                <a:solidFill>
-                  <a:srgbClr val="FFFFFF"/>
-                </a:solidFill>
-                <a:latin typeface="Helvetica Light"/>
-                <a:cs typeface="Helvetica Light"/>
-              </a:rPr>
-              <a:t>” </a:t>
+              <a:t>world-class research” </a:t>
             </a:r>
             <a:endParaRPr lang="en-US" sz="3200" dirty="0" smtClean="0">
               <a:solidFill>
@@ -6319,17 +10005,7 @@
                 <a:latin typeface="Helvetica Light"/>
                 <a:cs typeface="Helvetica Light"/>
               </a:rPr>
-              <a:t>Providing </a:t>
-            </a:r>
-            <a:r>
-              <a:rPr lang="en-US" sz="3200" dirty="0" smtClean="0">
-                <a:solidFill>
-                  <a:srgbClr val="FFFFFF"/>
-                </a:solidFill>
-                <a:latin typeface="Helvetica Light"/>
-                <a:cs typeface="Helvetica Light"/>
-              </a:rPr>
-              <a:t>to the wider community:</a:t>
+              <a:t>Providing to the wider community:</a:t>
             </a:r>
           </a:p>
           <a:p>
@@ -8731,27 +12407,7 @@
                 <a:latin typeface="Helvetica Light"/>
                 <a:cs typeface="Helvetica Light"/>
               </a:rPr>
-              <a:t>20</a:t>
-            </a:r>
-            <a:r>
-              <a:rPr lang="en-US" sz="1200" dirty="0" smtClean="0">
-                <a:solidFill>
-                  <a:prstClr val="white"/>
-                </a:solidFill>
-                <a:latin typeface="Helvetica Light"/>
-                <a:cs typeface="Helvetica Light"/>
-              </a:rPr>
-              <a:t>0</a:t>
-            </a:r>
-            <a:r>
-              <a:rPr lang="en-US" sz="1200" dirty="0" smtClean="0">
-                <a:solidFill>
-                  <a:prstClr val="white"/>
-                </a:solidFill>
-                <a:latin typeface="Helvetica Light"/>
-                <a:cs typeface="Helvetica Light"/>
-              </a:rPr>
-              <a:t>+ evaluations</a:t>
+              <a:t>200+ evaluations</a:t>
             </a:r>
           </a:p>
           <a:p>
@@ -8807,9 +12463,9 @@
                 <a:latin typeface="Helvetica Light"/>
                 <a:cs typeface="Helvetica Light"/>
               </a:rPr>
-              <a:t>10</a:t>
-            </a:r>
-            <a:r>
+              <a:t>100+ UK SWC </a:t>
+            </a:r>
+            <a:br>
               <a:rPr lang="en-US" sz="1200" dirty="0" smtClean="0">
                 <a:solidFill>
                   <a:prstClr val="white"/>
@@ -8817,8 +12473,7 @@
                 <a:latin typeface="Helvetica Light"/>
                 <a:cs typeface="Helvetica Light"/>
               </a:rPr>
-              <a:t>0</a:t>
-            </a:r>
+            </a:br>
             <a:r>
               <a:rPr lang="en-US" sz="1200" dirty="0" smtClean="0">
                 <a:solidFill>
@@ -8827,17 +12482,21 @@
                 <a:latin typeface="Helvetica Light"/>
                 <a:cs typeface="Helvetica Light"/>
               </a:rPr>
-              <a:t>+ UK SWC </a:t>
-            </a:r>
-            <a:br>
-              <a:rPr lang="en-US" sz="1200" dirty="0" smtClean="0">
+              <a:t>workshops</a:t>
+            </a:r>
+          </a:p>
+          <a:p>
+            <a:pPr algn="ctr" defTabSz="457200"/>
+            <a:r>
+              <a:rPr lang="en-US" sz="1200" dirty="0">
                 <a:solidFill>
                   <a:prstClr val="white"/>
                 </a:solidFill>
                 <a:latin typeface="Helvetica Light"/>
                 <a:cs typeface="Helvetica Light"/>
               </a:rPr>
-            </a:br>
+              <a:t>2</a:t>
+            </a:r>
             <a:r>
               <a:rPr lang="en-US" sz="1200" dirty="0" smtClean="0">
                 <a:solidFill>
@@ -8846,40 +12505,7 @@
                 <a:latin typeface="Helvetica Light"/>
                 <a:cs typeface="Helvetica Light"/>
               </a:rPr>
-              <a:t>workshops</a:t>
-            </a:r>
-          </a:p>
-          <a:p>
-            <a:pPr algn="ctr" defTabSz="457200"/>
-            <a:r>
-              <a:rPr lang="en-US" sz="1200" dirty="0">
-                <a:solidFill>
-                  <a:prstClr val="white"/>
-                </a:solidFill>
-                <a:latin typeface="Helvetica Light"/>
-                <a:cs typeface="Helvetica Light"/>
-              </a:rPr>
-              <a:t>2</a:t>
-            </a:r>
-            <a:r>
-              <a:rPr lang="en-US" sz="1200" dirty="0" smtClean="0">
-                <a:solidFill>
-                  <a:prstClr val="white"/>
-                </a:solidFill>
-                <a:latin typeface="Helvetica Light"/>
-                <a:cs typeface="Helvetica Light"/>
-              </a:rPr>
-              <a:t>500</a:t>
-            </a:r>
-            <a:r>
-              <a:rPr lang="en-US" sz="1200" dirty="0" smtClean="0">
-                <a:solidFill>
-                  <a:prstClr val="white"/>
-                </a:solidFill>
-                <a:latin typeface="Helvetica Light"/>
-                <a:cs typeface="Helvetica Light"/>
-              </a:rPr>
-              <a:t>+ learners</a:t>
+              <a:t>500+ learners</a:t>
             </a:r>
           </a:p>
           <a:p>
@@ -9489,6 +13115,1190 @@
   <p:clrMapOvr>
     <a:masterClrMapping/>
   </p:clrMapOvr>
+  <p:timing>
+    <p:tnLst>
+      <p:par>
+        <p:cTn id="1" dur="indefinite" restart="never" nodeType="tmRoot"/>
+      </p:par>
+    </p:tnLst>
+  </p:timing>
+</p:sld>
+</file>
+
+<file path=ppt/slides/slide5.xml><?xml version="1.0" encoding="utf-8"?>
+<p:sld xmlns:a="http://schemas.openxmlformats.org/drawingml/2006/main" xmlns:r="http://schemas.openxmlformats.org/officeDocument/2006/relationships" xmlns:p="http://schemas.openxmlformats.org/presentationml/2006/main">
+  <p:cSld>
+    <p:spTree>
+      <p:nvGrpSpPr>
+        <p:cNvPr id="1" name=""/>
+        <p:cNvGrpSpPr/>
+        <p:nvPr/>
+      </p:nvGrpSpPr>
+      <p:grpSpPr>
+        <a:xfrm>
+          <a:off x="0" y="0"/>
+          <a:ext cx="0" cy="0"/>
+          <a:chOff x="0" y="0"/>
+          <a:chExt cx="0" cy="0"/>
+        </a:xfrm>
+      </p:grpSpPr>
+      <p:sp>
+        <p:nvSpPr>
+          <p:cNvPr id="2" name="Title 1"/>
+          <p:cNvSpPr>
+            <a:spLocks noGrp="1"/>
+          </p:cNvSpPr>
+          <p:nvPr>
+            <p:ph type="title"/>
+          </p:nvPr>
+        </p:nvSpPr>
+        <p:spPr/>
+        <p:txBody>
+          <a:bodyPr/>
+          <a:lstStyle/>
+          <a:p>
+            <a:r>
+              <a:rPr lang="en-US" smtClean="0"/>
+              <a:t>Additional slides</a:t>
+            </a:r>
+            <a:endParaRPr lang="en-US"/>
+          </a:p>
+        </p:txBody>
+      </p:sp>
+    </p:spTree>
+    <p:extLst>
+      <p:ext uri="{BB962C8B-B14F-4D97-AF65-F5344CB8AC3E}">
+        <p14:creationId xmlns:p14="http://schemas.microsoft.com/office/powerpoint/2010/main" val="635546986"/>
+      </p:ext>
+    </p:extLst>
+  </p:cSld>
+  <p:clrMapOvr>
+    <a:masterClrMapping/>
+  </p:clrMapOvr>
+</p:sld>
+</file>
+
+<file path=ppt/slides/slide6.xml><?xml version="1.0" encoding="utf-8"?>
+<p:sld xmlns:a="http://schemas.openxmlformats.org/drawingml/2006/main" xmlns:r="http://schemas.openxmlformats.org/officeDocument/2006/relationships" xmlns:p="http://schemas.openxmlformats.org/presentationml/2006/main">
+  <p:cSld>
+    <p:spTree>
+      <p:nvGrpSpPr>
+        <p:cNvPr id="1" name=""/>
+        <p:cNvGrpSpPr/>
+        <p:nvPr/>
+      </p:nvGrpSpPr>
+      <p:grpSpPr>
+        <a:xfrm>
+          <a:off x="0" y="0"/>
+          <a:ext cx="0" cy="0"/>
+          <a:chOff x="0" y="0"/>
+          <a:chExt cx="0" cy="0"/>
+        </a:xfrm>
+      </p:grpSpPr>
+      <p:sp>
+        <p:nvSpPr>
+          <p:cNvPr id="2" name="Title 1"/>
+          <p:cNvSpPr>
+            <a:spLocks noGrp="1"/>
+          </p:cNvSpPr>
+          <p:nvPr>
+            <p:ph type="title"/>
+          </p:nvPr>
+        </p:nvSpPr>
+        <p:spPr>
+          <a:xfrm>
+            <a:off x="457200" y="538542"/>
+            <a:ext cx="8229600" cy="1143000"/>
+          </a:xfrm>
+        </p:spPr>
+        <p:txBody>
+          <a:bodyPr>
+            <a:noAutofit/>
+          </a:bodyPr>
+          <a:lstStyle/>
+          <a:p>
+            <a:pPr algn="l"/>
+            <a:r>
+              <a:rPr lang="en-US" dirty="0" smtClean="0">
+                <a:solidFill>
+                  <a:schemeClr val="bg1"/>
+                </a:solidFill>
+                <a:latin typeface="Helvetica"/>
+                <a:cs typeface="Helvetica"/>
+              </a:rPr>
+              <a:t>The UK research</a:t>
+            </a:r>
+            <a:r>
+              <a:rPr lang="en-US" dirty="0">
+                <a:solidFill>
+                  <a:schemeClr val="bg1"/>
+                </a:solidFill>
+                <a:latin typeface="Helvetica"/>
+                <a:cs typeface="Helvetica"/>
+              </a:rPr>
+              <a:t> </a:t>
+            </a:r>
+            <a:r>
+              <a:rPr lang="en-US" dirty="0" smtClean="0">
+                <a:solidFill>
+                  <a:schemeClr val="bg1"/>
+                </a:solidFill>
+                <a:latin typeface="Helvetica"/>
+                <a:cs typeface="Helvetica"/>
+              </a:rPr>
+              <a:t>community</a:t>
+            </a:r>
+            <a:br>
+              <a:rPr lang="en-US" dirty="0" smtClean="0">
+                <a:solidFill>
+                  <a:schemeClr val="bg1"/>
+                </a:solidFill>
+                <a:latin typeface="Helvetica"/>
+                <a:cs typeface="Helvetica"/>
+              </a:rPr>
+            </a:br>
+            <a:r>
+              <a:rPr lang="en-US" dirty="0" smtClean="0">
+                <a:solidFill>
+                  <a:schemeClr val="bg1"/>
+                </a:solidFill>
+                <a:latin typeface="Helvetica"/>
+                <a:cs typeface="Helvetica"/>
+              </a:rPr>
+              <a:t>relies on software</a:t>
+            </a:r>
+            <a:endParaRPr lang="en-US" dirty="0">
+              <a:solidFill>
+                <a:schemeClr val="bg1"/>
+              </a:solidFill>
+              <a:latin typeface="Helvetica"/>
+              <a:cs typeface="Helvetica"/>
+            </a:endParaRPr>
+          </a:p>
+        </p:txBody>
+      </p:sp>
+      <p:sp>
+        <p:nvSpPr>
+          <p:cNvPr id="9" name="TextBox 8"/>
+          <p:cNvSpPr txBox="1"/>
+          <p:nvPr/>
+        </p:nvSpPr>
+        <p:spPr>
+          <a:xfrm>
+            <a:off x="647161" y="1913781"/>
+            <a:ext cx="3410237" cy="707886"/>
+          </a:xfrm>
+          <a:prstGeom prst="rect">
+            <a:avLst/>
+          </a:prstGeom>
+          <a:noFill/>
+        </p:spPr>
+        <p:txBody>
+          <a:bodyPr wrap="square" rtlCol="0">
+            <a:spAutoFit/>
+          </a:bodyPr>
+          <a:lstStyle/>
+          <a:p>
+            <a:pPr algn="ctr" defTabSz="457200"/>
+            <a:r>
+              <a:rPr lang="en-US" sz="2000" dirty="0" smtClean="0">
+                <a:solidFill>
+                  <a:prstClr val="white"/>
+                </a:solidFill>
+                <a:latin typeface="Helvetica Light"/>
+                <a:cs typeface="Helvetica Light"/>
+              </a:rPr>
+              <a:t>Do you use research software?</a:t>
+            </a:r>
+            <a:endParaRPr lang="en-US" sz="2000" dirty="0">
+              <a:solidFill>
+                <a:prstClr val="white"/>
+              </a:solidFill>
+              <a:latin typeface="Helvetica Light"/>
+              <a:cs typeface="Helvetica Light"/>
+            </a:endParaRPr>
+          </a:p>
+        </p:txBody>
+      </p:sp>
+      <p:pic>
+        <p:nvPicPr>
+          <p:cNvPr id="3" name="Picture 2" descr="Use_Of_research_Software.png"/>
+          <p:cNvPicPr>
+            <a:picLocks noChangeAspect="1"/>
+          </p:cNvPicPr>
+          <p:nvPr/>
+        </p:nvPicPr>
+        <p:blipFill>
+          <a:blip r:embed="rId3" cstate="screen">
+            <a:extLst>
+              <a:ext uri="{28A0092B-C50C-407E-A947-70E740481C1C}">
+                <a14:useLocalDpi xmlns:a14="http://schemas.microsoft.com/office/drawing/2010/main"/>
+              </a:ext>
+            </a:extLst>
+          </a:blip>
+          <a:stretch>
+            <a:fillRect/>
+          </a:stretch>
+        </p:blipFill>
+        <p:spPr>
+          <a:xfrm>
+            <a:off x="457200" y="3002649"/>
+            <a:ext cx="3627411" cy="2725486"/>
+          </a:xfrm>
+          <a:prstGeom prst="rect">
+            <a:avLst/>
+          </a:prstGeom>
+        </p:spPr>
+      </p:pic>
+      <p:pic>
+        <p:nvPicPr>
+          <p:cNvPr id="4" name="Picture 3" descr="Without_research_Software.png"/>
+          <p:cNvPicPr>
+            <a:picLocks noChangeAspect="1"/>
+          </p:cNvPicPr>
+          <p:nvPr/>
+        </p:nvPicPr>
+        <p:blipFill>
+          <a:blip r:embed="rId4" cstate="screen">
+            <a:extLst>
+              <a:ext uri="{28A0092B-C50C-407E-A947-70E740481C1C}">
+                <a14:useLocalDpi xmlns:a14="http://schemas.microsoft.com/office/drawing/2010/main"/>
+              </a:ext>
+            </a:extLst>
+          </a:blip>
+          <a:stretch>
+            <a:fillRect/>
+          </a:stretch>
+        </p:blipFill>
+        <p:spPr>
+          <a:xfrm>
+            <a:off x="4561098" y="2731701"/>
+            <a:ext cx="4334335" cy="3716556"/>
+          </a:xfrm>
+          <a:prstGeom prst="rect">
+            <a:avLst/>
+          </a:prstGeom>
+        </p:spPr>
+      </p:pic>
+      <p:sp>
+        <p:nvSpPr>
+          <p:cNvPr id="15" name="TextBox 14"/>
+          <p:cNvSpPr txBox="1"/>
+          <p:nvPr/>
+        </p:nvSpPr>
+        <p:spPr>
+          <a:xfrm>
+            <a:off x="4792480" y="1915490"/>
+            <a:ext cx="3410237" cy="707886"/>
+          </a:xfrm>
+          <a:prstGeom prst="rect">
+            <a:avLst/>
+          </a:prstGeom>
+          <a:noFill/>
+        </p:spPr>
+        <p:txBody>
+          <a:bodyPr wrap="square" rtlCol="0">
+            <a:spAutoFit/>
+          </a:bodyPr>
+          <a:lstStyle/>
+          <a:p>
+            <a:pPr algn="ctr" defTabSz="457200"/>
+            <a:r>
+              <a:rPr lang="en-US" sz="2000" dirty="0" smtClean="0">
+                <a:solidFill>
+                  <a:prstClr val="white"/>
+                </a:solidFill>
+                <a:latin typeface="Helvetica Light"/>
+                <a:cs typeface="Helvetica Light"/>
+              </a:rPr>
+              <a:t>What would happen to your research without software</a:t>
+            </a:r>
+            <a:endParaRPr lang="en-US" sz="2000" dirty="0">
+              <a:solidFill>
+                <a:prstClr val="white"/>
+              </a:solidFill>
+              <a:latin typeface="Helvetica Light"/>
+              <a:cs typeface="Helvetica Light"/>
+            </a:endParaRPr>
+          </a:p>
+        </p:txBody>
+      </p:sp>
+      <p:sp>
+        <p:nvSpPr>
+          <p:cNvPr id="21" name="TextBox 20"/>
+          <p:cNvSpPr txBox="1"/>
+          <p:nvPr/>
+        </p:nvSpPr>
+        <p:spPr>
+          <a:xfrm>
+            <a:off x="99781" y="6331409"/>
+            <a:ext cx="8941143" cy="523220"/>
+          </a:xfrm>
+          <a:prstGeom prst="rect">
+            <a:avLst/>
+          </a:prstGeom>
+          <a:noFill/>
+        </p:spPr>
+        <p:txBody>
+          <a:bodyPr wrap="square" rtlCol="0">
+            <a:spAutoFit/>
+          </a:bodyPr>
+          <a:lstStyle/>
+          <a:p>
+            <a:pPr defTabSz="457200"/>
+            <a:r>
+              <a:rPr lang="en-US" sz="1400" i="1" dirty="0" smtClean="0">
+                <a:solidFill>
+                  <a:srgbClr val="FFFFFF"/>
+                </a:solidFill>
+                <a:latin typeface="Helvetica Light"/>
+                <a:cs typeface="Helvetica Light"/>
+              </a:rPr>
+              <a:t>Survey of researchers from 15 Russell Group universities conducted by SSI between August - October 2014. </a:t>
+            </a:r>
+            <a:br>
+              <a:rPr lang="en-US" sz="1400" i="1" dirty="0" smtClean="0">
+                <a:solidFill>
+                  <a:srgbClr val="FFFFFF"/>
+                </a:solidFill>
+                <a:latin typeface="Helvetica Light"/>
+                <a:cs typeface="Helvetica Light"/>
+              </a:rPr>
+            </a:br>
+            <a:r>
+              <a:rPr lang="en-US" sz="1400" i="1" dirty="0" smtClean="0">
+                <a:solidFill>
+                  <a:srgbClr val="FFFFFF"/>
+                </a:solidFill>
+                <a:latin typeface="Helvetica Light"/>
+                <a:cs typeface="Helvetica Light"/>
+              </a:rPr>
+              <a:t>406 respondents covering representative range of funders, discipline and seniority.  </a:t>
+            </a:r>
+            <a:endParaRPr lang="en-US" sz="1400" i="1" dirty="0">
+              <a:solidFill>
+                <a:srgbClr val="FFFFFF"/>
+              </a:solidFill>
+              <a:latin typeface="Helvetica Light"/>
+              <a:cs typeface="Helvetica Light"/>
+            </a:endParaRPr>
+          </a:p>
+        </p:txBody>
+      </p:sp>
+    </p:spTree>
+    <p:extLst>
+      <p:ext uri="{BB962C8B-B14F-4D97-AF65-F5344CB8AC3E}">
+        <p14:creationId xmlns:p14="http://schemas.microsoft.com/office/powerpoint/2010/main" val="708866477"/>
+      </p:ext>
+    </p:extLst>
+  </p:cSld>
+  <p:clrMapOvr>
+    <a:masterClrMapping/>
+  </p:clrMapOvr>
+  <p:timing>
+    <p:tnLst>
+      <p:par>
+        <p:cTn id="1" dur="indefinite" restart="never" nodeType="tmRoot"/>
+      </p:par>
+    </p:tnLst>
+  </p:timing>
+</p:sld>
+</file>
+
+<file path=ppt/slides/slide7.xml><?xml version="1.0" encoding="utf-8"?>
+<p:sld xmlns:a="http://schemas.openxmlformats.org/drawingml/2006/main" xmlns:r="http://schemas.openxmlformats.org/officeDocument/2006/relationships" xmlns:p="http://schemas.openxmlformats.org/presentationml/2006/main">
+  <p:cSld>
+    <p:spTree>
+      <p:nvGrpSpPr>
+        <p:cNvPr id="1" name=""/>
+        <p:cNvGrpSpPr/>
+        <p:nvPr/>
+      </p:nvGrpSpPr>
+      <p:grpSpPr>
+        <a:xfrm>
+          <a:off x="0" y="0"/>
+          <a:ext cx="0" cy="0"/>
+          <a:chOff x="0" y="0"/>
+          <a:chExt cx="0" cy="0"/>
+        </a:xfrm>
+      </p:grpSpPr>
+      <p:sp>
+        <p:nvSpPr>
+          <p:cNvPr id="6" name="TextBox 5"/>
+          <p:cNvSpPr txBox="1"/>
+          <p:nvPr/>
+        </p:nvSpPr>
+        <p:spPr>
+          <a:xfrm>
+            <a:off x="363130" y="2409413"/>
+            <a:ext cx="4093487" cy="1631216"/>
+          </a:xfrm>
+          <a:prstGeom prst="rect">
+            <a:avLst/>
+          </a:prstGeom>
+          <a:noFill/>
+        </p:spPr>
+        <p:txBody>
+          <a:bodyPr wrap="square" rtlCol="0">
+            <a:spAutoFit/>
+          </a:bodyPr>
+          <a:lstStyle/>
+          <a:p>
+            <a:pPr defTabSz="457200"/>
+            <a:r>
+              <a:rPr lang="en-US" sz="9600" dirty="0" smtClean="0">
+                <a:solidFill>
+                  <a:srgbClr val="FFFFFF"/>
+                </a:solidFill>
+                <a:latin typeface="Helvetica"/>
+                <a:cs typeface="Helvetica"/>
+              </a:rPr>
+              <a:t>£840m</a:t>
+            </a:r>
+            <a:endParaRPr lang="en-US" sz="9600" dirty="0">
+              <a:solidFill>
+                <a:srgbClr val="FFFFFF"/>
+              </a:solidFill>
+              <a:latin typeface="Helvetica"/>
+              <a:cs typeface="Helvetica"/>
+            </a:endParaRPr>
+          </a:p>
+        </p:txBody>
+      </p:sp>
+      <p:sp>
+        <p:nvSpPr>
+          <p:cNvPr id="7" name="Title 1"/>
+          <p:cNvSpPr txBox="1">
+            <a:spLocks/>
+          </p:cNvSpPr>
+          <p:nvPr/>
+        </p:nvSpPr>
+        <p:spPr>
+          <a:xfrm>
+            <a:off x="316094" y="3993262"/>
+            <a:ext cx="3765055" cy="1143000"/>
+          </a:xfrm>
+          <a:prstGeom prst="rect">
+            <a:avLst/>
+          </a:prstGeom>
+        </p:spPr>
+        <p:txBody>
+          <a:bodyPr vert="horz" lIns="91440" tIns="45720" rIns="91440" bIns="45720" rtlCol="0" anchor="t">
+            <a:normAutofit fontScale="97500"/>
+          </a:bodyPr>
+          <a:lstStyle>
+            <a:lvl1pPr algn="ctr" defTabSz="457200" rtl="0" eaLnBrk="1" latinLnBrk="0" hangingPunct="1">
+              <a:spcBef>
+                <a:spcPct val="0"/>
+              </a:spcBef>
+              <a:buNone/>
+              <a:defRPr sz="4400" kern="1200">
+                <a:solidFill>
+                  <a:schemeClr val="tx1"/>
+                </a:solidFill>
+                <a:latin typeface="+mj-lt"/>
+                <a:ea typeface="+mj-ea"/>
+                <a:cs typeface="+mj-cs"/>
+              </a:defRPr>
+            </a:lvl1pPr>
+          </a:lstStyle>
+          <a:p>
+            <a:r>
+              <a:rPr lang="en-US" sz="1800" dirty="0" smtClean="0">
+                <a:solidFill>
+                  <a:prstClr val="white"/>
+                </a:solidFill>
+                <a:latin typeface="Helvetica Light"/>
+                <a:cs typeface="Helvetica Light"/>
+              </a:rPr>
+              <a:t>Investment in 2013-2014 financial year, an amount that has risen by 3% on average over last four years</a:t>
+            </a:r>
+          </a:p>
+        </p:txBody>
+      </p:sp>
+      <p:sp>
+        <p:nvSpPr>
+          <p:cNvPr id="10" name="Title 1"/>
+          <p:cNvSpPr>
+            <a:spLocks noGrp="1"/>
+          </p:cNvSpPr>
+          <p:nvPr>
+            <p:ph type="title"/>
+          </p:nvPr>
+        </p:nvSpPr>
+        <p:spPr>
+          <a:xfrm>
+            <a:off x="457200" y="538542"/>
+            <a:ext cx="8229600" cy="1143000"/>
+          </a:xfrm>
+        </p:spPr>
+        <p:txBody>
+          <a:bodyPr>
+            <a:noAutofit/>
+          </a:bodyPr>
+          <a:lstStyle/>
+          <a:p>
+            <a:pPr algn="l"/>
+            <a:r>
+              <a:rPr lang="en-US" dirty="0" smtClean="0">
+                <a:solidFill>
+                  <a:schemeClr val="bg1"/>
+                </a:solidFill>
+                <a:latin typeface="Helvetica"/>
+                <a:cs typeface="Helvetica"/>
+              </a:rPr>
+              <a:t>The cost of UK research that</a:t>
+            </a:r>
+            <a:br>
+              <a:rPr lang="en-US" dirty="0" smtClean="0">
+                <a:solidFill>
+                  <a:schemeClr val="bg1"/>
+                </a:solidFill>
+                <a:latin typeface="Helvetica"/>
+                <a:cs typeface="Helvetica"/>
+              </a:rPr>
+            </a:br>
+            <a:r>
+              <a:rPr lang="en-US" dirty="0" smtClean="0">
+                <a:solidFill>
+                  <a:schemeClr val="bg1"/>
+                </a:solidFill>
+                <a:latin typeface="Helvetica"/>
+                <a:cs typeface="Helvetica"/>
+              </a:rPr>
+              <a:t>relies on software</a:t>
+            </a:r>
+            <a:endParaRPr lang="en-US" dirty="0">
+              <a:solidFill>
+                <a:schemeClr val="bg1"/>
+              </a:solidFill>
+              <a:latin typeface="Helvetica"/>
+              <a:cs typeface="Helvetica"/>
+            </a:endParaRPr>
+          </a:p>
+        </p:txBody>
+      </p:sp>
+      <p:sp>
+        <p:nvSpPr>
+          <p:cNvPr id="8" name="TextBox 7"/>
+          <p:cNvSpPr txBox="1"/>
+          <p:nvPr/>
+        </p:nvSpPr>
+        <p:spPr>
+          <a:xfrm>
+            <a:off x="5062855" y="2409413"/>
+            <a:ext cx="3765055" cy="1631216"/>
+          </a:xfrm>
+          <a:prstGeom prst="rect">
+            <a:avLst/>
+          </a:prstGeom>
+          <a:noFill/>
+        </p:spPr>
+        <p:txBody>
+          <a:bodyPr wrap="square" rtlCol="0">
+            <a:spAutoFit/>
+          </a:bodyPr>
+          <a:lstStyle/>
+          <a:p>
+            <a:pPr algn="ctr" defTabSz="457200"/>
+            <a:r>
+              <a:rPr lang="en-US" sz="9600" dirty="0" smtClean="0">
+                <a:solidFill>
+                  <a:srgbClr val="FFFFFF"/>
+                </a:solidFill>
+                <a:latin typeface="Helvetica"/>
+                <a:cs typeface="Helvetica"/>
+              </a:rPr>
+              <a:t>30%</a:t>
+            </a:r>
+            <a:endParaRPr lang="en-US" sz="9600" dirty="0">
+              <a:solidFill>
+                <a:srgbClr val="FFFFFF"/>
+              </a:solidFill>
+              <a:latin typeface="Helvetica"/>
+              <a:cs typeface="Helvetica"/>
+            </a:endParaRPr>
+          </a:p>
+        </p:txBody>
+      </p:sp>
+      <p:sp>
+        <p:nvSpPr>
+          <p:cNvPr id="9" name="Title 1"/>
+          <p:cNvSpPr txBox="1">
+            <a:spLocks/>
+          </p:cNvSpPr>
+          <p:nvPr/>
+        </p:nvSpPr>
+        <p:spPr>
+          <a:xfrm>
+            <a:off x="5062855" y="3997471"/>
+            <a:ext cx="3765055" cy="1383373"/>
+          </a:xfrm>
+          <a:prstGeom prst="rect">
+            <a:avLst/>
+          </a:prstGeom>
+        </p:spPr>
+        <p:txBody>
+          <a:bodyPr vert="horz" lIns="91440" tIns="45720" rIns="91440" bIns="45720" rtlCol="0" anchor="t">
+            <a:normAutofit fontScale="97500"/>
+          </a:bodyPr>
+          <a:lstStyle>
+            <a:lvl1pPr algn="ctr" defTabSz="457200" rtl="0" eaLnBrk="1" latinLnBrk="0" hangingPunct="1">
+              <a:spcBef>
+                <a:spcPct val="0"/>
+              </a:spcBef>
+              <a:buNone/>
+              <a:defRPr sz="4400" kern="1200">
+                <a:solidFill>
+                  <a:schemeClr val="tx1"/>
+                </a:solidFill>
+                <a:latin typeface="+mj-lt"/>
+                <a:ea typeface="+mj-ea"/>
+                <a:cs typeface="+mj-cs"/>
+              </a:defRPr>
+            </a:lvl1pPr>
+          </a:lstStyle>
+          <a:p>
+            <a:r>
+              <a:rPr lang="en-US" sz="1800" dirty="0" smtClean="0">
+                <a:solidFill>
+                  <a:prstClr val="white"/>
+                </a:solidFill>
+                <a:latin typeface="Helvetica Light"/>
+                <a:cs typeface="Helvetica Light"/>
+              </a:rPr>
+              <a:t>Of total research investment has been spent on research which relies on software over the last four financial years</a:t>
+            </a:r>
+            <a:endParaRPr lang="en-US" sz="1800" dirty="0">
+              <a:solidFill>
+                <a:prstClr val="white"/>
+              </a:solidFill>
+              <a:latin typeface="Helvetica Light"/>
+              <a:cs typeface="Helvetica Light"/>
+            </a:endParaRPr>
+          </a:p>
+        </p:txBody>
+      </p:sp>
+      <p:sp>
+        <p:nvSpPr>
+          <p:cNvPr id="13" name="TextBox 12"/>
+          <p:cNvSpPr txBox="1"/>
+          <p:nvPr/>
+        </p:nvSpPr>
+        <p:spPr>
+          <a:xfrm>
+            <a:off x="0" y="6496021"/>
+            <a:ext cx="9144000" cy="307777"/>
+          </a:xfrm>
+          <a:prstGeom prst="rect">
+            <a:avLst/>
+          </a:prstGeom>
+          <a:noFill/>
+        </p:spPr>
+        <p:txBody>
+          <a:bodyPr wrap="square" rtlCol="0">
+            <a:spAutoFit/>
+          </a:bodyPr>
+          <a:lstStyle/>
+          <a:p>
+            <a:pPr defTabSz="457200"/>
+            <a:r>
+              <a:rPr lang="en-US" sz="1400" i="1" dirty="0" smtClean="0">
+                <a:solidFill>
+                  <a:srgbClr val="FFFFFF"/>
+                </a:solidFill>
+                <a:latin typeface="Helvetica Light"/>
+                <a:cs typeface="Helvetica Light"/>
+              </a:rPr>
+              <a:t>Analysis of data from 49,650 grant titles and abstracts published on Gateway to Research covering 2010-2014.  </a:t>
+            </a:r>
+            <a:endParaRPr lang="en-US" sz="1400" i="1" dirty="0">
+              <a:solidFill>
+                <a:srgbClr val="FFFFFF"/>
+              </a:solidFill>
+              <a:latin typeface="Helvetica Light"/>
+              <a:cs typeface="Helvetica Light"/>
+            </a:endParaRPr>
+          </a:p>
+        </p:txBody>
+      </p:sp>
+    </p:spTree>
+    <p:extLst>
+      <p:ext uri="{BB962C8B-B14F-4D97-AF65-F5344CB8AC3E}">
+        <p14:creationId xmlns:p14="http://schemas.microsoft.com/office/powerpoint/2010/main" val="1016658757"/>
+      </p:ext>
+    </p:extLst>
+  </p:cSld>
+  <p:clrMapOvr>
+    <a:masterClrMapping/>
+  </p:clrMapOvr>
+  <mc:AlternateContent xmlns:mc="http://schemas.openxmlformats.org/markup-compatibility/2006" xmlns:p14="http://schemas.microsoft.com/office/powerpoint/2010/main">
+    <mc:Choice Requires="p14">
+      <p:transition spd="slow" p14:dur="2000"/>
+    </mc:Choice>
+    <mc:Fallback xmlns="">
+      <p:transition xmlns:p14="http://schemas.microsoft.com/office/powerpoint/2010/main" spd="slow"/>
+    </mc:Fallback>
+  </mc:AlternateContent>
+  <p:timing>
+    <p:tnLst>
+      <p:par>
+        <p:cTn id="1" dur="indefinite" restart="never" nodeType="tmRoot"/>
+      </p:par>
+    </p:tnLst>
+  </p:timing>
+</p:sld>
+</file>
+
+<file path=ppt/slides/slide8.xml><?xml version="1.0" encoding="utf-8"?>
+<p:sld xmlns:a="http://schemas.openxmlformats.org/drawingml/2006/main" xmlns:r="http://schemas.openxmlformats.org/officeDocument/2006/relationships" xmlns:p="http://schemas.openxmlformats.org/presentationml/2006/main">
+  <p:cSld>
+    <p:spTree>
+      <p:nvGrpSpPr>
+        <p:cNvPr id="1" name=""/>
+        <p:cNvGrpSpPr/>
+        <p:nvPr/>
+      </p:nvGrpSpPr>
+      <p:grpSpPr>
+        <a:xfrm>
+          <a:off x="0" y="0"/>
+          <a:ext cx="0" cy="0"/>
+          <a:chOff x="0" y="0"/>
+          <a:chExt cx="0" cy="0"/>
+        </a:xfrm>
+      </p:grpSpPr>
+      <p:sp>
+        <p:nvSpPr>
+          <p:cNvPr id="2" name="Title 1"/>
+          <p:cNvSpPr>
+            <a:spLocks noGrp="1"/>
+          </p:cNvSpPr>
+          <p:nvPr>
+            <p:ph type="title"/>
+          </p:nvPr>
+        </p:nvSpPr>
+        <p:spPr>
+          <a:xfrm>
+            <a:off x="457200" y="538542"/>
+            <a:ext cx="8229600" cy="1143000"/>
+          </a:xfrm>
+        </p:spPr>
+        <p:txBody>
+          <a:bodyPr>
+            <a:noAutofit/>
+          </a:bodyPr>
+          <a:lstStyle/>
+          <a:p>
+            <a:pPr algn="l"/>
+            <a:r>
+              <a:rPr lang="en-US" dirty="0" smtClean="0">
+                <a:solidFill>
+                  <a:schemeClr val="bg1"/>
+                </a:solidFill>
+                <a:latin typeface="Helvetica"/>
+                <a:cs typeface="Helvetica"/>
+              </a:rPr>
+              <a:t>The UK research</a:t>
+            </a:r>
+            <a:r>
+              <a:rPr lang="en-US" dirty="0">
+                <a:solidFill>
+                  <a:schemeClr val="bg1"/>
+                </a:solidFill>
+                <a:latin typeface="Helvetica"/>
+                <a:cs typeface="Helvetica"/>
+              </a:rPr>
+              <a:t> </a:t>
+            </a:r>
+            <a:r>
+              <a:rPr lang="en-US" dirty="0" smtClean="0">
+                <a:solidFill>
+                  <a:schemeClr val="bg1"/>
+                </a:solidFill>
+                <a:latin typeface="Helvetica"/>
+                <a:cs typeface="Helvetica"/>
+              </a:rPr>
+              <a:t>community doesn’t have the skills</a:t>
+            </a:r>
+            <a:endParaRPr lang="en-US" dirty="0">
+              <a:solidFill>
+                <a:schemeClr val="bg1"/>
+              </a:solidFill>
+              <a:latin typeface="Helvetica"/>
+              <a:cs typeface="Helvetica"/>
+            </a:endParaRPr>
+          </a:p>
+        </p:txBody>
+      </p:sp>
+      <p:sp>
+        <p:nvSpPr>
+          <p:cNvPr id="21" name="TextBox 20"/>
+          <p:cNvSpPr txBox="1"/>
+          <p:nvPr/>
+        </p:nvSpPr>
+        <p:spPr>
+          <a:xfrm>
+            <a:off x="99781" y="6331409"/>
+            <a:ext cx="8941143" cy="523220"/>
+          </a:xfrm>
+          <a:prstGeom prst="rect">
+            <a:avLst/>
+          </a:prstGeom>
+          <a:noFill/>
+        </p:spPr>
+        <p:txBody>
+          <a:bodyPr wrap="square" rtlCol="0">
+            <a:spAutoFit/>
+          </a:bodyPr>
+          <a:lstStyle/>
+          <a:p>
+            <a:pPr defTabSz="457200"/>
+            <a:r>
+              <a:rPr lang="en-US" sz="1400" i="1" dirty="0" smtClean="0">
+                <a:solidFill>
+                  <a:srgbClr val="FFFFFF"/>
+                </a:solidFill>
+                <a:latin typeface="Helvetica Light"/>
+                <a:cs typeface="Helvetica Light"/>
+              </a:rPr>
+              <a:t>Survey of researchers from 15 Russell Group universities conducted by SSI between August - October 2014. </a:t>
+            </a:r>
+            <a:br>
+              <a:rPr lang="en-US" sz="1400" i="1" dirty="0" smtClean="0">
+                <a:solidFill>
+                  <a:srgbClr val="FFFFFF"/>
+                </a:solidFill>
+                <a:latin typeface="Helvetica Light"/>
+                <a:cs typeface="Helvetica Light"/>
+              </a:rPr>
+            </a:br>
+            <a:r>
+              <a:rPr lang="en-US" sz="1400" i="1" dirty="0" smtClean="0">
+                <a:solidFill>
+                  <a:srgbClr val="FFFFFF"/>
+                </a:solidFill>
+                <a:latin typeface="Helvetica Light"/>
+                <a:cs typeface="Helvetica Light"/>
+              </a:rPr>
+              <a:t>406 respondents covering representative range of funders, discipline and seniority.  </a:t>
+            </a:r>
+            <a:endParaRPr lang="en-US" sz="1400" i="1" dirty="0">
+              <a:solidFill>
+                <a:srgbClr val="FFFFFF"/>
+              </a:solidFill>
+              <a:latin typeface="Helvetica Light"/>
+              <a:cs typeface="Helvetica Light"/>
+            </a:endParaRPr>
+          </a:p>
+        </p:txBody>
+      </p:sp>
+      <p:sp>
+        <p:nvSpPr>
+          <p:cNvPr id="6" name="TextBox 5"/>
+          <p:cNvSpPr txBox="1"/>
+          <p:nvPr/>
+        </p:nvSpPr>
+        <p:spPr>
+          <a:xfrm>
+            <a:off x="363130" y="2409413"/>
+            <a:ext cx="4093487" cy="1631216"/>
+          </a:xfrm>
+          <a:prstGeom prst="rect">
+            <a:avLst/>
+          </a:prstGeom>
+          <a:noFill/>
+        </p:spPr>
+        <p:txBody>
+          <a:bodyPr wrap="square" rtlCol="0">
+            <a:spAutoFit/>
+          </a:bodyPr>
+          <a:lstStyle/>
+          <a:p>
+            <a:pPr algn="ctr" defTabSz="457200"/>
+            <a:r>
+              <a:rPr lang="en-US" sz="9600" dirty="0" smtClean="0">
+                <a:solidFill>
+                  <a:srgbClr val="FFFFFF"/>
+                </a:solidFill>
+                <a:latin typeface="Helvetica"/>
+                <a:cs typeface="Helvetica"/>
+              </a:rPr>
+              <a:t>56%</a:t>
+            </a:r>
+            <a:endParaRPr lang="en-US" sz="9600" dirty="0">
+              <a:solidFill>
+                <a:srgbClr val="FFFFFF"/>
+              </a:solidFill>
+              <a:latin typeface="Helvetica"/>
+              <a:cs typeface="Helvetica"/>
+            </a:endParaRPr>
+          </a:p>
+        </p:txBody>
+      </p:sp>
+      <p:sp>
+        <p:nvSpPr>
+          <p:cNvPr id="7" name="Title 1"/>
+          <p:cNvSpPr txBox="1">
+            <a:spLocks/>
+          </p:cNvSpPr>
+          <p:nvPr/>
+        </p:nvSpPr>
+        <p:spPr>
+          <a:xfrm>
+            <a:off x="468494" y="3853562"/>
+            <a:ext cx="3765055" cy="1143000"/>
+          </a:xfrm>
+          <a:prstGeom prst="rect">
+            <a:avLst/>
+          </a:prstGeom>
+        </p:spPr>
+        <p:txBody>
+          <a:bodyPr vert="horz" lIns="91440" tIns="45720" rIns="91440" bIns="45720" rtlCol="0" anchor="t">
+            <a:normAutofit fontScale="97500"/>
+          </a:bodyPr>
+          <a:lstStyle>
+            <a:lvl1pPr algn="ctr" defTabSz="457200" rtl="0" eaLnBrk="1" latinLnBrk="0" hangingPunct="1">
+              <a:spcBef>
+                <a:spcPct val="0"/>
+              </a:spcBef>
+              <a:buNone/>
+              <a:defRPr sz="4400" kern="1200">
+                <a:solidFill>
+                  <a:schemeClr val="tx1"/>
+                </a:solidFill>
+                <a:latin typeface="+mj-lt"/>
+                <a:ea typeface="+mj-ea"/>
+                <a:cs typeface="+mj-cs"/>
+              </a:defRPr>
+            </a:lvl1pPr>
+          </a:lstStyle>
+          <a:p>
+            <a:r>
+              <a:rPr lang="en-US" sz="1800" dirty="0" smtClean="0">
+                <a:solidFill>
+                  <a:prstClr val="white"/>
+                </a:solidFill>
+                <a:latin typeface="Helvetica Light"/>
+                <a:cs typeface="Helvetica Light"/>
+              </a:rPr>
+              <a:t>Of UK researchers develop their own research software</a:t>
+            </a:r>
+          </a:p>
+        </p:txBody>
+      </p:sp>
+      <p:sp>
+        <p:nvSpPr>
+          <p:cNvPr id="8" name="TextBox 7"/>
+          <p:cNvSpPr txBox="1"/>
+          <p:nvPr/>
+        </p:nvSpPr>
+        <p:spPr>
+          <a:xfrm>
+            <a:off x="5062855" y="2409413"/>
+            <a:ext cx="3765055" cy="1631216"/>
+          </a:xfrm>
+          <a:prstGeom prst="rect">
+            <a:avLst/>
+          </a:prstGeom>
+          <a:noFill/>
+        </p:spPr>
+        <p:txBody>
+          <a:bodyPr wrap="square" rtlCol="0">
+            <a:spAutoFit/>
+          </a:bodyPr>
+          <a:lstStyle/>
+          <a:p>
+            <a:pPr algn="ctr" defTabSz="457200"/>
+            <a:r>
+              <a:rPr lang="en-US" sz="9600" dirty="0" smtClean="0">
+                <a:solidFill>
+                  <a:srgbClr val="FFFFFF"/>
+                </a:solidFill>
+                <a:latin typeface="Helvetica"/>
+                <a:cs typeface="Helvetica"/>
+              </a:rPr>
+              <a:t>71%</a:t>
+            </a:r>
+            <a:endParaRPr lang="en-US" sz="9600" dirty="0">
+              <a:solidFill>
+                <a:srgbClr val="FFFFFF"/>
+              </a:solidFill>
+              <a:latin typeface="Helvetica"/>
+              <a:cs typeface="Helvetica"/>
+            </a:endParaRPr>
+          </a:p>
+        </p:txBody>
+      </p:sp>
+      <p:sp>
+        <p:nvSpPr>
+          <p:cNvPr id="9" name="Title 1"/>
+          <p:cNvSpPr txBox="1">
+            <a:spLocks/>
+          </p:cNvSpPr>
+          <p:nvPr/>
+        </p:nvSpPr>
+        <p:spPr>
+          <a:xfrm>
+            <a:off x="4456616" y="3857771"/>
+            <a:ext cx="4687383" cy="1383373"/>
+          </a:xfrm>
+          <a:prstGeom prst="rect">
+            <a:avLst/>
+          </a:prstGeom>
+        </p:spPr>
+        <p:txBody>
+          <a:bodyPr vert="horz" lIns="91440" tIns="45720" rIns="91440" bIns="45720" rtlCol="0" anchor="t">
+            <a:normAutofit fontScale="97500"/>
+          </a:bodyPr>
+          <a:lstStyle>
+            <a:lvl1pPr algn="ctr" defTabSz="457200" rtl="0" eaLnBrk="1" latinLnBrk="0" hangingPunct="1">
+              <a:spcBef>
+                <a:spcPct val="0"/>
+              </a:spcBef>
+              <a:buNone/>
+              <a:defRPr sz="4400" kern="1200">
+                <a:solidFill>
+                  <a:schemeClr val="tx1"/>
+                </a:solidFill>
+                <a:latin typeface="+mj-lt"/>
+                <a:ea typeface="+mj-ea"/>
+                <a:cs typeface="+mj-cs"/>
+              </a:defRPr>
+            </a:lvl1pPr>
+          </a:lstStyle>
+          <a:p>
+            <a:r>
+              <a:rPr lang="en-US" sz="1800" dirty="0" smtClean="0">
+                <a:solidFill>
+                  <a:prstClr val="white"/>
+                </a:solidFill>
+                <a:latin typeface="Helvetica Light"/>
+                <a:cs typeface="Helvetica Light"/>
+              </a:rPr>
+              <a:t>Of UK researchers have had no formal software development training</a:t>
+            </a:r>
+            <a:endParaRPr lang="en-US" sz="1800" dirty="0">
+              <a:solidFill>
+                <a:prstClr val="white"/>
+              </a:solidFill>
+              <a:latin typeface="Helvetica Light"/>
+              <a:cs typeface="Helvetica Light"/>
+            </a:endParaRPr>
+          </a:p>
+        </p:txBody>
+      </p:sp>
+      <p:sp>
+        <p:nvSpPr>
+          <p:cNvPr id="11" name="TextBox 10"/>
+          <p:cNvSpPr txBox="1"/>
+          <p:nvPr/>
+        </p:nvSpPr>
+        <p:spPr>
+          <a:xfrm>
+            <a:off x="475343" y="4532514"/>
+            <a:ext cx="8229599" cy="1569660"/>
+          </a:xfrm>
+          <a:prstGeom prst="rect">
+            <a:avLst/>
+          </a:prstGeom>
+          <a:noFill/>
+        </p:spPr>
+        <p:txBody>
+          <a:bodyPr wrap="square" rtlCol="0">
+            <a:spAutoFit/>
+          </a:bodyPr>
+          <a:lstStyle/>
+          <a:p>
+            <a:pPr algn="ctr" defTabSz="457200"/>
+            <a:r>
+              <a:rPr lang="en-US" sz="9600" dirty="0" smtClean="0">
+                <a:solidFill>
+                  <a:srgbClr val="FFFFFF"/>
+                </a:solidFill>
+                <a:latin typeface="Helvetica"/>
+                <a:cs typeface="Helvetica"/>
+              </a:rPr>
+              <a:t>140,000</a:t>
+            </a:r>
+            <a:endParaRPr lang="en-US" sz="9600" dirty="0">
+              <a:solidFill>
+                <a:srgbClr val="FFFFFF"/>
+              </a:solidFill>
+              <a:latin typeface="Helvetica"/>
+              <a:cs typeface="Helvetica"/>
+            </a:endParaRPr>
+          </a:p>
+        </p:txBody>
+      </p:sp>
+      <p:sp>
+        <p:nvSpPr>
+          <p:cNvPr id="12" name="Title 1"/>
+          <p:cNvSpPr txBox="1">
+            <a:spLocks/>
+          </p:cNvSpPr>
+          <p:nvPr/>
+        </p:nvSpPr>
+        <p:spPr>
+          <a:xfrm>
+            <a:off x="475343" y="5900291"/>
+            <a:ext cx="8211458" cy="1143000"/>
+          </a:xfrm>
+          <a:prstGeom prst="rect">
+            <a:avLst/>
+          </a:prstGeom>
+        </p:spPr>
+        <p:txBody>
+          <a:bodyPr vert="horz" lIns="91440" tIns="45720" rIns="91440" bIns="45720" rtlCol="0" anchor="t">
+            <a:normAutofit fontScale="97500"/>
+          </a:bodyPr>
+          <a:lstStyle>
+            <a:lvl1pPr algn="ctr" defTabSz="457200" rtl="0" eaLnBrk="1" latinLnBrk="0" hangingPunct="1">
+              <a:spcBef>
+                <a:spcPct val="0"/>
+              </a:spcBef>
+              <a:buNone/>
+              <a:defRPr sz="4400" kern="1200">
+                <a:solidFill>
+                  <a:schemeClr val="tx1"/>
+                </a:solidFill>
+                <a:latin typeface="+mj-lt"/>
+                <a:ea typeface="+mj-ea"/>
+                <a:cs typeface="+mj-cs"/>
+              </a:defRPr>
+            </a:lvl1pPr>
+          </a:lstStyle>
+          <a:p>
+            <a:r>
+              <a:rPr lang="en-US" sz="1800" dirty="0" smtClean="0">
+                <a:solidFill>
+                  <a:prstClr val="white"/>
+                </a:solidFill>
+                <a:latin typeface="Helvetica Light"/>
+                <a:cs typeface="Helvetica Light"/>
+              </a:rPr>
+              <a:t>UK researchers are relying on their own coding skills</a:t>
+            </a:r>
+          </a:p>
+        </p:txBody>
+      </p:sp>
+    </p:spTree>
+    <p:extLst>
+      <p:ext uri="{BB962C8B-B14F-4D97-AF65-F5344CB8AC3E}">
+        <p14:creationId xmlns:p14="http://schemas.microsoft.com/office/powerpoint/2010/main" val="412662025"/>
+      </p:ext>
+    </p:extLst>
+  </p:cSld>
+  <p:clrMapOvr>
+    <a:masterClrMapping/>
+  </p:clrMapOvr>
+  <mc:AlternateContent xmlns:mc="http://schemas.openxmlformats.org/markup-compatibility/2006" xmlns:p14="http://schemas.microsoft.com/office/powerpoint/2010/main">
+    <mc:Choice Requires="p14">
+      <p:transition spd="slow" p14:dur="2000"/>
+    </mc:Choice>
+    <mc:Fallback xmlns="">
+      <p:transition xmlns:p14="http://schemas.microsoft.com/office/powerpoint/2010/main" spd="slow"/>
+    </mc:Fallback>
+  </mc:AlternateContent>
   <p:timing>
     <p:tnLst>
       <p:par>
@@ -10103,6 +14913,326 @@
 </file>
 
 <file path=ppt/theme/theme3.xml><?xml version="1.0" encoding="utf-8"?>
+<a:theme xmlns:a="http://schemas.openxmlformats.org/drawingml/2006/main" name="6_Office Theme">
+  <a:themeElements>
+    <a:clrScheme name="Office">
+      <a:dk1>
+        <a:sysClr val="windowText" lastClr="000000"/>
+      </a:dk1>
+      <a:lt1>
+        <a:sysClr val="window" lastClr="FFFFFF"/>
+      </a:lt1>
+      <a:dk2>
+        <a:srgbClr val="1F497D"/>
+      </a:dk2>
+      <a:lt2>
+        <a:srgbClr val="EEECE1"/>
+      </a:lt2>
+      <a:accent1>
+        <a:srgbClr val="4F81BD"/>
+      </a:accent1>
+      <a:accent2>
+        <a:srgbClr val="C0504D"/>
+      </a:accent2>
+      <a:accent3>
+        <a:srgbClr val="9BBB59"/>
+      </a:accent3>
+      <a:accent4>
+        <a:srgbClr val="8064A2"/>
+      </a:accent4>
+      <a:accent5>
+        <a:srgbClr val="4BACC6"/>
+      </a:accent5>
+      <a:accent6>
+        <a:srgbClr val="F79646"/>
+      </a:accent6>
+      <a:hlink>
+        <a:srgbClr val="0000FF"/>
+      </a:hlink>
+      <a:folHlink>
+        <a:srgbClr val="800080"/>
+      </a:folHlink>
+    </a:clrScheme>
+    <a:fontScheme name="Office">
+      <a:majorFont>
+        <a:latin typeface="Calibri"/>
+        <a:ea typeface=""/>
+        <a:cs typeface=""/>
+        <a:font script="Jpan" typeface="ＭＳ Ｐゴシック"/>
+        <a:font script="Hang" typeface="맑은 고딕"/>
+        <a:font script="Hans" typeface="宋体"/>
+        <a:font script="Hant" typeface="新細明體"/>
+        <a:font script="Arab" typeface="Times New Roman"/>
+        <a:font script="Hebr" typeface="Times New Roman"/>
+        <a:font script="Thai" typeface="Angsana New"/>
+        <a:font script="Ethi" typeface="Nyala"/>
+        <a:font script="Beng" typeface="Vrinda"/>
+        <a:font script="Gujr" typeface="Shruti"/>
+        <a:font script="Khmr" typeface="MoolBoran"/>
+        <a:font script="Knda" typeface="Tunga"/>
+        <a:font script="Guru" typeface="Raavi"/>
+        <a:font script="Cans" typeface="Euphemia"/>
+        <a:font script="Cher" typeface="Plantagenet Cherokee"/>
+        <a:font script="Yiii" typeface="Microsoft Yi Baiti"/>
+        <a:font script="Tibt" typeface="Microsoft Himalaya"/>
+        <a:font script="Thaa" typeface="MV Boli"/>
+        <a:font script="Deva" typeface="Mangal"/>
+        <a:font script="Telu" typeface="Gautami"/>
+        <a:font script="Taml" typeface="Latha"/>
+        <a:font script="Syrc" typeface="Estrangelo Edessa"/>
+        <a:font script="Orya" typeface="Kalinga"/>
+        <a:font script="Mlym" typeface="Kartika"/>
+        <a:font script="Laoo" typeface="DokChampa"/>
+        <a:font script="Sinh" typeface="Iskoola Pota"/>
+        <a:font script="Mong" typeface="Mongolian Baiti"/>
+        <a:font script="Viet" typeface="Times New Roman"/>
+        <a:font script="Uigh" typeface="Microsoft Uighur"/>
+        <a:font script="Geor" typeface="Sylfaen"/>
+      </a:majorFont>
+      <a:minorFont>
+        <a:latin typeface="Calibri"/>
+        <a:ea typeface=""/>
+        <a:cs typeface=""/>
+        <a:font script="Jpan" typeface="ＭＳ Ｐゴシック"/>
+        <a:font script="Hang" typeface="맑은 고딕"/>
+        <a:font script="Hans" typeface="宋体"/>
+        <a:font script="Hant" typeface="新細明體"/>
+        <a:font script="Arab" typeface="Arial"/>
+        <a:font script="Hebr" typeface="Arial"/>
+        <a:font script="Thai" typeface="Cordia New"/>
+        <a:font script="Ethi" typeface="Nyala"/>
+        <a:font script="Beng" typeface="Vrinda"/>
+        <a:font script="Gujr" typeface="Shruti"/>
+        <a:font script="Khmr" typeface="DaunPenh"/>
+        <a:font script="Knda" typeface="Tunga"/>
+        <a:font script="Guru" typeface="Raavi"/>
+        <a:font script="Cans" typeface="Euphemia"/>
+        <a:font script="Cher" typeface="Plantagenet Cherokee"/>
+        <a:font script="Yiii" typeface="Microsoft Yi Baiti"/>
+        <a:font script="Tibt" typeface="Microsoft Himalaya"/>
+        <a:font script="Thaa" typeface="MV Boli"/>
+        <a:font script="Deva" typeface="Mangal"/>
+        <a:font script="Telu" typeface="Gautami"/>
+        <a:font script="Taml" typeface="Latha"/>
+        <a:font script="Syrc" typeface="Estrangelo Edessa"/>
+        <a:font script="Orya" typeface="Kalinga"/>
+        <a:font script="Mlym" typeface="Kartika"/>
+        <a:font script="Laoo" typeface="DokChampa"/>
+        <a:font script="Sinh" typeface="Iskoola Pota"/>
+        <a:font script="Mong" typeface="Mongolian Baiti"/>
+        <a:font script="Viet" typeface="Arial"/>
+        <a:font script="Uigh" typeface="Microsoft Uighur"/>
+        <a:font script="Geor" typeface="Sylfaen"/>
+      </a:minorFont>
+    </a:fontScheme>
+    <a:fmtScheme name="Office">
+      <a:fillStyleLst>
+        <a:solidFill>
+          <a:schemeClr val="phClr"/>
+        </a:solidFill>
+        <a:gradFill rotWithShape="1">
+          <a:gsLst>
+            <a:gs pos="0">
+              <a:schemeClr val="phClr">
+                <a:tint val="50000"/>
+                <a:satMod val="300000"/>
+              </a:schemeClr>
+            </a:gs>
+            <a:gs pos="35000">
+              <a:schemeClr val="phClr">
+                <a:tint val="37000"/>
+                <a:satMod val="300000"/>
+              </a:schemeClr>
+            </a:gs>
+            <a:gs pos="100000">
+              <a:schemeClr val="phClr">
+                <a:tint val="15000"/>
+                <a:satMod val="350000"/>
+              </a:schemeClr>
+            </a:gs>
+          </a:gsLst>
+          <a:lin ang="16200000" scaled="1"/>
+        </a:gradFill>
+        <a:gradFill rotWithShape="1">
+          <a:gsLst>
+            <a:gs pos="0">
+              <a:schemeClr val="phClr">
+                <a:tint val="100000"/>
+                <a:shade val="100000"/>
+                <a:satMod val="130000"/>
+              </a:schemeClr>
+            </a:gs>
+            <a:gs pos="100000">
+              <a:schemeClr val="phClr">
+                <a:tint val="50000"/>
+                <a:shade val="100000"/>
+                <a:satMod val="350000"/>
+              </a:schemeClr>
+            </a:gs>
+          </a:gsLst>
+          <a:lin ang="16200000" scaled="0"/>
+        </a:gradFill>
+      </a:fillStyleLst>
+      <a:lnStyleLst>
+        <a:ln w="9525" cap="flat" cmpd="sng" algn="ctr">
+          <a:solidFill>
+            <a:schemeClr val="phClr">
+              <a:shade val="95000"/>
+              <a:satMod val="105000"/>
+            </a:schemeClr>
+          </a:solidFill>
+          <a:prstDash val="solid"/>
+        </a:ln>
+        <a:ln w="25400" cap="flat" cmpd="sng" algn="ctr">
+          <a:solidFill>
+            <a:schemeClr val="phClr"/>
+          </a:solidFill>
+          <a:prstDash val="solid"/>
+        </a:ln>
+        <a:ln w="38100" cap="flat" cmpd="sng" algn="ctr">
+          <a:solidFill>
+            <a:schemeClr val="phClr"/>
+          </a:solidFill>
+          <a:prstDash val="solid"/>
+        </a:ln>
+      </a:lnStyleLst>
+      <a:effectStyleLst>
+        <a:effectStyle>
+          <a:effectLst>
+            <a:outerShdw blurRad="40000" dist="20000" dir="5400000" rotWithShape="0">
+              <a:srgbClr val="000000">
+                <a:alpha val="38000"/>
+              </a:srgbClr>
+            </a:outerShdw>
+          </a:effectLst>
+        </a:effectStyle>
+        <a:effectStyle>
+          <a:effectLst>
+            <a:outerShdw blurRad="40000" dist="23000" dir="5400000" rotWithShape="0">
+              <a:srgbClr val="000000">
+                <a:alpha val="35000"/>
+              </a:srgbClr>
+            </a:outerShdw>
+          </a:effectLst>
+        </a:effectStyle>
+        <a:effectStyle>
+          <a:effectLst>
+            <a:outerShdw blurRad="40000" dist="23000" dir="5400000" rotWithShape="0">
+              <a:srgbClr val="000000">
+                <a:alpha val="35000"/>
+              </a:srgbClr>
+            </a:outerShdw>
+          </a:effectLst>
+          <a:scene3d>
+            <a:camera prst="orthographicFront">
+              <a:rot lat="0" lon="0" rev="0"/>
+            </a:camera>
+            <a:lightRig rig="threePt" dir="t">
+              <a:rot lat="0" lon="0" rev="1200000"/>
+            </a:lightRig>
+          </a:scene3d>
+          <a:sp3d>
+            <a:bevelT w="63500" h="25400"/>
+          </a:sp3d>
+        </a:effectStyle>
+      </a:effectStyleLst>
+      <a:bgFillStyleLst>
+        <a:solidFill>
+          <a:schemeClr val="phClr"/>
+        </a:solidFill>
+        <a:gradFill rotWithShape="1">
+          <a:gsLst>
+            <a:gs pos="0">
+              <a:schemeClr val="phClr">
+                <a:tint val="40000"/>
+                <a:satMod val="350000"/>
+              </a:schemeClr>
+            </a:gs>
+            <a:gs pos="40000">
+              <a:schemeClr val="phClr">
+                <a:tint val="45000"/>
+                <a:shade val="99000"/>
+                <a:satMod val="350000"/>
+              </a:schemeClr>
+            </a:gs>
+            <a:gs pos="100000">
+              <a:schemeClr val="phClr">
+                <a:shade val="20000"/>
+                <a:satMod val="255000"/>
+              </a:schemeClr>
+            </a:gs>
+          </a:gsLst>
+          <a:path path="circle">
+            <a:fillToRect l="50000" t="-80000" r="50000" b="180000"/>
+          </a:path>
+        </a:gradFill>
+        <a:gradFill rotWithShape="1">
+          <a:gsLst>
+            <a:gs pos="0">
+              <a:schemeClr val="phClr">
+                <a:tint val="80000"/>
+                <a:satMod val="300000"/>
+              </a:schemeClr>
+            </a:gs>
+            <a:gs pos="100000">
+              <a:schemeClr val="phClr">
+                <a:shade val="30000"/>
+                <a:satMod val="200000"/>
+              </a:schemeClr>
+            </a:gs>
+          </a:gsLst>
+          <a:path path="circle">
+            <a:fillToRect l="50000" t="50000" r="50000" b="50000"/>
+          </a:path>
+        </a:gradFill>
+      </a:bgFillStyleLst>
+    </a:fmtScheme>
+  </a:themeElements>
+  <a:objectDefaults>
+    <a:spDef>
+      <a:spPr/>
+      <a:bodyPr/>
+      <a:lstStyle/>
+      <a:style>
+        <a:lnRef idx="1">
+          <a:schemeClr val="accent1"/>
+        </a:lnRef>
+        <a:fillRef idx="3">
+          <a:schemeClr val="accent1"/>
+        </a:fillRef>
+        <a:effectRef idx="2">
+          <a:schemeClr val="accent1"/>
+        </a:effectRef>
+        <a:fontRef idx="minor">
+          <a:schemeClr val="lt1"/>
+        </a:fontRef>
+      </a:style>
+    </a:spDef>
+    <a:lnDef>
+      <a:spPr/>
+      <a:bodyPr/>
+      <a:lstStyle/>
+      <a:style>
+        <a:lnRef idx="2">
+          <a:schemeClr val="accent1"/>
+        </a:lnRef>
+        <a:fillRef idx="0">
+          <a:schemeClr val="accent1"/>
+        </a:fillRef>
+        <a:effectRef idx="1">
+          <a:schemeClr val="accent1"/>
+        </a:effectRef>
+        <a:fontRef idx="minor">
+          <a:schemeClr val="tx1"/>
+        </a:fontRef>
+      </a:style>
+    </a:lnDef>
+  </a:objectDefaults>
+  <a:extraClrSchemeLst/>
+</a:theme>
+</file>
+
+<file path=ppt/theme/theme4.xml><?xml version="1.0" encoding="utf-8"?>
 <a:theme xmlns:a="http://schemas.openxmlformats.org/drawingml/2006/main" name="Office Theme">
   <a:themeElements>
     <a:clrScheme name="Office">
@@ -10386,12 +15516,6 @@
 </file>
 
 <file path=customXml/item1.xml><?xml version="1.0" encoding="utf-8"?>
-<p:properties xmlns:p="http://schemas.microsoft.com/office/2006/metadata/properties" xmlns:xsi="http://www.w3.org/2001/XMLSchema-instance">
-  <documentManagement/>
-</p:properties>
-</file>
-
-<file path=customXml/item2.xml><?xml version="1.0" encoding="utf-8"?>
 <ct:contentTypeSchema xmlns:ct="http://schemas.microsoft.com/office/2006/metadata/contentType" xmlns:ma="http://schemas.microsoft.com/office/2006/metadata/properties/metaAttributes" ct:_="" ma:_="" ma:contentTypeName="Document" ma:contentTypeID="0x0101004F7856CD46387443811428F16B5378D3" ma:contentTypeVersion="0" ma:contentTypeDescription="Create a new document." ma:contentTypeScope="" ma:versionID="17a1fa9394e9df3ffe0f82bd7dbd4843">
   <xsd:schema xmlns:xsd="http://www.w3.org/2001/XMLSchema" xmlns:p="http://schemas.microsoft.com/office/2006/metadata/properties" targetNamespace="http://schemas.microsoft.com/office/2006/metadata/properties" ma:root="true" ma:fieldsID="4aeb20c0e3442673af7ee10786458764">
     <xsd:element name="properties">
@@ -10440,7 +15564,7 @@
 </ct:contentTypeSchema>
 </file>
 
-<file path=customXml/item3.xml><?xml version="1.0" encoding="utf-8"?>
+<file path=customXml/item2.xml><?xml version="1.0" encoding="utf-8"?>
 <?mso-contentType ?>
 <FormTemplates xmlns="http://schemas.microsoft.com/sharepoint/v3/contenttype/forms">
   <Display>DocumentLibraryForm</Display>
@@ -10449,21 +15573,13 @@
 </FormTemplates>
 </file>
 
-<file path=customXml/itemProps1.xml><?xml version="1.0" encoding="utf-8"?>
-<ds:datastoreItem xmlns:ds="http://schemas.openxmlformats.org/officeDocument/2006/customXml" ds:itemID="{4345AD3D-1F83-4DB7-B79D-F198C7164724}">
-  <ds:schemaRefs>
-    <ds:schemaRef ds:uri="http://schemas.microsoft.com/office/2006/documentManagement/types"/>
-    <ds:schemaRef ds:uri="http://purl.org/dc/elements/1.1/"/>
-    <ds:schemaRef ds:uri="http://purl.org/dc/terms/"/>
-    <ds:schemaRef ds:uri="http://purl.org/dc/dcmitype/"/>
-    <ds:schemaRef ds:uri="http://www.w3.org/XML/1998/namespace"/>
-    <ds:schemaRef ds:uri="http://schemas.microsoft.com/office/2006/metadata/properties"/>
-    <ds:schemaRef ds:uri="http://schemas.openxmlformats.org/package/2006/metadata/core-properties"/>
-  </ds:schemaRefs>
-</ds:datastoreItem>
+<file path=customXml/item3.xml><?xml version="1.0" encoding="utf-8"?>
+<p:properties xmlns:p="http://schemas.microsoft.com/office/2006/metadata/properties" xmlns:xsi="http://www.w3.org/2001/XMLSchema-instance">
+  <documentManagement/>
+</p:properties>
 </file>
 
-<file path=customXml/itemProps2.xml><?xml version="1.0" encoding="utf-8"?>
+<file path=customXml/itemProps1.xml><?xml version="1.0" encoding="utf-8"?>
 <ds:datastoreItem xmlns:ds="http://schemas.openxmlformats.org/officeDocument/2006/customXml" ds:itemID="{75C2EB04-ED8C-41B0-8704-971823A5A314}">
   <ds:schemaRefs>
     <ds:schemaRef ds:uri="http://schemas.microsoft.com/office/2006/metadata/contentType"/>
@@ -10478,10 +15594,24 @@
 </ds:datastoreItem>
 </file>
 
-<file path=customXml/itemProps3.xml><?xml version="1.0" encoding="utf-8"?>
+<file path=customXml/itemProps2.xml><?xml version="1.0" encoding="utf-8"?>
 <ds:datastoreItem xmlns:ds="http://schemas.openxmlformats.org/officeDocument/2006/customXml" ds:itemID="{49F67720-B1E7-4666-BB67-DC10D4B7611F}">
   <ds:schemaRefs>
     <ds:schemaRef ds:uri="http://schemas.microsoft.com/sharepoint/v3/contenttype/forms"/>
   </ds:schemaRefs>
 </ds:datastoreItem>
+</file>
+
+<file path=customXml/itemProps3.xml><?xml version="1.0" encoding="utf-8"?>
+<ds:datastoreItem xmlns:ds="http://schemas.openxmlformats.org/officeDocument/2006/customXml" ds:itemID="{4345AD3D-1F83-4DB7-B79D-F198C7164724}">
+  <ds:schemaRefs>
+    <ds:schemaRef ds:uri="http://schemas.microsoft.com/office/2006/documentManagement/types"/>
+    <ds:schemaRef ds:uri="http://purl.org/dc/elements/1.1/"/>
+    <ds:schemaRef ds:uri="http://purl.org/dc/terms/"/>
+    <ds:schemaRef ds:uri="http://purl.org/dc/dcmitype/"/>
+    <ds:schemaRef ds:uri="http://www.w3.org/XML/1998/namespace"/>
+    <ds:schemaRef ds:uri="http://schemas.microsoft.com/office/2006/metadata/properties"/>
+    <ds:schemaRef ds:uri="http://schemas.openxmlformats.org/package/2006/metadata/core-properties"/>
+  </ds:schemaRefs>
+</ds:datastoreItem>
 </file>